--- a/sem-1/ECAP448/ECAP448-LECTURES-PPT/ECAP448_U06_T03_PowerPoint.pptx
+++ b/sem-1/ECAP448/ECAP448-LECTURES-PPT/ECAP448_U06_T03_PowerPoint.pptx
@@ -11,55 +11,38 @@
     <p:sldId id="311" r:id="rId5"/>
     <p:sldId id="312" r:id="rId6"/>
     <p:sldId id="267" r:id="rId7"/>
-    <p:sldId id="323" r:id="rId8"/>
-    <p:sldId id="325" r:id="rId9"/>
-    <p:sldId id="326" r:id="rId10"/>
-    <p:sldId id="324" r:id="rId11"/>
-    <p:sldId id="269" r:id="rId12"/>
-    <p:sldId id="327" r:id="rId13"/>
-    <p:sldId id="328" r:id="rId14"/>
-    <p:sldId id="271" r:id="rId15"/>
-    <p:sldId id="272" r:id="rId16"/>
-    <p:sldId id="273" r:id="rId17"/>
-    <p:sldId id="276" r:id="rId18"/>
-    <p:sldId id="329" r:id="rId19"/>
-    <p:sldId id="330" r:id="rId20"/>
-    <p:sldId id="331" r:id="rId21"/>
-    <p:sldId id="332" r:id="rId22"/>
-    <p:sldId id="277" r:id="rId23"/>
-    <p:sldId id="278" r:id="rId24"/>
-    <p:sldId id="333" r:id="rId25"/>
-    <p:sldId id="334" r:id="rId26"/>
-    <p:sldId id="335" r:id="rId27"/>
-    <p:sldId id="280" r:id="rId28"/>
-    <p:sldId id="336" r:id="rId29"/>
-    <p:sldId id="337" r:id="rId30"/>
-    <p:sldId id="338" r:id="rId31"/>
-    <p:sldId id="339" r:id="rId32"/>
-    <p:sldId id="281" r:id="rId33"/>
-    <p:sldId id="282" r:id="rId34"/>
-    <p:sldId id="283" r:id="rId35"/>
-    <p:sldId id="285" r:id="rId36"/>
-    <p:sldId id="340" r:id="rId37"/>
-    <p:sldId id="286" r:id="rId38"/>
-    <p:sldId id="287" r:id="rId39"/>
-    <p:sldId id="291" r:id="rId40"/>
-    <p:sldId id="314" r:id="rId41"/>
-    <p:sldId id="292" r:id="rId42"/>
-    <p:sldId id="294" r:id="rId43"/>
-    <p:sldId id="316" r:id="rId44"/>
-    <p:sldId id="295" r:id="rId45"/>
-    <p:sldId id="299" r:id="rId46"/>
-    <p:sldId id="317" r:id="rId47"/>
-    <p:sldId id="300" r:id="rId48"/>
-    <p:sldId id="301" r:id="rId49"/>
-    <p:sldId id="302" r:id="rId50"/>
-    <p:sldId id="318" r:id="rId51"/>
-    <p:sldId id="319" r:id="rId52"/>
-    <p:sldId id="320" r:id="rId53"/>
-    <p:sldId id="321" r:id="rId54"/>
-    <p:sldId id="322" r:id="rId55"/>
-    <p:sldId id="262" r:id="rId56"/>
+    <p:sldId id="269" r:id="rId8"/>
+    <p:sldId id="271" r:id="rId9"/>
+    <p:sldId id="272" r:id="rId10"/>
+    <p:sldId id="273" r:id="rId11"/>
+    <p:sldId id="276" r:id="rId12"/>
+    <p:sldId id="277" r:id="rId13"/>
+    <p:sldId id="278" r:id="rId14"/>
+    <p:sldId id="280" r:id="rId15"/>
+    <p:sldId id="281" r:id="rId16"/>
+    <p:sldId id="282" r:id="rId17"/>
+    <p:sldId id="283" r:id="rId18"/>
+    <p:sldId id="285" r:id="rId19"/>
+    <p:sldId id="340" r:id="rId20"/>
+    <p:sldId id="286" r:id="rId21"/>
+    <p:sldId id="287" r:id="rId22"/>
+    <p:sldId id="291" r:id="rId23"/>
+    <p:sldId id="314" r:id="rId24"/>
+    <p:sldId id="292" r:id="rId25"/>
+    <p:sldId id="294" r:id="rId26"/>
+    <p:sldId id="316" r:id="rId27"/>
+    <p:sldId id="295" r:id="rId28"/>
+    <p:sldId id="299" r:id="rId29"/>
+    <p:sldId id="317" r:id="rId30"/>
+    <p:sldId id="300" r:id="rId31"/>
+    <p:sldId id="301" r:id="rId32"/>
+    <p:sldId id="302" r:id="rId33"/>
+    <p:sldId id="318" r:id="rId34"/>
+    <p:sldId id="319" r:id="rId35"/>
+    <p:sldId id="320" r:id="rId36"/>
+    <p:sldId id="321" r:id="rId37"/>
+    <p:sldId id="322" r:id="rId38"/>
+    <p:sldId id="262" r:id="rId39"/>
   </p:sldIdLst>
   <p:sldSz cx="9144000" cy="6858000" type="screen4x3"/>
   <p:notesSz cx="6858000" cy="9144000"/>
@@ -2417,10 +2400,11 @@
     <dgm:cxn modelId="{A8E95B34-5C98-417C-B8A4-3505C1D56CAF}" type="presOf" srcId="{5A981D52-5D8A-4E94-BCC7-A5C28A93E5F3}" destId="{CBF97933-EAD6-4418-8611-AE9A6500F31E}" srcOrd="0" destOrd="0" presId="urn:microsoft.com/office/officeart/2005/8/layout/orgChart1"/>
     <dgm:cxn modelId="{9CF9D237-3E2A-4610-82E2-469A1F2737F1}" type="presOf" srcId="{F4131BA2-AFA9-4966-B5FF-B209832AE832}" destId="{476046A9-A8CB-4C19-84D2-AC3166DA4216}" srcOrd="0" destOrd="0" presId="urn:microsoft.com/office/officeart/2005/8/layout/orgChart1"/>
     <dgm:cxn modelId="{8A47A93F-F65E-4770-8962-4A4D50935154}" type="presOf" srcId="{7C913BDD-13D7-4F88-8D98-F1148A1144C7}" destId="{02879267-AFBC-40E7-A49D-7700E1FDDC8E}" srcOrd="1" destOrd="0" presId="urn:microsoft.com/office/officeart/2005/8/layout/orgChart1"/>
-    <dgm:cxn modelId="{F66EA261-3231-45E8-87E9-2F7549B5B12D}" type="presOf" srcId="{C8077E51-B98A-475B-97C2-3557A41D6EAB}" destId="{9489553E-0248-4B99-9002-DE74A6D51F97}" srcOrd="1" destOrd="0" presId="urn:microsoft.com/office/officeart/2005/8/layout/orgChart1"/>
     <dgm:cxn modelId="{CD19FD43-31AF-4E1D-9796-8C2D000D765C}" srcId="{5A981D52-5D8A-4E94-BCC7-A5C28A93E5F3}" destId="{CE0B7111-B8D6-4F33-B6C3-86B521A23C93}" srcOrd="1" destOrd="0" parTransId="{16364978-DB5F-4562-BB9A-A086CDF184E1}" sibTransId="{B1E0CABB-BA09-40C3-A14E-AED9385AD877}"/>
     <dgm:cxn modelId="{05177C44-01A5-4266-B726-77A41B10779C}" type="presOf" srcId="{24BAA7A3-874A-459B-9712-FE7A67005385}" destId="{5395915B-1C22-47D5-BE55-77D51DCF3A82}" srcOrd="0" destOrd="0" presId="urn:microsoft.com/office/officeart/2005/8/layout/orgChart1"/>
     <dgm:cxn modelId="{FCE91048-34D4-4476-AFE6-AFCB38F445F5}" type="presOf" srcId="{7C913BDD-13D7-4F88-8D98-F1148A1144C7}" destId="{8D168EAF-A916-4148-AB7C-23192528928A}" srcOrd="0" destOrd="0" presId="urn:microsoft.com/office/officeart/2005/8/layout/orgChart1"/>
+    <dgm:cxn modelId="{C257E854-08A6-4806-8824-6787010E4395}" type="presOf" srcId="{1BD63CF8-9827-420A-A489-58EF464807C8}" destId="{41FDF873-78E4-45D6-A3AB-9678CE55C900}" srcOrd="0" destOrd="0" presId="urn:microsoft.com/office/officeart/2005/8/layout/orgChart1"/>
+    <dgm:cxn modelId="{F66EA261-3231-45E8-87E9-2F7549B5B12D}" type="presOf" srcId="{C8077E51-B98A-475B-97C2-3557A41D6EAB}" destId="{9489553E-0248-4B99-9002-DE74A6D51F97}" srcOrd="1" destOrd="0" presId="urn:microsoft.com/office/officeart/2005/8/layout/orgChart1"/>
     <dgm:cxn modelId="{E86E4268-6CE0-447D-ACBC-181FEFC32860}" type="presOf" srcId="{E5B0C02D-5C27-4A05-B7E5-A1AAEB9114CC}" destId="{AFE7CB23-D648-4821-8FE1-F8C770903F17}" srcOrd="0" destOrd="0" presId="urn:microsoft.com/office/officeart/2005/8/layout/orgChart1"/>
     <dgm:cxn modelId="{797CC069-17CC-484B-932D-11ACD576C994}" type="presOf" srcId="{C8077E51-B98A-475B-97C2-3557A41D6EAB}" destId="{BCCF7FB2-6671-43F2-83B7-05360F969C10}" srcOrd="0" destOrd="0" presId="urn:microsoft.com/office/officeart/2005/8/layout/orgChart1"/>
     <dgm:cxn modelId="{4CFBE16A-27F5-4D17-9662-8C35C919A78E}" type="presOf" srcId="{18BC6334-441E-4F98-8282-C483418C40BF}" destId="{29FBE6E9-6E96-4AA5-81AD-C4C581A71435}" srcOrd="0" destOrd="0" presId="urn:microsoft.com/office/officeart/2005/8/layout/orgChart1"/>
@@ -2430,7 +2414,6 @@
     <dgm:cxn modelId="{13FCF372-7EBE-4CC8-A201-61E1E115F653}" type="presOf" srcId="{A535C7B6-AF6E-4C53-B81C-DBBAAF17CBA0}" destId="{16E5B5AE-24E8-4236-92D9-59C633465C3B}" srcOrd="1" destOrd="0" presId="urn:microsoft.com/office/officeart/2005/8/layout/orgChart1"/>
     <dgm:cxn modelId="{DEBEB873-A6A4-4149-B5CE-D4EC8EBFCAD7}" type="presOf" srcId="{6E6B946B-EC92-4EEB-8EAD-78326D31909A}" destId="{F9E667BA-F6D9-424F-B9A7-0C115A64A7DC}" srcOrd="1" destOrd="0" presId="urn:microsoft.com/office/officeart/2005/8/layout/orgChart1"/>
     <dgm:cxn modelId="{40C1A074-4B2D-4674-9139-919B909320B7}" type="presOf" srcId="{22C04298-5DD8-4DA1-9825-DE7C94901F52}" destId="{BA7782A8-8D66-4104-939E-8A02A3167BE7}" srcOrd="1" destOrd="0" presId="urn:microsoft.com/office/officeart/2005/8/layout/orgChart1"/>
-    <dgm:cxn modelId="{C257E854-08A6-4806-8824-6787010E4395}" type="presOf" srcId="{1BD63CF8-9827-420A-A489-58EF464807C8}" destId="{41FDF873-78E4-45D6-A3AB-9678CE55C900}" srcOrd="0" destOrd="0" presId="urn:microsoft.com/office/officeart/2005/8/layout/orgChart1"/>
     <dgm:cxn modelId="{A7222C77-1BDE-4288-AA2B-150B7E33F4D3}" srcId="{5A981D52-5D8A-4E94-BCC7-A5C28A93E5F3}" destId="{408CC1A8-33D8-49F8-9B32-AD9A7B7EE3E3}" srcOrd="2" destOrd="0" parTransId="{18BC6334-441E-4F98-8282-C483418C40BF}" sibTransId="{F9F5DCEE-2604-459D-81EA-10D525E80659}"/>
     <dgm:cxn modelId="{BB38DC7F-B0CE-4E01-8945-F265F4804EF7}" type="presOf" srcId="{16364978-DB5F-4562-BB9A-A086CDF184E1}" destId="{1A39E10F-61D0-43CB-8E9E-62B991065DA3}" srcOrd="0" destOrd="0" presId="urn:microsoft.com/office/officeart/2005/8/layout/orgChart1"/>
     <dgm:cxn modelId="{6958E97F-3E3A-4524-B82D-E77D242D4354}" type="presOf" srcId="{44670804-3CB6-4EAD-BBD8-56938639AD40}" destId="{5DD0F7C1-D279-4097-A126-992B109EB22B}" srcOrd="0" destOrd="0" presId="urn:microsoft.com/office/officeart/2005/8/layout/orgChart1"/>
@@ -8363,7 +8346,7 @@
               <a:pPr>
                 <a:defRPr/>
               </a:pPr>
-              <a:t>3/20/2021</a:t>
+              <a:t>6/30/23</a:t>
             </a:fld>
             <a:endParaRPr lang="en-US"/>
           </a:p>
@@ -8668,7 +8651,7 @@
               <a:pPr>
                 <a:defRPr/>
               </a:pPr>
-              <a:t>3/20/2021</a:t>
+              <a:t>6/30/23</a:t>
             </a:fld>
             <a:endParaRPr lang="en-US"/>
           </a:p>
@@ -8883,7 +8866,7 @@
               <a:pPr>
                 <a:defRPr/>
               </a:pPr>
-              <a:t>3/20/2021</a:t>
+              <a:t>6/30/23</a:t>
             </a:fld>
             <a:endParaRPr lang="en-US"/>
           </a:p>
@@ -9108,7 +9091,7 @@
               <a:pPr>
                 <a:defRPr/>
               </a:pPr>
-              <a:t>3/20/2021</a:t>
+              <a:t>6/30/23</a:t>
             </a:fld>
             <a:endParaRPr lang="en-US"/>
           </a:p>
@@ -10522,7 +10505,7 @@
               <a:pPr>
                 <a:defRPr/>
               </a:pPr>
-              <a:t>3/20/2021</a:t>
+              <a:t>6/30/23</a:t>
             </a:fld>
             <a:endParaRPr lang="en-US"/>
           </a:p>
@@ -10829,7 +10812,7 @@
               <a:pPr>
                 <a:defRPr/>
               </a:pPr>
-              <a:t>3/20/2021</a:t>
+              <a:t>6/30/23</a:t>
             </a:fld>
             <a:endParaRPr lang="en-US"/>
           </a:p>
@@ -11241,7 +11224,7 @@
               <a:pPr>
                 <a:defRPr/>
               </a:pPr>
-              <a:t>3/20/2021</a:t>
+              <a:t>6/30/23</a:t>
             </a:fld>
             <a:endParaRPr lang="en-US"/>
           </a:p>
@@ -11404,7 +11387,7 @@
               <a:pPr>
                 <a:defRPr/>
               </a:pPr>
-              <a:t>3/20/2021</a:t>
+              <a:t>6/30/23</a:t>
             </a:fld>
             <a:endParaRPr lang="en-US"/>
           </a:p>
@@ -11737,7 +11720,7 @@
               <a:pPr>
                 <a:defRPr/>
               </a:pPr>
-              <a:t>3/20/2021</a:t>
+              <a:t>6/30/23</a:t>
             </a:fld>
             <a:endParaRPr lang="en-US"/>
           </a:p>
@@ -12397,837 +12380,6 @@
           <p:cNvPr id="2" name="Title 1">
             <a:extLst>
               <a:ext uri="{FF2B5EF4-FFF2-40B4-BE49-F238E27FC236}">
-                <a16:creationId xmlns:a16="http://schemas.microsoft.com/office/drawing/2014/main" id="{C227B85D-FACC-4763-B5F4-80E07CA38FB2}"/>
-              </a:ext>
-            </a:extLst>
-          </p:cNvPr>
-          <p:cNvSpPr>
-            <a:spLocks noGrp="1"/>
-          </p:cNvSpPr>
-          <p:nvPr>
-            <p:ph type="title"/>
-          </p:nvPr>
-        </p:nvSpPr>
-        <p:spPr/>
-        <p:txBody>
-          <a:bodyPr rtlCol="0"/>
-          <a:lstStyle/>
-          <a:p>
-            <a:pPr eaLnBrk="1" fontAlgn="auto" hangingPunct="1">
-              <a:defRPr/>
-            </a:pPr>
-            <a:r>
-              <a:rPr lang="en-US" dirty="0"/>
-              <a:t>Absolute Pathnames</a:t>
-            </a:r>
-          </a:p>
-        </p:txBody>
-      </p:sp>
-      <p:sp>
-        <p:nvSpPr>
-          <p:cNvPr id="15363" name="Content Placeholder 2">
-            <a:extLst>
-              <a:ext uri="{FF2B5EF4-FFF2-40B4-BE49-F238E27FC236}">
-                <a16:creationId xmlns:a16="http://schemas.microsoft.com/office/drawing/2014/main" id="{E2F79125-7E31-444A-BD84-50C735A247D2}"/>
-              </a:ext>
-            </a:extLst>
-          </p:cNvPr>
-          <p:cNvSpPr>
-            <a:spLocks noGrp="1"/>
-          </p:cNvSpPr>
-          <p:nvPr>
-            <p:ph idx="1"/>
-          </p:nvPr>
-        </p:nvSpPr>
-        <p:spPr/>
-        <p:txBody>
-          <a:bodyPr>
-            <a:normAutofit fontScale="92500" lnSpcReduction="10000"/>
-          </a:bodyPr>
-          <a:lstStyle/>
-          <a:p>
-            <a:pPr algn="just" eaLnBrk="1" hangingPunct="1">
-              <a:lnSpc>
-                <a:spcPct val="150000"/>
-              </a:lnSpc>
-              <a:buClr>
-                <a:schemeClr val="bg1">
-                  <a:lumMod val="65000"/>
-                </a:schemeClr>
-              </a:buClr>
-            </a:pPr>
-            <a:r>
-              <a:rPr lang="en-US" altLang="en-US" dirty="0">
-                <a:solidFill>
-                  <a:schemeClr val="bg1">
-                    <a:lumMod val="75000"/>
-                  </a:schemeClr>
-                </a:solidFill>
-              </a:rPr>
-              <a:t>The root directory of the filesystem hierarchy does not have a name.</a:t>
-            </a:r>
-          </a:p>
-          <a:p>
-            <a:pPr algn="just" eaLnBrk="1" hangingPunct="1">
-              <a:lnSpc>
-                <a:spcPct val="150000"/>
-              </a:lnSpc>
-              <a:buClr>
-                <a:schemeClr val="bg1">
-                  <a:lumMod val="65000"/>
-                </a:schemeClr>
-              </a:buClr>
-            </a:pPr>
-            <a:r>
-              <a:rPr lang="en-US" altLang="en-US" dirty="0">
-                <a:solidFill>
-                  <a:schemeClr val="bg1">
-                    <a:lumMod val="75000"/>
-                  </a:schemeClr>
-                </a:solidFill>
-              </a:rPr>
-              <a:t>It is referred to as the root directory. </a:t>
-            </a:r>
-          </a:p>
-          <a:p>
-            <a:pPr algn="just" eaLnBrk="1" hangingPunct="1">
-              <a:lnSpc>
-                <a:spcPct val="150000"/>
-              </a:lnSpc>
-              <a:buClr>
-                <a:schemeClr val="bg1">
-                  <a:lumMod val="65000"/>
-                </a:schemeClr>
-              </a:buClr>
-            </a:pPr>
-            <a:r>
-              <a:rPr lang="en-US" altLang="en-US" dirty="0">
-                <a:solidFill>
-                  <a:schemeClr val="bg1">
-                    <a:lumMod val="75000"/>
-                  </a:schemeClr>
-                </a:solidFill>
-              </a:rPr>
-              <a:t>It is represented by a / (slash) standing alone or at the left end of a pathname.</a:t>
-            </a:r>
-          </a:p>
-          <a:p>
-            <a:pPr algn="just" eaLnBrk="1" hangingPunct="1">
-              <a:lnSpc>
-                <a:spcPct val="150000"/>
-              </a:lnSpc>
-              <a:buClr>
-                <a:schemeClr val="bg1">
-                  <a:lumMod val="65000"/>
-                </a:schemeClr>
-              </a:buClr>
-            </a:pPr>
-            <a:r>
-              <a:rPr lang="en-US" altLang="en-US" dirty="0">
-                <a:solidFill>
-                  <a:schemeClr val="bg1">
-                    <a:lumMod val="75000"/>
-                  </a:schemeClr>
-                </a:solidFill>
-              </a:rPr>
-              <a:t>An absolute pathname starts with a slash (/), which represents the root directory.</a:t>
-            </a:r>
-          </a:p>
-          <a:p>
-            <a:pPr algn="just" eaLnBrk="1" hangingPunct="1">
-              <a:lnSpc>
-                <a:spcPct val="150000"/>
-              </a:lnSpc>
-            </a:pPr>
-            <a:r>
-              <a:rPr lang="en-US" altLang="en-US" dirty="0"/>
-              <a:t>The slash is followed by the name of a file located in the root directory. </a:t>
-            </a:r>
-          </a:p>
-          <a:p>
-            <a:pPr algn="just" eaLnBrk="1" hangingPunct="1">
-              <a:lnSpc>
-                <a:spcPct val="150000"/>
-              </a:lnSpc>
-            </a:pPr>
-            <a:endParaRPr lang="en-US" altLang="en-US" dirty="0"/>
-          </a:p>
-        </p:txBody>
-      </p:sp>
-    </p:spTree>
-    <p:extLst>
-      <p:ext uri="{BB962C8B-B14F-4D97-AF65-F5344CB8AC3E}">
-        <p14:creationId xmlns:p14="http://schemas.microsoft.com/office/powerpoint/2010/main" val="850321008"/>
-      </p:ext>
-    </p:extLst>
-  </p:cSld>
-  <p:clrMapOvr>
-    <a:masterClrMapping/>
-  </p:clrMapOvr>
-</p:sld>
-</file>
-
-<file path=ppt/slides/slide11.xml><?xml version="1.0" encoding="utf-8"?>
-<p:sld xmlns:a="http://schemas.openxmlformats.org/drawingml/2006/main" xmlns:r="http://schemas.openxmlformats.org/officeDocument/2006/relationships" xmlns:p="http://schemas.openxmlformats.org/presentationml/2006/main">
-  <p:cSld>
-    <p:spTree>
-      <p:nvGrpSpPr>
-        <p:cNvPr id="1" name=""/>
-        <p:cNvGrpSpPr/>
-        <p:nvPr/>
-      </p:nvGrpSpPr>
-      <p:grpSpPr>
-        <a:xfrm>
-          <a:off x="0" y="0"/>
-          <a:ext cx="0" cy="0"/>
-          <a:chOff x="0" y="0"/>
-          <a:chExt cx="0" cy="0"/>
-        </a:xfrm>
-      </p:grpSpPr>
-      <p:sp>
-        <p:nvSpPr>
-          <p:cNvPr id="2" name="Title 1">
-            <a:extLst>
-              <a:ext uri="{FF2B5EF4-FFF2-40B4-BE49-F238E27FC236}">
-                <a16:creationId xmlns:a16="http://schemas.microsoft.com/office/drawing/2014/main" id="{543B4097-E74C-41BD-890A-47CB9A1CB6C6}"/>
-              </a:ext>
-            </a:extLst>
-          </p:cNvPr>
-          <p:cNvSpPr>
-            <a:spLocks noGrp="1"/>
-          </p:cNvSpPr>
-          <p:nvPr>
-            <p:ph type="title"/>
-          </p:nvPr>
-        </p:nvSpPr>
-        <p:spPr/>
-        <p:txBody>
-          <a:bodyPr rtlCol="0"/>
-          <a:lstStyle/>
-          <a:p>
-            <a:pPr eaLnBrk="1" fontAlgn="auto" hangingPunct="1">
-              <a:defRPr/>
-            </a:pPr>
-            <a:r>
-              <a:rPr lang="en-US" dirty="0"/>
-              <a:t>Absolute Pathnames</a:t>
-            </a:r>
-          </a:p>
-        </p:txBody>
-      </p:sp>
-      <p:sp>
-        <p:nvSpPr>
-          <p:cNvPr id="17411" name="Content Placeholder 2">
-            <a:extLst>
-              <a:ext uri="{FF2B5EF4-FFF2-40B4-BE49-F238E27FC236}">
-                <a16:creationId xmlns:a16="http://schemas.microsoft.com/office/drawing/2014/main" id="{1BE67228-2D74-413D-848E-C5F1575E7E76}"/>
-              </a:ext>
-            </a:extLst>
-          </p:cNvPr>
-          <p:cNvSpPr>
-            <a:spLocks noGrp="1"/>
-          </p:cNvSpPr>
-          <p:nvPr>
-            <p:ph idx="1"/>
-          </p:nvPr>
-        </p:nvSpPr>
-        <p:spPr/>
-        <p:txBody>
-          <a:bodyPr/>
-          <a:lstStyle/>
-          <a:p>
-            <a:pPr algn="just" eaLnBrk="1" hangingPunct="1">
-              <a:lnSpc>
-                <a:spcPct val="150000"/>
-              </a:lnSpc>
-            </a:pPr>
-            <a:r>
-              <a:rPr lang="en-US" altLang="en-US" dirty="0"/>
-              <a:t>An absolute pathname continues, tracing a path through all intermediate directories, to the file identified by the pathname. </a:t>
-            </a:r>
-          </a:p>
-          <a:p>
-            <a:pPr algn="just" eaLnBrk="1" hangingPunct="1">
-              <a:lnSpc>
-                <a:spcPct val="150000"/>
-              </a:lnSpc>
-              <a:buClr>
-                <a:schemeClr val="bg1">
-                  <a:lumMod val="65000"/>
-                </a:schemeClr>
-              </a:buClr>
-            </a:pPr>
-            <a:r>
-              <a:rPr lang="en-US" altLang="en-US" dirty="0">
-                <a:solidFill>
-                  <a:schemeClr val="bg1">
-                    <a:lumMod val="65000"/>
-                  </a:schemeClr>
-                </a:solidFill>
-              </a:rPr>
-              <a:t>String all the filenames in the path together, following each directory with a slash (/). </a:t>
-            </a:r>
-          </a:p>
-          <a:p>
-            <a:pPr algn="just" eaLnBrk="1" hangingPunct="1">
-              <a:lnSpc>
-                <a:spcPct val="150000"/>
-              </a:lnSpc>
-              <a:buClr>
-                <a:schemeClr val="bg1">
-                  <a:lumMod val="65000"/>
-                </a:schemeClr>
-              </a:buClr>
-            </a:pPr>
-            <a:r>
-              <a:rPr lang="en-US" altLang="en-US" dirty="0">
-                <a:solidFill>
-                  <a:schemeClr val="bg1">
-                    <a:lumMod val="65000"/>
-                  </a:schemeClr>
-                </a:solidFill>
-              </a:rPr>
-              <a:t>This string of filenames is called an absolute pathname because it locates a file absolutely by tracing a path from the root directory to the file. </a:t>
-            </a:r>
-          </a:p>
-          <a:p>
-            <a:pPr algn="just" eaLnBrk="1" hangingPunct="1">
-              <a:lnSpc>
-                <a:spcPct val="150000"/>
-              </a:lnSpc>
-            </a:pPr>
-            <a:endParaRPr lang="en-US" altLang="en-US" dirty="0"/>
-          </a:p>
-        </p:txBody>
-      </p:sp>
-    </p:spTree>
-  </p:cSld>
-  <p:clrMapOvr>
-    <a:masterClrMapping/>
-  </p:clrMapOvr>
-</p:sld>
-</file>
-
-<file path=ppt/slides/slide12.xml><?xml version="1.0" encoding="utf-8"?>
-<p:sld xmlns:a="http://schemas.openxmlformats.org/drawingml/2006/main" xmlns:r="http://schemas.openxmlformats.org/officeDocument/2006/relationships" xmlns:p="http://schemas.openxmlformats.org/presentationml/2006/main">
-  <p:cSld>
-    <p:spTree>
-      <p:nvGrpSpPr>
-        <p:cNvPr id="1" name=""/>
-        <p:cNvGrpSpPr/>
-        <p:nvPr/>
-      </p:nvGrpSpPr>
-      <p:grpSpPr>
-        <a:xfrm>
-          <a:off x="0" y="0"/>
-          <a:ext cx="0" cy="0"/>
-          <a:chOff x="0" y="0"/>
-          <a:chExt cx="0" cy="0"/>
-        </a:xfrm>
-      </p:grpSpPr>
-      <p:sp>
-        <p:nvSpPr>
-          <p:cNvPr id="2" name="Title 1">
-            <a:extLst>
-              <a:ext uri="{FF2B5EF4-FFF2-40B4-BE49-F238E27FC236}">
-                <a16:creationId xmlns:a16="http://schemas.microsoft.com/office/drawing/2014/main" id="{543B4097-E74C-41BD-890A-47CB9A1CB6C6}"/>
-              </a:ext>
-            </a:extLst>
-          </p:cNvPr>
-          <p:cNvSpPr>
-            <a:spLocks noGrp="1"/>
-          </p:cNvSpPr>
-          <p:nvPr>
-            <p:ph type="title"/>
-          </p:nvPr>
-        </p:nvSpPr>
-        <p:spPr/>
-        <p:txBody>
-          <a:bodyPr rtlCol="0"/>
-          <a:lstStyle/>
-          <a:p>
-            <a:pPr eaLnBrk="1" fontAlgn="auto" hangingPunct="1">
-              <a:defRPr/>
-            </a:pPr>
-            <a:r>
-              <a:rPr lang="en-US" dirty="0"/>
-              <a:t>Absolute Pathnames</a:t>
-            </a:r>
-          </a:p>
-        </p:txBody>
-      </p:sp>
-      <p:sp>
-        <p:nvSpPr>
-          <p:cNvPr id="17411" name="Content Placeholder 2">
-            <a:extLst>
-              <a:ext uri="{FF2B5EF4-FFF2-40B4-BE49-F238E27FC236}">
-                <a16:creationId xmlns:a16="http://schemas.microsoft.com/office/drawing/2014/main" id="{1BE67228-2D74-413D-848E-C5F1575E7E76}"/>
-              </a:ext>
-            </a:extLst>
-          </p:cNvPr>
-          <p:cNvSpPr>
-            <a:spLocks noGrp="1"/>
-          </p:cNvSpPr>
-          <p:nvPr>
-            <p:ph idx="1"/>
-          </p:nvPr>
-        </p:nvSpPr>
-        <p:spPr/>
-        <p:txBody>
-          <a:bodyPr/>
-          <a:lstStyle/>
-          <a:p>
-            <a:pPr algn="just" eaLnBrk="1" hangingPunct="1">
-              <a:lnSpc>
-                <a:spcPct val="150000"/>
-              </a:lnSpc>
-              <a:buClr>
-                <a:schemeClr val="bg1">
-                  <a:lumMod val="65000"/>
-                </a:schemeClr>
-              </a:buClr>
-            </a:pPr>
-            <a:r>
-              <a:rPr lang="en-US" altLang="en-US" dirty="0">
-                <a:solidFill>
-                  <a:schemeClr val="bg1">
-                    <a:lumMod val="65000"/>
-                  </a:schemeClr>
-                </a:solidFill>
-              </a:rPr>
-              <a:t>An absolute pathname continues, tracing a path through all intermediate directories, to the file identified by the pathname. </a:t>
-            </a:r>
-          </a:p>
-          <a:p>
-            <a:pPr algn="just" eaLnBrk="1" hangingPunct="1">
-              <a:lnSpc>
-                <a:spcPct val="150000"/>
-              </a:lnSpc>
-            </a:pPr>
-            <a:r>
-              <a:rPr lang="en-US" altLang="en-US" dirty="0"/>
-              <a:t>String all the filenames in the path together, following each directory with a slash (/). </a:t>
-            </a:r>
-          </a:p>
-          <a:p>
-            <a:pPr algn="just" eaLnBrk="1" hangingPunct="1">
-              <a:lnSpc>
-                <a:spcPct val="150000"/>
-              </a:lnSpc>
-              <a:buClr>
-                <a:schemeClr val="bg1">
-                  <a:lumMod val="65000"/>
-                </a:schemeClr>
-              </a:buClr>
-            </a:pPr>
-            <a:r>
-              <a:rPr lang="en-US" altLang="en-US" dirty="0">
-                <a:solidFill>
-                  <a:schemeClr val="bg1">
-                    <a:lumMod val="65000"/>
-                  </a:schemeClr>
-                </a:solidFill>
-              </a:rPr>
-              <a:t>This string of filenames is called an absolute pathname because it locates a file absolutely by tracing a path from the root directory to the file. </a:t>
-            </a:r>
-          </a:p>
-          <a:p>
-            <a:pPr algn="just" eaLnBrk="1" hangingPunct="1">
-              <a:lnSpc>
-                <a:spcPct val="150000"/>
-              </a:lnSpc>
-            </a:pPr>
-            <a:endParaRPr lang="en-US" altLang="en-US" dirty="0"/>
-          </a:p>
-        </p:txBody>
-      </p:sp>
-    </p:spTree>
-    <p:extLst>
-      <p:ext uri="{BB962C8B-B14F-4D97-AF65-F5344CB8AC3E}">
-        <p14:creationId xmlns:p14="http://schemas.microsoft.com/office/powerpoint/2010/main" val="3288626555"/>
-      </p:ext>
-    </p:extLst>
-  </p:cSld>
-  <p:clrMapOvr>
-    <a:masterClrMapping/>
-  </p:clrMapOvr>
-</p:sld>
-</file>
-
-<file path=ppt/slides/slide13.xml><?xml version="1.0" encoding="utf-8"?>
-<p:sld xmlns:a="http://schemas.openxmlformats.org/drawingml/2006/main" xmlns:r="http://schemas.openxmlformats.org/officeDocument/2006/relationships" xmlns:p="http://schemas.openxmlformats.org/presentationml/2006/main">
-  <p:cSld>
-    <p:spTree>
-      <p:nvGrpSpPr>
-        <p:cNvPr id="1" name=""/>
-        <p:cNvGrpSpPr/>
-        <p:nvPr/>
-      </p:nvGrpSpPr>
-      <p:grpSpPr>
-        <a:xfrm>
-          <a:off x="0" y="0"/>
-          <a:ext cx="0" cy="0"/>
-          <a:chOff x="0" y="0"/>
-          <a:chExt cx="0" cy="0"/>
-        </a:xfrm>
-      </p:grpSpPr>
-      <p:sp>
-        <p:nvSpPr>
-          <p:cNvPr id="2" name="Title 1">
-            <a:extLst>
-              <a:ext uri="{FF2B5EF4-FFF2-40B4-BE49-F238E27FC236}">
-                <a16:creationId xmlns:a16="http://schemas.microsoft.com/office/drawing/2014/main" id="{543B4097-E74C-41BD-890A-47CB9A1CB6C6}"/>
-              </a:ext>
-            </a:extLst>
-          </p:cNvPr>
-          <p:cNvSpPr>
-            <a:spLocks noGrp="1"/>
-          </p:cNvSpPr>
-          <p:nvPr>
-            <p:ph type="title"/>
-          </p:nvPr>
-        </p:nvSpPr>
-        <p:spPr/>
-        <p:txBody>
-          <a:bodyPr rtlCol="0"/>
-          <a:lstStyle/>
-          <a:p>
-            <a:pPr eaLnBrk="1" fontAlgn="auto" hangingPunct="1">
-              <a:defRPr/>
-            </a:pPr>
-            <a:r>
-              <a:rPr lang="en-US" dirty="0"/>
-              <a:t>Absolute Pathnames</a:t>
-            </a:r>
-          </a:p>
-        </p:txBody>
-      </p:sp>
-      <p:sp>
-        <p:nvSpPr>
-          <p:cNvPr id="17411" name="Content Placeholder 2">
-            <a:extLst>
-              <a:ext uri="{FF2B5EF4-FFF2-40B4-BE49-F238E27FC236}">
-                <a16:creationId xmlns:a16="http://schemas.microsoft.com/office/drawing/2014/main" id="{1BE67228-2D74-413D-848E-C5F1575E7E76}"/>
-              </a:ext>
-            </a:extLst>
-          </p:cNvPr>
-          <p:cNvSpPr>
-            <a:spLocks noGrp="1"/>
-          </p:cNvSpPr>
-          <p:nvPr>
-            <p:ph idx="1"/>
-          </p:nvPr>
-        </p:nvSpPr>
-        <p:spPr/>
-        <p:txBody>
-          <a:bodyPr/>
-          <a:lstStyle/>
-          <a:p>
-            <a:pPr algn="just" eaLnBrk="1" hangingPunct="1">
-              <a:lnSpc>
-                <a:spcPct val="150000"/>
-              </a:lnSpc>
-              <a:buClr>
-                <a:schemeClr val="bg1">
-                  <a:lumMod val="65000"/>
-                </a:schemeClr>
-              </a:buClr>
-            </a:pPr>
-            <a:r>
-              <a:rPr lang="en-US" altLang="en-US" dirty="0">
-                <a:solidFill>
-                  <a:schemeClr val="bg1">
-                    <a:lumMod val="65000"/>
-                  </a:schemeClr>
-                </a:solidFill>
-              </a:rPr>
-              <a:t>An absolute pathname continues, tracing a path through all intermediate directories, to the file identified by the pathname. </a:t>
-            </a:r>
-          </a:p>
-          <a:p>
-            <a:pPr algn="just" eaLnBrk="1" hangingPunct="1">
-              <a:lnSpc>
-                <a:spcPct val="150000"/>
-              </a:lnSpc>
-              <a:buClr>
-                <a:schemeClr val="bg1">
-                  <a:lumMod val="65000"/>
-                </a:schemeClr>
-              </a:buClr>
-            </a:pPr>
-            <a:r>
-              <a:rPr lang="en-US" altLang="en-US" dirty="0">
-                <a:solidFill>
-                  <a:schemeClr val="bg1">
-                    <a:lumMod val="65000"/>
-                  </a:schemeClr>
-                </a:solidFill>
-              </a:rPr>
-              <a:t>String all the filenames in the path together, following each directory with a slash (/). </a:t>
-            </a:r>
-          </a:p>
-          <a:p>
-            <a:pPr algn="just" eaLnBrk="1" hangingPunct="1">
-              <a:lnSpc>
-                <a:spcPct val="150000"/>
-              </a:lnSpc>
-            </a:pPr>
-            <a:r>
-              <a:rPr lang="en-US" altLang="en-US" dirty="0"/>
-              <a:t>This string of filenames is called an absolute pathname because it locates a file absolutely by tracing a path from the root directory to the file. </a:t>
-            </a:r>
-          </a:p>
-          <a:p>
-            <a:pPr algn="just" eaLnBrk="1" hangingPunct="1">
-              <a:lnSpc>
-                <a:spcPct val="150000"/>
-              </a:lnSpc>
-            </a:pPr>
-            <a:endParaRPr lang="en-US" altLang="en-US" dirty="0"/>
-          </a:p>
-        </p:txBody>
-      </p:sp>
-    </p:spTree>
-    <p:extLst>
-      <p:ext uri="{BB962C8B-B14F-4D97-AF65-F5344CB8AC3E}">
-        <p14:creationId xmlns:p14="http://schemas.microsoft.com/office/powerpoint/2010/main" val="3780199853"/>
-      </p:ext>
-    </p:extLst>
-  </p:cSld>
-  <p:clrMapOvr>
-    <a:masterClrMapping/>
-  </p:clrMapOvr>
-</p:sld>
-</file>
-
-<file path=ppt/slides/slide14.xml><?xml version="1.0" encoding="utf-8"?>
-<p:sld xmlns:a="http://schemas.openxmlformats.org/drawingml/2006/main" xmlns:r="http://schemas.openxmlformats.org/officeDocument/2006/relationships" xmlns:p="http://schemas.openxmlformats.org/presentationml/2006/main">
-  <p:cSld>
-    <p:bg>
-      <p:bgPr>
-        <a:blipFill dpi="0" rotWithShape="0">
-          <a:blip r:embed="rId2">
-            <a:alphaModFix amt="0"/>
-            <a:lum/>
-          </a:blip>
-          <a:srcRect/>
-          <a:stretch>
-            <a:fillRect/>
-          </a:stretch>
-        </a:blipFill>
-        <a:effectLst/>
-      </p:bgPr>
-    </p:bg>
-    <p:spTree>
-      <p:nvGrpSpPr>
-        <p:cNvPr id="1" name=""/>
-        <p:cNvGrpSpPr/>
-        <p:nvPr/>
-      </p:nvGrpSpPr>
-      <p:grpSpPr>
-        <a:xfrm>
-          <a:off x="0" y="0"/>
-          <a:ext cx="0" cy="0"/>
-          <a:chOff x="0" y="0"/>
-          <a:chExt cx="0" cy="0"/>
-        </a:xfrm>
-      </p:grpSpPr>
-      <p:sp>
-        <p:nvSpPr>
-          <p:cNvPr id="2" name="Title 1">
-            <a:extLst>
-              <a:ext uri="{FF2B5EF4-FFF2-40B4-BE49-F238E27FC236}">
-                <a16:creationId xmlns:a16="http://schemas.microsoft.com/office/drawing/2014/main" id="{EF07B827-9E12-4363-BD07-D34779E1DCF9}"/>
-              </a:ext>
-            </a:extLst>
-          </p:cNvPr>
-          <p:cNvSpPr>
-            <a:spLocks noGrp="1"/>
-          </p:cNvSpPr>
-          <p:nvPr>
-            <p:ph type="title"/>
-          </p:nvPr>
-        </p:nvSpPr>
-        <p:spPr/>
-        <p:txBody>
-          <a:bodyPr rtlCol="0"/>
-          <a:lstStyle/>
-          <a:p>
-            <a:pPr eaLnBrk="1" fontAlgn="auto" hangingPunct="1">
-              <a:defRPr/>
-            </a:pPr>
-            <a:r>
-              <a:rPr lang="en-US" dirty="0"/>
-              <a:t>Absolute Pathnames</a:t>
-            </a:r>
-          </a:p>
-        </p:txBody>
-      </p:sp>
-      <p:pic>
-        <p:nvPicPr>
-          <p:cNvPr id="18435" name="Content Placeholder 3" descr="File10.JPG">
-            <a:extLst>
-              <a:ext uri="{FF2B5EF4-FFF2-40B4-BE49-F238E27FC236}">
-                <a16:creationId xmlns:a16="http://schemas.microsoft.com/office/drawing/2014/main" id="{E63C2687-C316-466C-8605-B873F6199ED8}"/>
-              </a:ext>
-            </a:extLst>
-          </p:cNvPr>
-          <p:cNvPicPr>
-            <a:picLocks noGrp="1" noChangeAspect="1" noChangeArrowheads="1"/>
-          </p:cNvPicPr>
-          <p:nvPr>
-            <p:ph idx="1"/>
-          </p:nvPr>
-        </p:nvPicPr>
-        <p:blipFill>
-          <a:blip r:embed="rId3">
-            <a:extLst>
-              <a:ext uri="{28A0092B-C50C-407E-A947-70E740481C1C}">
-                <a14:useLocalDpi xmlns:a14="http://schemas.microsoft.com/office/drawing/2010/main" val="0"/>
-              </a:ext>
-            </a:extLst>
-          </a:blip>
-          <a:srcRect/>
-          <a:stretch>
-            <a:fillRect/>
-          </a:stretch>
-        </p:blipFill>
-        <p:spPr>
-          <a:xfrm>
-            <a:off x="304069" y="1752600"/>
-            <a:ext cx="8535861" cy="4171950"/>
-          </a:xfrm>
-        </p:spPr>
-      </p:pic>
-    </p:spTree>
-  </p:cSld>
-  <p:clrMapOvr>
-    <a:masterClrMapping/>
-  </p:clrMapOvr>
-</p:sld>
-</file>
-
-<file path=ppt/slides/slide15.xml><?xml version="1.0" encoding="utf-8"?>
-<p:sld xmlns:a="http://schemas.openxmlformats.org/drawingml/2006/main" xmlns:r="http://schemas.openxmlformats.org/officeDocument/2006/relationships" xmlns:p="http://schemas.openxmlformats.org/presentationml/2006/main">
-  <p:cSld>
-    <p:spTree>
-      <p:nvGrpSpPr>
-        <p:cNvPr id="1" name=""/>
-        <p:cNvGrpSpPr/>
-        <p:nvPr/>
-      </p:nvGrpSpPr>
-      <p:grpSpPr>
-        <a:xfrm>
-          <a:off x="0" y="0"/>
-          <a:ext cx="0" cy="0"/>
-          <a:chOff x="0" y="0"/>
-          <a:chExt cx="0" cy="0"/>
-        </a:xfrm>
-      </p:grpSpPr>
-      <p:sp>
-        <p:nvSpPr>
-          <p:cNvPr id="2" name="Title 1">
-            <a:extLst>
-              <a:ext uri="{FF2B5EF4-FFF2-40B4-BE49-F238E27FC236}">
-                <a16:creationId xmlns:a16="http://schemas.microsoft.com/office/drawing/2014/main" id="{550C81B9-8DAA-40F0-B1C8-3B20B450E74C}"/>
-              </a:ext>
-            </a:extLst>
-          </p:cNvPr>
-          <p:cNvSpPr>
-            <a:spLocks noGrp="1"/>
-          </p:cNvSpPr>
-          <p:nvPr>
-            <p:ph type="title"/>
-          </p:nvPr>
-        </p:nvSpPr>
-        <p:spPr/>
-        <p:txBody>
-          <a:bodyPr rtlCol="0"/>
-          <a:lstStyle/>
-          <a:p>
-            <a:pPr eaLnBrk="1" fontAlgn="auto" hangingPunct="1">
-              <a:defRPr/>
-            </a:pPr>
-            <a:r>
-              <a:rPr lang="en-US" dirty="0"/>
-              <a:t>Absolute Pathnames</a:t>
-            </a:r>
-          </a:p>
-        </p:txBody>
-      </p:sp>
-      <p:sp>
-        <p:nvSpPr>
-          <p:cNvPr id="19459" name="Content Placeholder 2">
-            <a:extLst>
-              <a:ext uri="{FF2B5EF4-FFF2-40B4-BE49-F238E27FC236}">
-                <a16:creationId xmlns:a16="http://schemas.microsoft.com/office/drawing/2014/main" id="{D2769183-E2D7-4843-9703-C3A21F6B35DD}"/>
-              </a:ext>
-            </a:extLst>
-          </p:cNvPr>
-          <p:cNvSpPr>
-            <a:spLocks noGrp="1"/>
-          </p:cNvSpPr>
-          <p:nvPr>
-            <p:ph idx="1"/>
-          </p:nvPr>
-        </p:nvSpPr>
-        <p:spPr/>
-        <p:txBody>
-          <a:bodyPr anchor="ctr"/>
-          <a:lstStyle/>
-          <a:p>
-            <a:pPr marL="0" indent="0" algn="just" eaLnBrk="1" hangingPunct="1">
-              <a:lnSpc>
-                <a:spcPct val="150000"/>
-              </a:lnSpc>
-              <a:buNone/>
-            </a:pPr>
-            <a:r>
-              <a:rPr lang="en-US" altLang="en-US" sz="2800" dirty="0"/>
-              <a:t>Using an absolute pathname, you can list or otherwise work with any file on the local system, regardless of the working directory at the time you give the command. </a:t>
-            </a:r>
-          </a:p>
-          <a:p>
-            <a:pPr marL="0" indent="0" algn="just" eaLnBrk="1" hangingPunct="1">
-              <a:lnSpc>
-                <a:spcPct val="150000"/>
-              </a:lnSpc>
-              <a:buNone/>
-            </a:pPr>
-            <a:endParaRPr lang="en-US" altLang="en-US" sz="2800" dirty="0"/>
-          </a:p>
-        </p:txBody>
-      </p:sp>
-    </p:spTree>
-  </p:cSld>
-  <p:clrMapOvr>
-    <a:masterClrMapping/>
-  </p:clrMapOvr>
-</p:sld>
-</file>
-
-<file path=ppt/slides/slide16.xml><?xml version="1.0" encoding="utf-8"?>
-<p:sld xmlns:a="http://schemas.openxmlformats.org/drawingml/2006/main" xmlns:r="http://schemas.openxmlformats.org/officeDocument/2006/relationships" xmlns:p="http://schemas.openxmlformats.org/presentationml/2006/main">
-  <p:cSld>
-    <p:spTree>
-      <p:nvGrpSpPr>
-        <p:cNvPr id="1" name=""/>
-        <p:cNvGrpSpPr/>
-        <p:nvPr/>
-      </p:nvGrpSpPr>
-      <p:grpSpPr>
-        <a:xfrm>
-          <a:off x="0" y="0"/>
-          <a:ext cx="0" cy="0"/>
-          <a:chOff x="0" y="0"/>
-          <a:chExt cx="0" cy="0"/>
-        </a:xfrm>
-      </p:grpSpPr>
-      <p:sp>
-        <p:nvSpPr>
-          <p:cNvPr id="2" name="Title 1">
-            <a:extLst>
-              <a:ext uri="{FF2B5EF4-FFF2-40B4-BE49-F238E27FC236}">
                 <a16:creationId xmlns:a16="http://schemas.microsoft.com/office/drawing/2014/main" id="{111EFF9F-0FC2-4014-B5A1-5C6220DCBB66}"/>
               </a:ext>
             </a:extLst>
@@ -13478,7 +12630,7 @@
 </p:sld>
 </file>
 
-<file path=ppt/slides/slide17.xml><?xml version="1.0" encoding="utf-8"?>
+<file path=ppt/slides/slide11.xml><?xml version="1.0" encoding="utf-8"?>
 <p:sld xmlns:a="http://schemas.openxmlformats.org/drawingml/2006/main" xmlns:r="http://schemas.openxmlformats.org/officeDocument/2006/relationships" xmlns:p="http://schemas.openxmlformats.org/presentationml/2006/main">
   <p:cSld>
     <p:spTree>
@@ -13677,931 +12829,7 @@
 </p:sld>
 </file>
 
-<file path=ppt/slides/slide18.xml><?xml version="1.0" encoding="utf-8"?>
-<p:sld xmlns:a="http://schemas.openxmlformats.org/drawingml/2006/main" xmlns:r="http://schemas.openxmlformats.org/officeDocument/2006/relationships" xmlns:p="http://schemas.openxmlformats.org/presentationml/2006/main">
-  <p:cSld>
-    <p:spTree>
-      <p:nvGrpSpPr>
-        <p:cNvPr id="1" name=""/>
-        <p:cNvGrpSpPr/>
-        <p:nvPr/>
-      </p:nvGrpSpPr>
-      <p:grpSpPr>
-        <a:xfrm>
-          <a:off x="0" y="0"/>
-          <a:ext cx="0" cy="0"/>
-          <a:chOff x="0" y="0"/>
-          <a:chExt cx="0" cy="0"/>
-        </a:xfrm>
-      </p:grpSpPr>
-      <p:sp>
-        <p:nvSpPr>
-          <p:cNvPr id="2" name="Title 1">
-            <a:extLst>
-              <a:ext uri="{FF2B5EF4-FFF2-40B4-BE49-F238E27FC236}">
-                <a16:creationId xmlns:a16="http://schemas.microsoft.com/office/drawing/2014/main" id="{AF231124-32A5-467A-B6DD-CC87E20817CF}"/>
-              </a:ext>
-            </a:extLst>
-          </p:cNvPr>
-          <p:cNvSpPr>
-            <a:spLocks noGrp="1"/>
-          </p:cNvSpPr>
-          <p:nvPr>
-            <p:ph type="title"/>
-          </p:nvPr>
-        </p:nvSpPr>
-        <p:spPr/>
-        <p:txBody>
-          <a:bodyPr rtlCol="0"/>
-          <a:lstStyle/>
-          <a:p>
-            <a:pPr eaLnBrk="1" fontAlgn="auto" hangingPunct="1">
-              <a:defRPr/>
-            </a:pPr>
-            <a:r>
-              <a:rPr lang="en-US" dirty="0"/>
-              <a:t>Relative Pathnames</a:t>
-            </a:r>
-          </a:p>
-        </p:txBody>
-      </p:sp>
-      <p:sp>
-        <p:nvSpPr>
-          <p:cNvPr id="3" name="Content Placeholder 2">
-            <a:extLst>
-              <a:ext uri="{FF2B5EF4-FFF2-40B4-BE49-F238E27FC236}">
-                <a16:creationId xmlns:a16="http://schemas.microsoft.com/office/drawing/2014/main" id="{44AE3574-E924-493C-B7E9-A918758691D5}"/>
-              </a:ext>
-            </a:extLst>
-          </p:cNvPr>
-          <p:cNvSpPr>
-            <a:spLocks noGrp="1"/>
-          </p:cNvSpPr>
-          <p:nvPr>
-            <p:ph idx="1"/>
-          </p:nvPr>
-        </p:nvSpPr>
-        <p:spPr/>
-        <p:txBody>
-          <a:bodyPr rtlCol="0">
-            <a:normAutofit fontScale="92500" lnSpcReduction="10000"/>
-          </a:bodyPr>
-          <a:lstStyle/>
-          <a:p>
-            <a:pPr algn="just" eaLnBrk="1" fontAlgn="auto" hangingPunct="1">
-              <a:lnSpc>
-                <a:spcPct val="150000"/>
-              </a:lnSpc>
-              <a:spcAft>
-                <a:spcPts val="0"/>
-              </a:spcAft>
-              <a:buClr>
-                <a:schemeClr val="bg1">
-                  <a:lumMod val="65000"/>
-                </a:schemeClr>
-              </a:buClr>
-              <a:defRPr/>
-            </a:pPr>
-            <a:r>
-              <a:rPr lang="en-US" dirty="0">
-                <a:solidFill>
-                  <a:schemeClr val="bg1">
-                    <a:lumMod val="65000"/>
-                  </a:schemeClr>
-                </a:solidFill>
-              </a:rPr>
-              <a:t>A relative pathname traces a path from the working directory to a file. </a:t>
-            </a:r>
-          </a:p>
-          <a:p>
-            <a:pPr algn="just" eaLnBrk="1" fontAlgn="auto" hangingPunct="1">
-              <a:lnSpc>
-                <a:spcPct val="150000"/>
-              </a:lnSpc>
-              <a:spcAft>
-                <a:spcPts val="0"/>
-              </a:spcAft>
-              <a:defRPr/>
-            </a:pPr>
-            <a:r>
-              <a:rPr lang="en-US" dirty="0"/>
-              <a:t>The pathname is relative to the working directory. </a:t>
-            </a:r>
-          </a:p>
-          <a:p>
-            <a:pPr algn="just" eaLnBrk="1" fontAlgn="auto" hangingPunct="1">
-              <a:lnSpc>
-                <a:spcPct val="150000"/>
-              </a:lnSpc>
-              <a:spcAft>
-                <a:spcPts val="0"/>
-              </a:spcAft>
-              <a:buClr>
-                <a:schemeClr val="bg1">
-                  <a:lumMod val="65000"/>
-                </a:schemeClr>
-              </a:buClr>
-              <a:defRPr/>
-            </a:pPr>
-            <a:r>
-              <a:rPr lang="en-US" dirty="0">
-                <a:solidFill>
-                  <a:schemeClr val="bg1">
-                    <a:lumMod val="65000"/>
-                  </a:schemeClr>
-                </a:solidFill>
-              </a:rPr>
-              <a:t>Any pathname that does not begin with the root directory (represented by /) or a tilde (~) is a relative pathname. </a:t>
-            </a:r>
-          </a:p>
-          <a:p>
-            <a:pPr algn="just" eaLnBrk="1" fontAlgn="auto" hangingPunct="1">
-              <a:lnSpc>
-                <a:spcPct val="150000"/>
-              </a:lnSpc>
-              <a:spcAft>
-                <a:spcPts val="0"/>
-              </a:spcAft>
-              <a:buClr>
-                <a:schemeClr val="bg1">
-                  <a:lumMod val="65000"/>
-                </a:schemeClr>
-              </a:buClr>
-              <a:defRPr/>
-            </a:pPr>
-            <a:r>
-              <a:rPr lang="en-US" dirty="0">
-                <a:solidFill>
-                  <a:schemeClr val="bg1">
-                    <a:lumMod val="65000"/>
-                  </a:schemeClr>
-                </a:solidFill>
-              </a:rPr>
-              <a:t>Like absolute pathnames, relative pathnames can trace a path through many directories. </a:t>
-            </a:r>
-          </a:p>
-          <a:p>
-            <a:pPr algn="just" eaLnBrk="1" fontAlgn="auto" hangingPunct="1">
-              <a:lnSpc>
-                <a:spcPct val="150000"/>
-              </a:lnSpc>
-              <a:spcAft>
-                <a:spcPts val="0"/>
-              </a:spcAft>
-              <a:buClr>
-                <a:schemeClr val="bg1">
-                  <a:lumMod val="65000"/>
-                </a:schemeClr>
-              </a:buClr>
-              <a:defRPr/>
-            </a:pPr>
-            <a:r>
-              <a:rPr lang="en-US" dirty="0">
-                <a:solidFill>
-                  <a:schemeClr val="bg1">
-                    <a:lumMod val="65000"/>
-                  </a:schemeClr>
-                </a:solidFill>
-              </a:rPr>
-              <a:t>The simplest relative pathname is a simple filename, which identifies a file in the working directory. </a:t>
-            </a:r>
-          </a:p>
-        </p:txBody>
-      </p:sp>
-    </p:spTree>
-    <p:extLst>
-      <p:ext uri="{BB962C8B-B14F-4D97-AF65-F5344CB8AC3E}">
-        <p14:creationId xmlns:p14="http://schemas.microsoft.com/office/powerpoint/2010/main" val="1769033672"/>
-      </p:ext>
-    </p:extLst>
-  </p:cSld>
-  <p:clrMapOvr>
-    <a:masterClrMapping/>
-  </p:clrMapOvr>
-</p:sld>
-</file>
-
-<file path=ppt/slides/slide19.xml><?xml version="1.0" encoding="utf-8"?>
-<p:sld xmlns:a="http://schemas.openxmlformats.org/drawingml/2006/main" xmlns:r="http://schemas.openxmlformats.org/officeDocument/2006/relationships" xmlns:p="http://schemas.openxmlformats.org/presentationml/2006/main">
-  <p:cSld>
-    <p:spTree>
-      <p:nvGrpSpPr>
-        <p:cNvPr id="1" name=""/>
-        <p:cNvGrpSpPr/>
-        <p:nvPr/>
-      </p:nvGrpSpPr>
-      <p:grpSpPr>
-        <a:xfrm>
-          <a:off x="0" y="0"/>
-          <a:ext cx="0" cy="0"/>
-          <a:chOff x="0" y="0"/>
-          <a:chExt cx="0" cy="0"/>
-        </a:xfrm>
-      </p:grpSpPr>
-      <p:sp>
-        <p:nvSpPr>
-          <p:cNvPr id="2" name="Title 1">
-            <a:extLst>
-              <a:ext uri="{FF2B5EF4-FFF2-40B4-BE49-F238E27FC236}">
-                <a16:creationId xmlns:a16="http://schemas.microsoft.com/office/drawing/2014/main" id="{AF231124-32A5-467A-B6DD-CC87E20817CF}"/>
-              </a:ext>
-            </a:extLst>
-          </p:cNvPr>
-          <p:cNvSpPr>
-            <a:spLocks noGrp="1"/>
-          </p:cNvSpPr>
-          <p:nvPr>
-            <p:ph type="title"/>
-          </p:nvPr>
-        </p:nvSpPr>
-        <p:spPr/>
-        <p:txBody>
-          <a:bodyPr rtlCol="0"/>
-          <a:lstStyle/>
-          <a:p>
-            <a:pPr eaLnBrk="1" fontAlgn="auto" hangingPunct="1">
-              <a:defRPr/>
-            </a:pPr>
-            <a:r>
-              <a:rPr lang="en-US" dirty="0"/>
-              <a:t>Relative Pathnames</a:t>
-            </a:r>
-          </a:p>
-        </p:txBody>
-      </p:sp>
-      <p:sp>
-        <p:nvSpPr>
-          <p:cNvPr id="3" name="Content Placeholder 2">
-            <a:extLst>
-              <a:ext uri="{FF2B5EF4-FFF2-40B4-BE49-F238E27FC236}">
-                <a16:creationId xmlns:a16="http://schemas.microsoft.com/office/drawing/2014/main" id="{44AE3574-E924-493C-B7E9-A918758691D5}"/>
-              </a:ext>
-            </a:extLst>
-          </p:cNvPr>
-          <p:cNvSpPr>
-            <a:spLocks noGrp="1"/>
-          </p:cNvSpPr>
-          <p:nvPr>
-            <p:ph idx="1"/>
-          </p:nvPr>
-        </p:nvSpPr>
-        <p:spPr/>
-        <p:txBody>
-          <a:bodyPr rtlCol="0">
-            <a:normAutofit fontScale="92500" lnSpcReduction="10000"/>
-          </a:bodyPr>
-          <a:lstStyle/>
-          <a:p>
-            <a:pPr algn="just" eaLnBrk="1" fontAlgn="auto" hangingPunct="1">
-              <a:lnSpc>
-                <a:spcPct val="150000"/>
-              </a:lnSpc>
-              <a:spcAft>
-                <a:spcPts val="0"/>
-              </a:spcAft>
-              <a:buClr>
-                <a:schemeClr val="bg1">
-                  <a:lumMod val="65000"/>
-                </a:schemeClr>
-              </a:buClr>
-              <a:defRPr/>
-            </a:pPr>
-            <a:r>
-              <a:rPr lang="en-US" dirty="0">
-                <a:solidFill>
-                  <a:schemeClr val="bg1">
-                    <a:lumMod val="65000"/>
-                  </a:schemeClr>
-                </a:solidFill>
-              </a:rPr>
-              <a:t>A relative pathname traces a path from the working directory to a file. </a:t>
-            </a:r>
-          </a:p>
-          <a:p>
-            <a:pPr algn="just" eaLnBrk="1" fontAlgn="auto" hangingPunct="1">
-              <a:lnSpc>
-                <a:spcPct val="150000"/>
-              </a:lnSpc>
-              <a:spcAft>
-                <a:spcPts val="0"/>
-              </a:spcAft>
-              <a:buClr>
-                <a:schemeClr val="bg1">
-                  <a:lumMod val="65000"/>
-                </a:schemeClr>
-              </a:buClr>
-              <a:defRPr/>
-            </a:pPr>
-            <a:r>
-              <a:rPr lang="en-US" dirty="0">
-                <a:solidFill>
-                  <a:schemeClr val="bg1">
-                    <a:lumMod val="65000"/>
-                  </a:schemeClr>
-                </a:solidFill>
-              </a:rPr>
-              <a:t>The pathname is relative to the working directory. </a:t>
-            </a:r>
-          </a:p>
-          <a:p>
-            <a:pPr algn="just" eaLnBrk="1" fontAlgn="auto" hangingPunct="1">
-              <a:lnSpc>
-                <a:spcPct val="150000"/>
-              </a:lnSpc>
-              <a:spcAft>
-                <a:spcPts val="0"/>
-              </a:spcAft>
-              <a:defRPr/>
-            </a:pPr>
-            <a:r>
-              <a:rPr lang="en-US" dirty="0"/>
-              <a:t>Any pathname that does not begin with the root directory (represented by /) or a tilde (~) is a relative pathname. </a:t>
-            </a:r>
-          </a:p>
-          <a:p>
-            <a:pPr algn="just" eaLnBrk="1" fontAlgn="auto" hangingPunct="1">
-              <a:lnSpc>
-                <a:spcPct val="150000"/>
-              </a:lnSpc>
-              <a:spcAft>
-                <a:spcPts val="0"/>
-              </a:spcAft>
-              <a:buClr>
-                <a:schemeClr val="bg1">
-                  <a:lumMod val="65000"/>
-                </a:schemeClr>
-              </a:buClr>
-              <a:defRPr/>
-            </a:pPr>
-            <a:r>
-              <a:rPr lang="en-US" dirty="0">
-                <a:solidFill>
-                  <a:schemeClr val="bg1">
-                    <a:lumMod val="65000"/>
-                  </a:schemeClr>
-                </a:solidFill>
-              </a:rPr>
-              <a:t>Like absolute pathnames, relative pathnames can trace a path through many directories. </a:t>
-            </a:r>
-          </a:p>
-          <a:p>
-            <a:pPr algn="just" eaLnBrk="1" fontAlgn="auto" hangingPunct="1">
-              <a:lnSpc>
-                <a:spcPct val="150000"/>
-              </a:lnSpc>
-              <a:spcAft>
-                <a:spcPts val="0"/>
-              </a:spcAft>
-              <a:buClr>
-                <a:schemeClr val="bg1">
-                  <a:lumMod val="65000"/>
-                </a:schemeClr>
-              </a:buClr>
-              <a:defRPr/>
-            </a:pPr>
-            <a:r>
-              <a:rPr lang="en-US" dirty="0">
-                <a:solidFill>
-                  <a:schemeClr val="bg1">
-                    <a:lumMod val="65000"/>
-                  </a:schemeClr>
-                </a:solidFill>
-              </a:rPr>
-              <a:t>The simplest relative pathname is a simple filename, which identifies a file in the working directory. </a:t>
-            </a:r>
-          </a:p>
-        </p:txBody>
-      </p:sp>
-    </p:spTree>
-    <p:extLst>
-      <p:ext uri="{BB962C8B-B14F-4D97-AF65-F5344CB8AC3E}">
-        <p14:creationId xmlns:p14="http://schemas.microsoft.com/office/powerpoint/2010/main" val="849478403"/>
-      </p:ext>
-    </p:extLst>
-  </p:cSld>
-  <p:clrMapOvr>
-    <a:masterClrMapping/>
-  </p:clrMapOvr>
-</p:sld>
-</file>
-
-<file path=ppt/slides/slide2.xml><?xml version="1.0" encoding="utf-8"?>
-<p:sld xmlns:a="http://schemas.openxmlformats.org/drawingml/2006/main" xmlns:r="http://schemas.openxmlformats.org/officeDocument/2006/relationships" xmlns:p="http://schemas.openxmlformats.org/presentationml/2006/main">
-  <p:cSld>
-    <p:spTree>
-      <p:nvGrpSpPr>
-        <p:cNvPr id="1" name=""/>
-        <p:cNvGrpSpPr/>
-        <p:nvPr/>
-      </p:nvGrpSpPr>
-      <p:grpSpPr>
-        <a:xfrm>
-          <a:off x="0" y="0"/>
-          <a:ext cx="0" cy="0"/>
-          <a:chOff x="0" y="0"/>
-          <a:chExt cx="0" cy="0"/>
-        </a:xfrm>
-      </p:grpSpPr>
-      <p:sp>
-        <p:nvSpPr>
-          <p:cNvPr id="2" name="Title 1">
-            <a:extLst>
-              <a:ext uri="{FF2B5EF4-FFF2-40B4-BE49-F238E27FC236}">
-                <a16:creationId xmlns:a16="http://schemas.microsoft.com/office/drawing/2014/main" id="{15A4944B-6EEE-4E1E-B8DF-B7FD3C88616B}"/>
-              </a:ext>
-            </a:extLst>
-          </p:cNvPr>
-          <p:cNvSpPr>
-            <a:spLocks noGrp="1"/>
-          </p:cNvSpPr>
-          <p:nvPr>
-            <p:ph type="title"/>
-          </p:nvPr>
-        </p:nvSpPr>
-        <p:spPr/>
-        <p:txBody>
-          <a:bodyPr rtlCol="0">
-            <a:normAutofit/>
-          </a:bodyPr>
-          <a:lstStyle/>
-          <a:p>
-            <a:pPr eaLnBrk="1" fontAlgn="auto" hangingPunct="1">
-              <a:defRPr/>
-            </a:pPr>
-            <a:r>
-              <a:rPr lang="en-US" dirty="0"/>
-              <a:t>Learning Outcomes</a:t>
-            </a:r>
-          </a:p>
-        </p:txBody>
-      </p:sp>
-      <p:sp>
-        <p:nvSpPr>
-          <p:cNvPr id="11267" name="Content Placeholder 2">
-            <a:extLst>
-              <a:ext uri="{FF2B5EF4-FFF2-40B4-BE49-F238E27FC236}">
-                <a16:creationId xmlns:a16="http://schemas.microsoft.com/office/drawing/2014/main" id="{2744AE5B-EFB3-4FC4-A1FD-4D96798966B4}"/>
-              </a:ext>
-            </a:extLst>
-          </p:cNvPr>
-          <p:cNvSpPr>
-            <a:spLocks noGrp="1"/>
-          </p:cNvSpPr>
-          <p:nvPr>
-            <p:ph idx="1"/>
-          </p:nvPr>
-        </p:nvSpPr>
-        <p:spPr>
-          <a:xfrm>
-            <a:off x="1200150" y="2809875"/>
-            <a:ext cx="7315200" cy="3819525"/>
-          </a:xfrm>
-        </p:spPr>
-        <p:txBody>
-          <a:bodyPr/>
-          <a:lstStyle/>
-          <a:p>
-            <a:pPr eaLnBrk="1" hangingPunct="1">
-              <a:lnSpc>
-                <a:spcPct val="150000"/>
-              </a:lnSpc>
-            </a:pPr>
-            <a:r>
-              <a:rPr lang="en-IN" altLang="en-US" dirty="0"/>
-              <a:t>understand the pathnames</a:t>
-            </a:r>
-          </a:p>
-          <a:p>
-            <a:pPr eaLnBrk="1" hangingPunct="1">
-              <a:lnSpc>
-                <a:spcPct val="150000"/>
-              </a:lnSpc>
-            </a:pPr>
-            <a:r>
-              <a:rPr lang="en-IN" altLang="en-US" dirty="0"/>
-              <a:t>work with directories</a:t>
-            </a:r>
-            <a:endParaRPr lang="en-US" altLang="en-US" dirty="0"/>
-          </a:p>
-        </p:txBody>
-      </p:sp>
-    </p:spTree>
-  </p:cSld>
-  <p:clrMapOvr>
-    <a:masterClrMapping/>
-  </p:clrMapOvr>
-</p:sld>
-</file>
-
-<file path=ppt/slides/slide20.xml><?xml version="1.0" encoding="utf-8"?>
-<p:sld xmlns:a="http://schemas.openxmlformats.org/drawingml/2006/main" xmlns:r="http://schemas.openxmlformats.org/officeDocument/2006/relationships" xmlns:p="http://schemas.openxmlformats.org/presentationml/2006/main">
-  <p:cSld>
-    <p:spTree>
-      <p:nvGrpSpPr>
-        <p:cNvPr id="1" name=""/>
-        <p:cNvGrpSpPr/>
-        <p:nvPr/>
-      </p:nvGrpSpPr>
-      <p:grpSpPr>
-        <a:xfrm>
-          <a:off x="0" y="0"/>
-          <a:ext cx="0" cy="0"/>
-          <a:chOff x="0" y="0"/>
-          <a:chExt cx="0" cy="0"/>
-        </a:xfrm>
-      </p:grpSpPr>
-      <p:sp>
-        <p:nvSpPr>
-          <p:cNvPr id="2" name="Title 1">
-            <a:extLst>
-              <a:ext uri="{FF2B5EF4-FFF2-40B4-BE49-F238E27FC236}">
-                <a16:creationId xmlns:a16="http://schemas.microsoft.com/office/drawing/2014/main" id="{AF231124-32A5-467A-B6DD-CC87E20817CF}"/>
-              </a:ext>
-            </a:extLst>
-          </p:cNvPr>
-          <p:cNvSpPr>
-            <a:spLocks noGrp="1"/>
-          </p:cNvSpPr>
-          <p:nvPr>
-            <p:ph type="title"/>
-          </p:nvPr>
-        </p:nvSpPr>
-        <p:spPr/>
-        <p:txBody>
-          <a:bodyPr rtlCol="0"/>
-          <a:lstStyle/>
-          <a:p>
-            <a:pPr eaLnBrk="1" fontAlgn="auto" hangingPunct="1">
-              <a:defRPr/>
-            </a:pPr>
-            <a:r>
-              <a:rPr lang="en-US" dirty="0"/>
-              <a:t>Relative Pathnames</a:t>
-            </a:r>
-          </a:p>
-        </p:txBody>
-      </p:sp>
-      <p:sp>
-        <p:nvSpPr>
-          <p:cNvPr id="3" name="Content Placeholder 2">
-            <a:extLst>
-              <a:ext uri="{FF2B5EF4-FFF2-40B4-BE49-F238E27FC236}">
-                <a16:creationId xmlns:a16="http://schemas.microsoft.com/office/drawing/2014/main" id="{44AE3574-E924-493C-B7E9-A918758691D5}"/>
-              </a:ext>
-            </a:extLst>
-          </p:cNvPr>
-          <p:cNvSpPr>
-            <a:spLocks noGrp="1"/>
-          </p:cNvSpPr>
-          <p:nvPr>
-            <p:ph idx="1"/>
-          </p:nvPr>
-        </p:nvSpPr>
-        <p:spPr/>
-        <p:txBody>
-          <a:bodyPr rtlCol="0">
-            <a:normAutofit fontScale="92500" lnSpcReduction="10000"/>
-          </a:bodyPr>
-          <a:lstStyle/>
-          <a:p>
-            <a:pPr algn="just" eaLnBrk="1" fontAlgn="auto" hangingPunct="1">
-              <a:lnSpc>
-                <a:spcPct val="150000"/>
-              </a:lnSpc>
-              <a:spcAft>
-                <a:spcPts val="0"/>
-              </a:spcAft>
-              <a:buClr>
-                <a:schemeClr val="bg1">
-                  <a:lumMod val="65000"/>
-                </a:schemeClr>
-              </a:buClr>
-              <a:defRPr/>
-            </a:pPr>
-            <a:r>
-              <a:rPr lang="en-US" dirty="0">
-                <a:solidFill>
-                  <a:schemeClr val="bg1">
-                    <a:lumMod val="65000"/>
-                  </a:schemeClr>
-                </a:solidFill>
-              </a:rPr>
-              <a:t>A relative pathname traces a path from the working directory to a file. </a:t>
-            </a:r>
-          </a:p>
-          <a:p>
-            <a:pPr algn="just" eaLnBrk="1" fontAlgn="auto" hangingPunct="1">
-              <a:lnSpc>
-                <a:spcPct val="150000"/>
-              </a:lnSpc>
-              <a:spcAft>
-                <a:spcPts val="0"/>
-              </a:spcAft>
-              <a:buClr>
-                <a:schemeClr val="bg1">
-                  <a:lumMod val="65000"/>
-                </a:schemeClr>
-              </a:buClr>
-              <a:defRPr/>
-            </a:pPr>
-            <a:r>
-              <a:rPr lang="en-US" dirty="0">
-                <a:solidFill>
-                  <a:schemeClr val="bg1">
-                    <a:lumMod val="65000"/>
-                  </a:schemeClr>
-                </a:solidFill>
-              </a:rPr>
-              <a:t>The pathname is relative to the working directory. </a:t>
-            </a:r>
-          </a:p>
-          <a:p>
-            <a:pPr algn="just" eaLnBrk="1" fontAlgn="auto" hangingPunct="1">
-              <a:lnSpc>
-                <a:spcPct val="150000"/>
-              </a:lnSpc>
-              <a:spcAft>
-                <a:spcPts val="0"/>
-              </a:spcAft>
-              <a:buClr>
-                <a:schemeClr val="bg1">
-                  <a:lumMod val="65000"/>
-                </a:schemeClr>
-              </a:buClr>
-              <a:defRPr/>
-            </a:pPr>
-            <a:r>
-              <a:rPr lang="en-US" dirty="0">
-                <a:solidFill>
-                  <a:schemeClr val="bg1">
-                    <a:lumMod val="65000"/>
-                  </a:schemeClr>
-                </a:solidFill>
-              </a:rPr>
-              <a:t>Any pathname that does not begin with the root directory (represented by /) or a tilde (~) is a relative pathname. </a:t>
-            </a:r>
-          </a:p>
-          <a:p>
-            <a:pPr algn="just" eaLnBrk="1" fontAlgn="auto" hangingPunct="1">
-              <a:lnSpc>
-                <a:spcPct val="150000"/>
-              </a:lnSpc>
-              <a:spcAft>
-                <a:spcPts val="0"/>
-              </a:spcAft>
-              <a:defRPr/>
-            </a:pPr>
-            <a:r>
-              <a:rPr lang="en-US" dirty="0"/>
-              <a:t>Like absolute pathnames, relative pathnames can trace a path through many directories. </a:t>
-            </a:r>
-          </a:p>
-          <a:p>
-            <a:pPr algn="just" eaLnBrk="1" fontAlgn="auto" hangingPunct="1">
-              <a:lnSpc>
-                <a:spcPct val="150000"/>
-              </a:lnSpc>
-              <a:spcAft>
-                <a:spcPts val="0"/>
-              </a:spcAft>
-              <a:buClr>
-                <a:schemeClr val="bg1">
-                  <a:lumMod val="65000"/>
-                </a:schemeClr>
-              </a:buClr>
-              <a:defRPr/>
-            </a:pPr>
-            <a:r>
-              <a:rPr lang="en-US" dirty="0">
-                <a:solidFill>
-                  <a:schemeClr val="bg1">
-                    <a:lumMod val="65000"/>
-                  </a:schemeClr>
-                </a:solidFill>
-              </a:rPr>
-              <a:t>The simplest relative pathname is a simple filename, which identifies a file in the working directory. </a:t>
-            </a:r>
-          </a:p>
-        </p:txBody>
-      </p:sp>
-    </p:spTree>
-    <p:extLst>
-      <p:ext uri="{BB962C8B-B14F-4D97-AF65-F5344CB8AC3E}">
-        <p14:creationId xmlns:p14="http://schemas.microsoft.com/office/powerpoint/2010/main" val="2113528710"/>
-      </p:ext>
-    </p:extLst>
-  </p:cSld>
-  <p:clrMapOvr>
-    <a:masterClrMapping/>
-  </p:clrMapOvr>
-</p:sld>
-</file>
-
-<file path=ppt/slides/slide21.xml><?xml version="1.0" encoding="utf-8"?>
-<p:sld xmlns:a="http://schemas.openxmlformats.org/drawingml/2006/main" xmlns:r="http://schemas.openxmlformats.org/officeDocument/2006/relationships" xmlns:p="http://schemas.openxmlformats.org/presentationml/2006/main">
-  <p:cSld>
-    <p:spTree>
-      <p:nvGrpSpPr>
-        <p:cNvPr id="1" name=""/>
-        <p:cNvGrpSpPr/>
-        <p:nvPr/>
-      </p:nvGrpSpPr>
-      <p:grpSpPr>
-        <a:xfrm>
-          <a:off x="0" y="0"/>
-          <a:ext cx="0" cy="0"/>
-          <a:chOff x="0" y="0"/>
-          <a:chExt cx="0" cy="0"/>
-        </a:xfrm>
-      </p:grpSpPr>
-      <p:sp>
-        <p:nvSpPr>
-          <p:cNvPr id="2" name="Title 1">
-            <a:extLst>
-              <a:ext uri="{FF2B5EF4-FFF2-40B4-BE49-F238E27FC236}">
-                <a16:creationId xmlns:a16="http://schemas.microsoft.com/office/drawing/2014/main" id="{AF231124-32A5-467A-B6DD-CC87E20817CF}"/>
-              </a:ext>
-            </a:extLst>
-          </p:cNvPr>
-          <p:cNvSpPr>
-            <a:spLocks noGrp="1"/>
-          </p:cNvSpPr>
-          <p:nvPr>
-            <p:ph type="title"/>
-          </p:nvPr>
-        </p:nvSpPr>
-        <p:spPr/>
-        <p:txBody>
-          <a:bodyPr rtlCol="0"/>
-          <a:lstStyle/>
-          <a:p>
-            <a:pPr eaLnBrk="1" fontAlgn="auto" hangingPunct="1">
-              <a:defRPr/>
-            </a:pPr>
-            <a:r>
-              <a:rPr lang="en-US" dirty="0"/>
-              <a:t>Relative Pathnames</a:t>
-            </a:r>
-          </a:p>
-        </p:txBody>
-      </p:sp>
-      <p:sp>
-        <p:nvSpPr>
-          <p:cNvPr id="3" name="Content Placeholder 2">
-            <a:extLst>
-              <a:ext uri="{FF2B5EF4-FFF2-40B4-BE49-F238E27FC236}">
-                <a16:creationId xmlns:a16="http://schemas.microsoft.com/office/drawing/2014/main" id="{44AE3574-E924-493C-B7E9-A918758691D5}"/>
-              </a:ext>
-            </a:extLst>
-          </p:cNvPr>
-          <p:cNvSpPr>
-            <a:spLocks noGrp="1"/>
-          </p:cNvSpPr>
-          <p:nvPr>
-            <p:ph idx="1"/>
-          </p:nvPr>
-        </p:nvSpPr>
-        <p:spPr/>
-        <p:txBody>
-          <a:bodyPr rtlCol="0">
-            <a:normAutofit fontScale="92500" lnSpcReduction="10000"/>
-          </a:bodyPr>
-          <a:lstStyle/>
-          <a:p>
-            <a:pPr algn="just" eaLnBrk="1" fontAlgn="auto" hangingPunct="1">
-              <a:lnSpc>
-                <a:spcPct val="150000"/>
-              </a:lnSpc>
-              <a:spcAft>
-                <a:spcPts val="0"/>
-              </a:spcAft>
-              <a:buClr>
-                <a:schemeClr val="bg1">
-                  <a:lumMod val="65000"/>
-                </a:schemeClr>
-              </a:buClr>
-              <a:defRPr/>
-            </a:pPr>
-            <a:r>
-              <a:rPr lang="en-US" dirty="0">
-                <a:solidFill>
-                  <a:schemeClr val="bg1">
-                    <a:lumMod val="65000"/>
-                  </a:schemeClr>
-                </a:solidFill>
-              </a:rPr>
-              <a:t>A relative pathname traces a path from the working directory to a file. </a:t>
-            </a:r>
-          </a:p>
-          <a:p>
-            <a:pPr algn="just" eaLnBrk="1" fontAlgn="auto" hangingPunct="1">
-              <a:lnSpc>
-                <a:spcPct val="150000"/>
-              </a:lnSpc>
-              <a:spcAft>
-                <a:spcPts val="0"/>
-              </a:spcAft>
-              <a:buClr>
-                <a:schemeClr val="bg1">
-                  <a:lumMod val="65000"/>
-                </a:schemeClr>
-              </a:buClr>
-              <a:defRPr/>
-            </a:pPr>
-            <a:r>
-              <a:rPr lang="en-US" dirty="0">
-                <a:solidFill>
-                  <a:schemeClr val="bg1">
-                    <a:lumMod val="65000"/>
-                  </a:schemeClr>
-                </a:solidFill>
-              </a:rPr>
-              <a:t>The pathname is relative to the working directory. </a:t>
-            </a:r>
-          </a:p>
-          <a:p>
-            <a:pPr algn="just" eaLnBrk="1" fontAlgn="auto" hangingPunct="1">
-              <a:lnSpc>
-                <a:spcPct val="150000"/>
-              </a:lnSpc>
-              <a:spcAft>
-                <a:spcPts val="0"/>
-              </a:spcAft>
-              <a:buClr>
-                <a:schemeClr val="bg1">
-                  <a:lumMod val="65000"/>
-                </a:schemeClr>
-              </a:buClr>
-              <a:defRPr/>
-            </a:pPr>
-            <a:r>
-              <a:rPr lang="en-US" dirty="0">
-                <a:solidFill>
-                  <a:schemeClr val="bg1">
-                    <a:lumMod val="65000"/>
-                  </a:schemeClr>
-                </a:solidFill>
-              </a:rPr>
-              <a:t>Any pathname that does not begin with the root directory (represented by /) or a tilde (~) is a relative pathname. </a:t>
-            </a:r>
-          </a:p>
-          <a:p>
-            <a:pPr algn="just" eaLnBrk="1" fontAlgn="auto" hangingPunct="1">
-              <a:lnSpc>
-                <a:spcPct val="150000"/>
-              </a:lnSpc>
-              <a:spcAft>
-                <a:spcPts val="0"/>
-              </a:spcAft>
-              <a:buClr>
-                <a:schemeClr val="bg1">
-                  <a:lumMod val="65000"/>
-                </a:schemeClr>
-              </a:buClr>
-              <a:defRPr/>
-            </a:pPr>
-            <a:r>
-              <a:rPr lang="en-US" dirty="0">
-                <a:solidFill>
-                  <a:schemeClr val="bg1">
-                    <a:lumMod val="65000"/>
-                  </a:schemeClr>
-                </a:solidFill>
-              </a:rPr>
-              <a:t>Like absolute pathnames, relative pathnames can trace a path through many directories. </a:t>
-            </a:r>
-          </a:p>
-          <a:p>
-            <a:pPr algn="just" eaLnBrk="1" fontAlgn="auto" hangingPunct="1">
-              <a:lnSpc>
-                <a:spcPct val="150000"/>
-              </a:lnSpc>
-              <a:spcAft>
-                <a:spcPts val="0"/>
-              </a:spcAft>
-              <a:defRPr/>
-            </a:pPr>
-            <a:r>
-              <a:rPr lang="en-US" dirty="0"/>
-              <a:t>The simplest relative pathname is a simple filename, which identifies a file in the working directory. </a:t>
-            </a:r>
-          </a:p>
-        </p:txBody>
-      </p:sp>
-    </p:spTree>
-    <p:extLst>
-      <p:ext uri="{BB962C8B-B14F-4D97-AF65-F5344CB8AC3E}">
-        <p14:creationId xmlns:p14="http://schemas.microsoft.com/office/powerpoint/2010/main" val="1569829602"/>
-      </p:ext>
-    </p:extLst>
-  </p:cSld>
-  <p:clrMapOvr>
-    <a:masterClrMapping/>
-  </p:clrMapOvr>
-</p:sld>
-</file>
-
-<file path=ppt/slides/slide22.xml><?xml version="1.0" encoding="utf-8"?>
+<file path=ppt/slides/slide12.xml><?xml version="1.0" encoding="utf-8"?>
 <p:sld xmlns:a="http://schemas.openxmlformats.org/drawingml/2006/main" xmlns:r="http://schemas.openxmlformats.org/officeDocument/2006/relationships" xmlns:p="http://schemas.openxmlformats.org/presentationml/2006/main">
   <p:cSld>
     <p:bg>
@@ -14708,7 +12936,7 @@
 </p:sld>
 </file>
 
-<file path=ppt/slides/slide23.xml><?xml version="1.0" encoding="utf-8"?>
+<file path=ppt/slides/slide13.xml><?xml version="1.0" encoding="utf-8"?>
 <p:sld xmlns:a="http://schemas.openxmlformats.org/drawingml/2006/main" xmlns:r="http://schemas.openxmlformats.org/officeDocument/2006/relationships" xmlns:p="http://schemas.openxmlformats.org/presentationml/2006/main">
   <p:cSld>
     <p:spTree>
@@ -14865,493 +13093,7 @@
 </p:sld>
 </file>
 
-<file path=ppt/slides/slide24.xml><?xml version="1.0" encoding="utf-8"?>
-<p:sld xmlns:a="http://schemas.openxmlformats.org/drawingml/2006/main" xmlns:r="http://schemas.openxmlformats.org/officeDocument/2006/relationships" xmlns:p="http://schemas.openxmlformats.org/presentationml/2006/main">
-  <p:cSld>
-    <p:spTree>
-      <p:nvGrpSpPr>
-        <p:cNvPr id="1" name=""/>
-        <p:cNvGrpSpPr/>
-        <p:nvPr/>
-      </p:nvGrpSpPr>
-      <p:grpSpPr>
-        <a:xfrm>
-          <a:off x="0" y="0"/>
-          <a:ext cx="0" cy="0"/>
-          <a:chOff x="0" y="0"/>
-          <a:chExt cx="0" cy="0"/>
-        </a:xfrm>
-      </p:grpSpPr>
-      <p:sp>
-        <p:nvSpPr>
-          <p:cNvPr id="2" name="Title 1">
-            <a:extLst>
-              <a:ext uri="{FF2B5EF4-FFF2-40B4-BE49-F238E27FC236}">
-                <a16:creationId xmlns:a16="http://schemas.microsoft.com/office/drawing/2014/main" id="{75956E8E-5600-4D82-9A3C-7BF495ACCB82}"/>
-              </a:ext>
-            </a:extLst>
-          </p:cNvPr>
-          <p:cNvSpPr>
-            <a:spLocks noGrp="1"/>
-          </p:cNvSpPr>
-          <p:nvPr>
-            <p:ph type="title"/>
-          </p:nvPr>
-        </p:nvSpPr>
-        <p:spPr/>
-        <p:txBody>
-          <a:bodyPr rtlCol="0"/>
-          <a:lstStyle/>
-          <a:p>
-            <a:pPr eaLnBrk="1" fontAlgn="auto" hangingPunct="1">
-              <a:defRPr/>
-            </a:pPr>
-            <a:r>
-              <a:rPr lang="en-US" dirty="0"/>
-              <a:t>Significance of the Working Directory</a:t>
-            </a:r>
-          </a:p>
-        </p:txBody>
-      </p:sp>
-      <p:sp>
-        <p:nvSpPr>
-          <p:cNvPr id="23555" name="Content Placeholder 2">
-            <a:extLst>
-              <a:ext uri="{FF2B5EF4-FFF2-40B4-BE49-F238E27FC236}">
-                <a16:creationId xmlns:a16="http://schemas.microsoft.com/office/drawing/2014/main" id="{6BEC033C-D558-42D7-9059-E6AB8E6B3FA8}"/>
-              </a:ext>
-            </a:extLst>
-          </p:cNvPr>
-          <p:cNvSpPr>
-            <a:spLocks noGrp="1"/>
-          </p:cNvSpPr>
-          <p:nvPr>
-            <p:ph idx="1"/>
-          </p:nvPr>
-        </p:nvSpPr>
-        <p:spPr/>
-        <p:txBody>
-          <a:bodyPr>
-            <a:normAutofit fontScale="92500"/>
-          </a:bodyPr>
-          <a:lstStyle/>
-          <a:p>
-            <a:pPr algn="just" eaLnBrk="1" hangingPunct="1">
-              <a:lnSpc>
-                <a:spcPct val="150000"/>
-              </a:lnSpc>
-              <a:buClr>
-                <a:schemeClr val="bg1">
-                  <a:lumMod val="65000"/>
-                </a:schemeClr>
-              </a:buClr>
-            </a:pPr>
-            <a:r>
-              <a:rPr lang="en-US" altLang="en-US" dirty="0">
-                <a:solidFill>
-                  <a:schemeClr val="bg1">
-                    <a:lumMod val="65000"/>
-                  </a:schemeClr>
-                </a:solidFill>
-              </a:rPr>
-              <a:t>To access any file in the working directory, you need only a simple filename. </a:t>
-            </a:r>
-          </a:p>
-          <a:p>
-            <a:pPr algn="just" eaLnBrk="1" hangingPunct="1">
-              <a:lnSpc>
-                <a:spcPct val="150000"/>
-              </a:lnSpc>
-            </a:pPr>
-            <a:r>
-              <a:rPr lang="en-US" altLang="en-US" dirty="0"/>
-              <a:t>To access a file in another directory, you must use a pathname. </a:t>
-            </a:r>
-          </a:p>
-          <a:p>
-            <a:pPr algn="just" eaLnBrk="1" hangingPunct="1">
-              <a:lnSpc>
-                <a:spcPct val="150000"/>
-              </a:lnSpc>
-              <a:buClr>
-                <a:schemeClr val="bg1">
-                  <a:lumMod val="65000"/>
-                </a:schemeClr>
-              </a:buClr>
-            </a:pPr>
-            <a:r>
-              <a:rPr lang="en-US" altLang="en-US" dirty="0">
-                <a:solidFill>
-                  <a:schemeClr val="bg1">
-                    <a:lumMod val="65000"/>
-                  </a:schemeClr>
-                </a:solidFill>
-              </a:rPr>
-              <a:t>Typing a long pathname is tedious and increases the chance of making a mistake. </a:t>
-            </a:r>
-          </a:p>
-          <a:p>
-            <a:pPr algn="just" eaLnBrk="1" hangingPunct="1">
-              <a:lnSpc>
-                <a:spcPct val="150000"/>
-              </a:lnSpc>
-              <a:buClr>
-                <a:schemeClr val="bg1">
-                  <a:lumMod val="65000"/>
-                </a:schemeClr>
-              </a:buClr>
-            </a:pPr>
-            <a:r>
-              <a:rPr lang="en-US" altLang="en-US" dirty="0">
-                <a:solidFill>
-                  <a:schemeClr val="bg1">
-                    <a:lumMod val="65000"/>
-                  </a:schemeClr>
-                </a:solidFill>
-              </a:rPr>
-              <a:t>This possibility is less likely under a GUI, where you click filenames or icons. You can choose a working directory for any particular task to reduce the need for long pathnames. </a:t>
-            </a:r>
-          </a:p>
-        </p:txBody>
-      </p:sp>
-    </p:spTree>
-    <p:extLst>
-      <p:ext uri="{BB962C8B-B14F-4D97-AF65-F5344CB8AC3E}">
-        <p14:creationId xmlns:p14="http://schemas.microsoft.com/office/powerpoint/2010/main" val="12314296"/>
-      </p:ext>
-    </p:extLst>
-  </p:cSld>
-  <p:clrMapOvr>
-    <a:masterClrMapping/>
-  </p:clrMapOvr>
-</p:sld>
-</file>
-
-<file path=ppt/slides/slide25.xml><?xml version="1.0" encoding="utf-8"?>
-<p:sld xmlns:a="http://schemas.openxmlformats.org/drawingml/2006/main" xmlns:r="http://schemas.openxmlformats.org/officeDocument/2006/relationships" xmlns:p="http://schemas.openxmlformats.org/presentationml/2006/main">
-  <p:cSld>
-    <p:spTree>
-      <p:nvGrpSpPr>
-        <p:cNvPr id="1" name=""/>
-        <p:cNvGrpSpPr/>
-        <p:nvPr/>
-      </p:nvGrpSpPr>
-      <p:grpSpPr>
-        <a:xfrm>
-          <a:off x="0" y="0"/>
-          <a:ext cx="0" cy="0"/>
-          <a:chOff x="0" y="0"/>
-          <a:chExt cx="0" cy="0"/>
-        </a:xfrm>
-      </p:grpSpPr>
-      <p:sp>
-        <p:nvSpPr>
-          <p:cNvPr id="2" name="Title 1">
-            <a:extLst>
-              <a:ext uri="{FF2B5EF4-FFF2-40B4-BE49-F238E27FC236}">
-                <a16:creationId xmlns:a16="http://schemas.microsoft.com/office/drawing/2014/main" id="{75956E8E-5600-4D82-9A3C-7BF495ACCB82}"/>
-              </a:ext>
-            </a:extLst>
-          </p:cNvPr>
-          <p:cNvSpPr>
-            <a:spLocks noGrp="1"/>
-          </p:cNvSpPr>
-          <p:nvPr>
-            <p:ph type="title"/>
-          </p:nvPr>
-        </p:nvSpPr>
-        <p:spPr/>
-        <p:txBody>
-          <a:bodyPr rtlCol="0"/>
-          <a:lstStyle/>
-          <a:p>
-            <a:pPr eaLnBrk="1" fontAlgn="auto" hangingPunct="1">
-              <a:defRPr/>
-            </a:pPr>
-            <a:r>
-              <a:rPr lang="en-US" dirty="0"/>
-              <a:t>Significance of the Working Directory</a:t>
-            </a:r>
-          </a:p>
-        </p:txBody>
-      </p:sp>
-      <p:sp>
-        <p:nvSpPr>
-          <p:cNvPr id="23555" name="Content Placeholder 2">
-            <a:extLst>
-              <a:ext uri="{FF2B5EF4-FFF2-40B4-BE49-F238E27FC236}">
-                <a16:creationId xmlns:a16="http://schemas.microsoft.com/office/drawing/2014/main" id="{6BEC033C-D558-42D7-9059-E6AB8E6B3FA8}"/>
-              </a:ext>
-            </a:extLst>
-          </p:cNvPr>
-          <p:cNvSpPr>
-            <a:spLocks noGrp="1"/>
-          </p:cNvSpPr>
-          <p:nvPr>
-            <p:ph idx="1"/>
-          </p:nvPr>
-        </p:nvSpPr>
-        <p:spPr/>
-        <p:txBody>
-          <a:bodyPr>
-            <a:normAutofit fontScale="92500"/>
-          </a:bodyPr>
-          <a:lstStyle/>
-          <a:p>
-            <a:pPr algn="just" eaLnBrk="1" hangingPunct="1">
-              <a:lnSpc>
-                <a:spcPct val="150000"/>
-              </a:lnSpc>
-              <a:buClr>
-                <a:schemeClr val="bg1">
-                  <a:lumMod val="65000"/>
-                </a:schemeClr>
-              </a:buClr>
-            </a:pPr>
-            <a:r>
-              <a:rPr lang="en-US" altLang="en-US" dirty="0">
-                <a:solidFill>
-                  <a:schemeClr val="bg1">
-                    <a:lumMod val="65000"/>
-                  </a:schemeClr>
-                </a:solidFill>
-              </a:rPr>
-              <a:t>To access any file in the working directory, you need only a simple filename. </a:t>
-            </a:r>
-          </a:p>
-          <a:p>
-            <a:pPr algn="just" eaLnBrk="1" hangingPunct="1">
-              <a:lnSpc>
-                <a:spcPct val="150000"/>
-              </a:lnSpc>
-              <a:buClr>
-                <a:schemeClr val="bg1">
-                  <a:lumMod val="65000"/>
-                </a:schemeClr>
-              </a:buClr>
-            </a:pPr>
-            <a:r>
-              <a:rPr lang="en-US" altLang="en-US" dirty="0">
-                <a:solidFill>
-                  <a:schemeClr val="bg1">
-                    <a:lumMod val="65000"/>
-                  </a:schemeClr>
-                </a:solidFill>
-              </a:rPr>
-              <a:t>To access a file in another directory, you must use a pathname. </a:t>
-            </a:r>
-          </a:p>
-          <a:p>
-            <a:pPr algn="just" eaLnBrk="1" hangingPunct="1">
-              <a:lnSpc>
-                <a:spcPct val="150000"/>
-              </a:lnSpc>
-            </a:pPr>
-            <a:r>
-              <a:rPr lang="en-US" altLang="en-US" dirty="0"/>
-              <a:t>Typing a long pathname is tedious and increases the chance of making a mistake. </a:t>
-            </a:r>
-          </a:p>
-          <a:p>
-            <a:pPr algn="just" eaLnBrk="1" hangingPunct="1">
-              <a:lnSpc>
-                <a:spcPct val="150000"/>
-              </a:lnSpc>
-              <a:buClr>
-                <a:schemeClr val="bg1">
-                  <a:lumMod val="65000"/>
-                </a:schemeClr>
-              </a:buClr>
-            </a:pPr>
-            <a:r>
-              <a:rPr lang="en-US" altLang="en-US" dirty="0">
-                <a:solidFill>
-                  <a:schemeClr val="bg1">
-                    <a:lumMod val="65000"/>
-                  </a:schemeClr>
-                </a:solidFill>
-              </a:rPr>
-              <a:t>This possibility is less likely under a GUI, where you click filenames or icons. You can choose a working directory for any particular task to reduce the need for long pathnames. </a:t>
-            </a:r>
-          </a:p>
-        </p:txBody>
-      </p:sp>
-    </p:spTree>
-    <p:extLst>
-      <p:ext uri="{BB962C8B-B14F-4D97-AF65-F5344CB8AC3E}">
-        <p14:creationId xmlns:p14="http://schemas.microsoft.com/office/powerpoint/2010/main" val="2268733984"/>
-      </p:ext>
-    </p:extLst>
-  </p:cSld>
-  <p:clrMapOvr>
-    <a:masterClrMapping/>
-  </p:clrMapOvr>
-</p:sld>
-</file>
-
-<file path=ppt/slides/slide26.xml><?xml version="1.0" encoding="utf-8"?>
-<p:sld xmlns:a="http://schemas.openxmlformats.org/drawingml/2006/main" xmlns:r="http://schemas.openxmlformats.org/officeDocument/2006/relationships" xmlns:p="http://schemas.openxmlformats.org/presentationml/2006/main">
-  <p:cSld>
-    <p:spTree>
-      <p:nvGrpSpPr>
-        <p:cNvPr id="1" name=""/>
-        <p:cNvGrpSpPr/>
-        <p:nvPr/>
-      </p:nvGrpSpPr>
-      <p:grpSpPr>
-        <a:xfrm>
-          <a:off x="0" y="0"/>
-          <a:ext cx="0" cy="0"/>
-          <a:chOff x="0" y="0"/>
-          <a:chExt cx="0" cy="0"/>
-        </a:xfrm>
-      </p:grpSpPr>
-      <p:sp>
-        <p:nvSpPr>
-          <p:cNvPr id="2" name="Title 1">
-            <a:extLst>
-              <a:ext uri="{FF2B5EF4-FFF2-40B4-BE49-F238E27FC236}">
-                <a16:creationId xmlns:a16="http://schemas.microsoft.com/office/drawing/2014/main" id="{75956E8E-5600-4D82-9A3C-7BF495ACCB82}"/>
-              </a:ext>
-            </a:extLst>
-          </p:cNvPr>
-          <p:cNvSpPr>
-            <a:spLocks noGrp="1"/>
-          </p:cNvSpPr>
-          <p:nvPr>
-            <p:ph type="title"/>
-          </p:nvPr>
-        </p:nvSpPr>
-        <p:spPr/>
-        <p:txBody>
-          <a:bodyPr rtlCol="0"/>
-          <a:lstStyle/>
-          <a:p>
-            <a:pPr eaLnBrk="1" fontAlgn="auto" hangingPunct="1">
-              <a:defRPr/>
-            </a:pPr>
-            <a:r>
-              <a:rPr lang="en-US" dirty="0"/>
-              <a:t>Significance of the Working Directory</a:t>
-            </a:r>
-          </a:p>
-        </p:txBody>
-      </p:sp>
-      <p:sp>
-        <p:nvSpPr>
-          <p:cNvPr id="23555" name="Content Placeholder 2">
-            <a:extLst>
-              <a:ext uri="{FF2B5EF4-FFF2-40B4-BE49-F238E27FC236}">
-                <a16:creationId xmlns:a16="http://schemas.microsoft.com/office/drawing/2014/main" id="{6BEC033C-D558-42D7-9059-E6AB8E6B3FA8}"/>
-              </a:ext>
-            </a:extLst>
-          </p:cNvPr>
-          <p:cNvSpPr>
-            <a:spLocks noGrp="1"/>
-          </p:cNvSpPr>
-          <p:nvPr>
-            <p:ph idx="1"/>
-          </p:nvPr>
-        </p:nvSpPr>
-        <p:spPr/>
-        <p:txBody>
-          <a:bodyPr>
-            <a:normAutofit fontScale="92500"/>
-          </a:bodyPr>
-          <a:lstStyle/>
-          <a:p>
-            <a:pPr algn="just" eaLnBrk="1" hangingPunct="1">
-              <a:lnSpc>
-                <a:spcPct val="150000"/>
-              </a:lnSpc>
-              <a:buClr>
-                <a:schemeClr val="bg1">
-                  <a:lumMod val="65000"/>
-                </a:schemeClr>
-              </a:buClr>
-            </a:pPr>
-            <a:r>
-              <a:rPr lang="en-US" altLang="en-US" dirty="0">
-                <a:solidFill>
-                  <a:schemeClr val="bg1">
-                    <a:lumMod val="65000"/>
-                  </a:schemeClr>
-                </a:solidFill>
-              </a:rPr>
-              <a:t>To access any file in the working directory, you need only a simple filename. </a:t>
-            </a:r>
-          </a:p>
-          <a:p>
-            <a:pPr algn="just" eaLnBrk="1" hangingPunct="1">
-              <a:lnSpc>
-                <a:spcPct val="150000"/>
-              </a:lnSpc>
-              <a:buClr>
-                <a:schemeClr val="bg1">
-                  <a:lumMod val="65000"/>
-                </a:schemeClr>
-              </a:buClr>
-            </a:pPr>
-            <a:r>
-              <a:rPr lang="en-US" altLang="en-US" dirty="0">
-                <a:solidFill>
-                  <a:schemeClr val="bg1">
-                    <a:lumMod val="65000"/>
-                  </a:schemeClr>
-                </a:solidFill>
-              </a:rPr>
-              <a:t>To access a file in another directory, you must use a pathname. </a:t>
-            </a:r>
-          </a:p>
-          <a:p>
-            <a:pPr algn="just" eaLnBrk="1" hangingPunct="1">
-              <a:lnSpc>
-                <a:spcPct val="150000"/>
-              </a:lnSpc>
-              <a:buClr>
-                <a:schemeClr val="bg1">
-                  <a:lumMod val="65000"/>
-                </a:schemeClr>
-              </a:buClr>
-            </a:pPr>
-            <a:r>
-              <a:rPr lang="en-US" altLang="en-US" dirty="0">
-                <a:solidFill>
-                  <a:schemeClr val="bg1">
-                    <a:lumMod val="65000"/>
-                  </a:schemeClr>
-                </a:solidFill>
-              </a:rPr>
-              <a:t>Typing a long pathname is tedious and increases the chance of making a mistake. </a:t>
-            </a:r>
-          </a:p>
-          <a:p>
-            <a:pPr algn="just" eaLnBrk="1" hangingPunct="1">
-              <a:lnSpc>
-                <a:spcPct val="150000"/>
-              </a:lnSpc>
-            </a:pPr>
-            <a:r>
-              <a:rPr lang="en-US" altLang="en-US" dirty="0"/>
-              <a:t>This possibility is less likely under a GUI, where you click filenames or icons. You can choose a working directory for any particular task to reduce the need for long pathnames. </a:t>
-            </a:r>
-          </a:p>
-        </p:txBody>
-      </p:sp>
-    </p:spTree>
-    <p:extLst>
-      <p:ext uri="{BB962C8B-B14F-4D97-AF65-F5344CB8AC3E}">
-        <p14:creationId xmlns:p14="http://schemas.microsoft.com/office/powerpoint/2010/main" val="2513737036"/>
-      </p:ext>
-    </p:extLst>
-  </p:cSld>
-  <p:clrMapOvr>
-    <a:masterClrMapping/>
-  </p:clrMapOvr>
-</p:sld>
-</file>
-
-<file path=ppt/slides/slide27.xml><?xml version="1.0" encoding="utf-8"?>
+<file path=ppt/slides/slide14.xml><?xml version="1.0" encoding="utf-8"?>
 <p:sld xmlns:a="http://schemas.openxmlformats.org/drawingml/2006/main" xmlns:r="http://schemas.openxmlformats.org/officeDocument/2006/relationships" xmlns:p="http://schemas.openxmlformats.org/presentationml/2006/main">
   <p:cSld>
     <p:spTree>
@@ -15564,1018 +13306,7 @@
 </p:sld>
 </file>
 
-<file path=ppt/slides/slide28.xml><?xml version="1.0" encoding="utf-8"?>
-<p:sld xmlns:a="http://schemas.openxmlformats.org/drawingml/2006/main" xmlns:r="http://schemas.openxmlformats.org/officeDocument/2006/relationships" xmlns:p="http://schemas.openxmlformats.org/presentationml/2006/main">
-  <p:cSld>
-    <p:spTree>
-      <p:nvGrpSpPr>
-        <p:cNvPr id="1" name=""/>
-        <p:cNvGrpSpPr/>
-        <p:nvPr/>
-      </p:nvGrpSpPr>
-      <p:grpSpPr>
-        <a:xfrm>
-          <a:off x="0" y="0"/>
-          <a:ext cx="0" cy="0"/>
-          <a:chOff x="0" y="0"/>
-          <a:chExt cx="0" cy="0"/>
-        </a:xfrm>
-      </p:grpSpPr>
-      <p:sp>
-        <p:nvSpPr>
-          <p:cNvPr id="2" name="Title 1">
-            <a:extLst>
-              <a:ext uri="{FF2B5EF4-FFF2-40B4-BE49-F238E27FC236}">
-                <a16:creationId xmlns:a16="http://schemas.microsoft.com/office/drawing/2014/main" id="{55537ECD-FA72-4685-A40B-4349504D309F}"/>
-              </a:ext>
-            </a:extLst>
-          </p:cNvPr>
-          <p:cNvSpPr>
-            <a:spLocks noGrp="1"/>
-          </p:cNvSpPr>
-          <p:nvPr>
-            <p:ph type="title"/>
-          </p:nvPr>
-        </p:nvSpPr>
-        <p:spPr/>
-        <p:txBody>
-          <a:bodyPr rtlCol="0"/>
-          <a:lstStyle/>
-          <a:p>
-            <a:pPr eaLnBrk="1" fontAlgn="auto" hangingPunct="1">
-              <a:defRPr/>
-            </a:pPr>
-            <a:r>
-              <a:rPr lang="en-US" dirty="0"/>
-              <a:t>Working with Directories</a:t>
-            </a:r>
-          </a:p>
-        </p:txBody>
-      </p:sp>
-      <p:sp>
-        <p:nvSpPr>
-          <p:cNvPr id="25603" name="Content Placeholder 2">
-            <a:extLst>
-              <a:ext uri="{FF2B5EF4-FFF2-40B4-BE49-F238E27FC236}">
-                <a16:creationId xmlns:a16="http://schemas.microsoft.com/office/drawing/2014/main" id="{EB29EDCF-B25A-4CA0-A0BE-BA02FAA899C6}"/>
-              </a:ext>
-            </a:extLst>
-          </p:cNvPr>
-          <p:cNvSpPr>
-            <a:spLocks noGrp="1"/>
-          </p:cNvSpPr>
-          <p:nvPr>
-            <p:ph idx="1"/>
-          </p:nvPr>
-        </p:nvSpPr>
-        <p:spPr/>
-        <p:txBody>
-          <a:bodyPr/>
-          <a:lstStyle/>
-          <a:p>
-            <a:pPr marL="361950" indent="-361950" algn="just" eaLnBrk="1" hangingPunct="1">
-              <a:lnSpc>
-                <a:spcPct val="150000"/>
-              </a:lnSpc>
-              <a:buClr>
-                <a:schemeClr val="bg1">
-                  <a:lumMod val="65000"/>
-                </a:schemeClr>
-              </a:buClr>
-            </a:pPr>
-            <a:r>
-              <a:rPr lang="en-US" altLang="en-US" sz="2800" dirty="0">
-                <a:solidFill>
-                  <a:schemeClr val="bg1">
-                    <a:lumMod val="65000"/>
-                  </a:schemeClr>
-                </a:solidFill>
-              </a:rPr>
-              <a:t>how to create directories (</a:t>
-            </a:r>
-            <a:r>
-              <a:rPr lang="en-US" altLang="en-US" sz="2800" dirty="0" err="1">
-                <a:solidFill>
-                  <a:schemeClr val="bg1">
-                    <a:lumMod val="65000"/>
-                  </a:schemeClr>
-                </a:solidFill>
-              </a:rPr>
-              <a:t>mkdir</a:t>
-            </a:r>
-            <a:r>
-              <a:rPr lang="en-US" altLang="en-US" sz="2800" dirty="0">
-                <a:solidFill>
-                  <a:schemeClr val="bg1">
-                    <a:lumMod val="65000"/>
-                  </a:schemeClr>
-                </a:solidFill>
-              </a:rPr>
-              <a:t>), </a:t>
-            </a:r>
-          </a:p>
-          <a:p>
-            <a:pPr marL="361950" indent="-361950" algn="just" eaLnBrk="1" hangingPunct="1">
-              <a:lnSpc>
-                <a:spcPct val="150000"/>
-              </a:lnSpc>
-            </a:pPr>
-            <a:r>
-              <a:rPr lang="en-US" altLang="en-US" sz="2800" dirty="0"/>
-              <a:t>switch between directories (cd), </a:t>
-            </a:r>
-          </a:p>
-          <a:p>
-            <a:pPr marL="361950" indent="-361950" algn="just" eaLnBrk="1" hangingPunct="1">
-              <a:lnSpc>
-                <a:spcPct val="150000"/>
-              </a:lnSpc>
-              <a:buClr>
-                <a:schemeClr val="bg1">
-                  <a:lumMod val="65000"/>
-                </a:schemeClr>
-              </a:buClr>
-            </a:pPr>
-            <a:r>
-              <a:rPr lang="en-US" altLang="en-US" sz="2800" dirty="0">
-                <a:solidFill>
-                  <a:schemeClr val="bg1">
-                    <a:lumMod val="65000"/>
-                  </a:schemeClr>
-                </a:solidFill>
-              </a:rPr>
-              <a:t>remove directories (</a:t>
-            </a:r>
-            <a:r>
-              <a:rPr lang="en-US" altLang="en-US" sz="2800" dirty="0" err="1">
-                <a:solidFill>
-                  <a:schemeClr val="bg1">
-                    <a:lumMod val="65000"/>
-                  </a:schemeClr>
-                </a:solidFill>
-              </a:rPr>
-              <a:t>rmdir</a:t>
-            </a:r>
-            <a:r>
-              <a:rPr lang="en-US" altLang="en-US" sz="2800" dirty="0">
-                <a:solidFill>
-                  <a:schemeClr val="bg1">
-                    <a:lumMod val="65000"/>
-                  </a:schemeClr>
-                </a:solidFill>
-              </a:rPr>
-              <a:t>)</a:t>
-            </a:r>
-          </a:p>
-          <a:p>
-            <a:pPr marL="361950" indent="-361950" algn="just" eaLnBrk="1" hangingPunct="1">
-              <a:lnSpc>
-                <a:spcPct val="150000"/>
-              </a:lnSpc>
-              <a:buClr>
-                <a:schemeClr val="bg1">
-                  <a:lumMod val="65000"/>
-                </a:schemeClr>
-              </a:buClr>
-            </a:pPr>
-            <a:r>
-              <a:rPr lang="en-US" altLang="en-US" sz="2800" dirty="0">
-                <a:solidFill>
-                  <a:schemeClr val="bg1">
-                    <a:lumMod val="65000"/>
-                  </a:schemeClr>
-                </a:solidFill>
-              </a:rPr>
-              <a:t>mv, cp: Move or Copy Files</a:t>
-            </a:r>
-          </a:p>
-          <a:p>
-            <a:pPr marL="361950" indent="-361950" algn="just" eaLnBrk="1" hangingPunct="1">
-              <a:lnSpc>
-                <a:spcPct val="150000"/>
-              </a:lnSpc>
-              <a:buClr>
-                <a:schemeClr val="bg1">
-                  <a:lumMod val="65000"/>
-                </a:schemeClr>
-              </a:buClr>
-            </a:pPr>
-            <a:r>
-              <a:rPr lang="en-US" altLang="en-US" sz="2800" dirty="0">
-                <a:solidFill>
-                  <a:schemeClr val="bg1">
-                    <a:lumMod val="65000"/>
-                  </a:schemeClr>
-                </a:solidFill>
-              </a:rPr>
-              <a:t>mv: Moves a Directory</a:t>
-            </a:r>
-          </a:p>
-          <a:p>
-            <a:pPr algn="just" eaLnBrk="1" hangingPunct="1">
-              <a:lnSpc>
-                <a:spcPct val="150000"/>
-              </a:lnSpc>
-            </a:pPr>
-            <a:endParaRPr lang="en-US" altLang="en-US" dirty="0"/>
-          </a:p>
-        </p:txBody>
-      </p:sp>
-    </p:spTree>
-    <p:extLst>
-      <p:ext uri="{BB962C8B-B14F-4D97-AF65-F5344CB8AC3E}">
-        <p14:creationId xmlns:p14="http://schemas.microsoft.com/office/powerpoint/2010/main" val="578969968"/>
-      </p:ext>
-    </p:extLst>
-  </p:cSld>
-  <p:clrMapOvr>
-    <a:masterClrMapping/>
-  </p:clrMapOvr>
-</p:sld>
-</file>
-
-<file path=ppt/slides/slide29.xml><?xml version="1.0" encoding="utf-8"?>
-<p:sld xmlns:a="http://schemas.openxmlformats.org/drawingml/2006/main" xmlns:r="http://schemas.openxmlformats.org/officeDocument/2006/relationships" xmlns:p="http://schemas.openxmlformats.org/presentationml/2006/main">
-  <p:cSld>
-    <p:spTree>
-      <p:nvGrpSpPr>
-        <p:cNvPr id="1" name=""/>
-        <p:cNvGrpSpPr/>
-        <p:nvPr/>
-      </p:nvGrpSpPr>
-      <p:grpSpPr>
-        <a:xfrm>
-          <a:off x="0" y="0"/>
-          <a:ext cx="0" cy="0"/>
-          <a:chOff x="0" y="0"/>
-          <a:chExt cx="0" cy="0"/>
-        </a:xfrm>
-      </p:grpSpPr>
-      <p:sp>
-        <p:nvSpPr>
-          <p:cNvPr id="2" name="Title 1">
-            <a:extLst>
-              <a:ext uri="{FF2B5EF4-FFF2-40B4-BE49-F238E27FC236}">
-                <a16:creationId xmlns:a16="http://schemas.microsoft.com/office/drawing/2014/main" id="{55537ECD-FA72-4685-A40B-4349504D309F}"/>
-              </a:ext>
-            </a:extLst>
-          </p:cNvPr>
-          <p:cNvSpPr>
-            <a:spLocks noGrp="1"/>
-          </p:cNvSpPr>
-          <p:nvPr>
-            <p:ph type="title"/>
-          </p:nvPr>
-        </p:nvSpPr>
-        <p:spPr/>
-        <p:txBody>
-          <a:bodyPr rtlCol="0"/>
-          <a:lstStyle/>
-          <a:p>
-            <a:pPr eaLnBrk="1" fontAlgn="auto" hangingPunct="1">
-              <a:defRPr/>
-            </a:pPr>
-            <a:r>
-              <a:rPr lang="en-US" dirty="0"/>
-              <a:t>Working with Directories</a:t>
-            </a:r>
-          </a:p>
-        </p:txBody>
-      </p:sp>
-      <p:sp>
-        <p:nvSpPr>
-          <p:cNvPr id="25603" name="Content Placeholder 2">
-            <a:extLst>
-              <a:ext uri="{FF2B5EF4-FFF2-40B4-BE49-F238E27FC236}">
-                <a16:creationId xmlns:a16="http://schemas.microsoft.com/office/drawing/2014/main" id="{EB29EDCF-B25A-4CA0-A0BE-BA02FAA899C6}"/>
-              </a:ext>
-            </a:extLst>
-          </p:cNvPr>
-          <p:cNvSpPr>
-            <a:spLocks noGrp="1"/>
-          </p:cNvSpPr>
-          <p:nvPr>
-            <p:ph idx="1"/>
-          </p:nvPr>
-        </p:nvSpPr>
-        <p:spPr/>
-        <p:txBody>
-          <a:bodyPr/>
-          <a:lstStyle/>
-          <a:p>
-            <a:pPr marL="361950" indent="-361950" algn="just" eaLnBrk="1" hangingPunct="1">
-              <a:lnSpc>
-                <a:spcPct val="150000"/>
-              </a:lnSpc>
-              <a:buClr>
-                <a:schemeClr val="bg1">
-                  <a:lumMod val="65000"/>
-                </a:schemeClr>
-              </a:buClr>
-            </a:pPr>
-            <a:r>
-              <a:rPr lang="en-US" altLang="en-US" sz="2800" dirty="0">
-                <a:solidFill>
-                  <a:schemeClr val="bg1">
-                    <a:lumMod val="65000"/>
-                  </a:schemeClr>
-                </a:solidFill>
-              </a:rPr>
-              <a:t>how to create directories (</a:t>
-            </a:r>
-            <a:r>
-              <a:rPr lang="en-US" altLang="en-US" sz="2800" dirty="0" err="1">
-                <a:solidFill>
-                  <a:schemeClr val="bg1">
-                    <a:lumMod val="65000"/>
-                  </a:schemeClr>
-                </a:solidFill>
-              </a:rPr>
-              <a:t>mkdir</a:t>
-            </a:r>
-            <a:r>
-              <a:rPr lang="en-US" altLang="en-US" sz="2800" dirty="0">
-                <a:solidFill>
-                  <a:schemeClr val="bg1">
-                    <a:lumMod val="65000"/>
-                  </a:schemeClr>
-                </a:solidFill>
-              </a:rPr>
-              <a:t>), </a:t>
-            </a:r>
-          </a:p>
-          <a:p>
-            <a:pPr marL="361950" indent="-361950" algn="just" eaLnBrk="1" hangingPunct="1">
-              <a:lnSpc>
-                <a:spcPct val="150000"/>
-              </a:lnSpc>
-              <a:buClr>
-                <a:schemeClr val="bg1">
-                  <a:lumMod val="65000"/>
-                </a:schemeClr>
-              </a:buClr>
-            </a:pPr>
-            <a:r>
-              <a:rPr lang="en-US" altLang="en-US" sz="2800" dirty="0">
-                <a:solidFill>
-                  <a:schemeClr val="bg1">
-                    <a:lumMod val="65000"/>
-                  </a:schemeClr>
-                </a:solidFill>
-              </a:rPr>
-              <a:t>switch between directories (cd), </a:t>
-            </a:r>
-          </a:p>
-          <a:p>
-            <a:pPr marL="361950" indent="-361950" algn="just" eaLnBrk="1" hangingPunct="1">
-              <a:lnSpc>
-                <a:spcPct val="150000"/>
-              </a:lnSpc>
-            </a:pPr>
-            <a:r>
-              <a:rPr lang="en-US" altLang="en-US" sz="2800" dirty="0"/>
-              <a:t>remove directories (</a:t>
-            </a:r>
-            <a:r>
-              <a:rPr lang="en-US" altLang="en-US" sz="2800" dirty="0" err="1"/>
-              <a:t>rmdir</a:t>
-            </a:r>
-            <a:r>
-              <a:rPr lang="en-US" altLang="en-US" sz="2800" dirty="0"/>
-              <a:t>)</a:t>
-            </a:r>
-          </a:p>
-          <a:p>
-            <a:pPr marL="361950" indent="-361950" algn="just" eaLnBrk="1" hangingPunct="1">
-              <a:lnSpc>
-                <a:spcPct val="150000"/>
-              </a:lnSpc>
-              <a:buClr>
-                <a:schemeClr val="bg1">
-                  <a:lumMod val="65000"/>
-                </a:schemeClr>
-              </a:buClr>
-            </a:pPr>
-            <a:r>
-              <a:rPr lang="en-US" altLang="en-US" sz="2800" dirty="0">
-                <a:solidFill>
-                  <a:schemeClr val="bg1">
-                    <a:lumMod val="65000"/>
-                  </a:schemeClr>
-                </a:solidFill>
-              </a:rPr>
-              <a:t>mv, cp: Move or Copy Files</a:t>
-            </a:r>
-          </a:p>
-          <a:p>
-            <a:pPr marL="361950" indent="-361950" algn="just" eaLnBrk="1" hangingPunct="1">
-              <a:lnSpc>
-                <a:spcPct val="150000"/>
-              </a:lnSpc>
-              <a:buClr>
-                <a:schemeClr val="bg1">
-                  <a:lumMod val="65000"/>
-                </a:schemeClr>
-              </a:buClr>
-            </a:pPr>
-            <a:r>
-              <a:rPr lang="en-US" altLang="en-US" sz="2800" dirty="0">
-                <a:solidFill>
-                  <a:schemeClr val="bg1">
-                    <a:lumMod val="65000"/>
-                  </a:schemeClr>
-                </a:solidFill>
-              </a:rPr>
-              <a:t>mv: Moves a Directory</a:t>
-            </a:r>
-          </a:p>
-          <a:p>
-            <a:pPr algn="just" eaLnBrk="1" hangingPunct="1">
-              <a:lnSpc>
-                <a:spcPct val="150000"/>
-              </a:lnSpc>
-            </a:pPr>
-            <a:endParaRPr lang="en-US" altLang="en-US" dirty="0"/>
-          </a:p>
-        </p:txBody>
-      </p:sp>
-    </p:spTree>
-    <p:extLst>
-      <p:ext uri="{BB962C8B-B14F-4D97-AF65-F5344CB8AC3E}">
-        <p14:creationId xmlns:p14="http://schemas.microsoft.com/office/powerpoint/2010/main" val="1824016118"/>
-      </p:ext>
-    </p:extLst>
-  </p:cSld>
-  <p:clrMapOvr>
-    <a:masterClrMapping/>
-  </p:clrMapOvr>
-</p:sld>
-</file>
-
-<file path=ppt/slides/slide3.xml><?xml version="1.0" encoding="utf-8"?>
-<p:sld xmlns:a="http://schemas.openxmlformats.org/drawingml/2006/main" xmlns:r="http://schemas.openxmlformats.org/officeDocument/2006/relationships" xmlns:p="http://schemas.openxmlformats.org/presentationml/2006/main">
-  <p:cSld>
-    <p:spTree>
-      <p:nvGrpSpPr>
-        <p:cNvPr id="1" name=""/>
-        <p:cNvGrpSpPr/>
-        <p:nvPr/>
-      </p:nvGrpSpPr>
-      <p:grpSpPr>
-        <a:xfrm>
-          <a:off x="0" y="0"/>
-          <a:ext cx="0" cy="0"/>
-          <a:chOff x="0" y="0"/>
-          <a:chExt cx="0" cy="0"/>
-        </a:xfrm>
-      </p:grpSpPr>
-      <p:sp>
-        <p:nvSpPr>
-          <p:cNvPr id="2" name="Title 1">
-            <a:extLst>
-              <a:ext uri="{FF2B5EF4-FFF2-40B4-BE49-F238E27FC236}">
-                <a16:creationId xmlns:a16="http://schemas.microsoft.com/office/drawing/2014/main" id="{2FC556E4-0AB9-492B-B90A-942F31AA79A6}"/>
-              </a:ext>
-            </a:extLst>
-          </p:cNvPr>
-          <p:cNvSpPr>
-            <a:spLocks noGrp="1"/>
-          </p:cNvSpPr>
-          <p:nvPr>
-            <p:ph type="title"/>
-          </p:nvPr>
-        </p:nvSpPr>
-        <p:spPr/>
-        <p:txBody>
-          <a:bodyPr rtlCol="0"/>
-          <a:lstStyle/>
-          <a:p>
-            <a:pPr eaLnBrk="1" fontAlgn="auto" hangingPunct="1">
-              <a:defRPr/>
-            </a:pPr>
-            <a:r>
-              <a:rPr lang="en-US" dirty="0"/>
-              <a:t>Pathnames</a:t>
-            </a:r>
-          </a:p>
-        </p:txBody>
-      </p:sp>
-      <p:sp>
-        <p:nvSpPr>
-          <p:cNvPr id="12291" name="Content Placeholder 2">
-            <a:extLst>
-              <a:ext uri="{FF2B5EF4-FFF2-40B4-BE49-F238E27FC236}">
-                <a16:creationId xmlns:a16="http://schemas.microsoft.com/office/drawing/2014/main" id="{2FE16E50-296E-422C-94CB-E875D1C029DF}"/>
-              </a:ext>
-            </a:extLst>
-          </p:cNvPr>
-          <p:cNvSpPr>
-            <a:spLocks noGrp="1"/>
-          </p:cNvSpPr>
-          <p:nvPr>
-            <p:ph idx="1"/>
-          </p:nvPr>
-        </p:nvSpPr>
-        <p:spPr>
-          <a:xfrm>
-            <a:off x="280987" y="2362200"/>
-            <a:ext cx="8582025" cy="2133600"/>
-          </a:xfrm>
-        </p:spPr>
-        <p:txBody>
-          <a:bodyPr/>
-          <a:lstStyle/>
-          <a:p>
-            <a:pPr marL="0" indent="0" algn="ctr" eaLnBrk="1" hangingPunct="1">
-              <a:lnSpc>
-                <a:spcPct val="150000"/>
-              </a:lnSpc>
-              <a:buNone/>
-            </a:pPr>
-            <a:r>
-              <a:rPr lang="en-US" altLang="en-US" sz="2800" dirty="0"/>
-              <a:t>Every file has a pathname, which is a trail from a directory through part of the directory hierarchy to an ordinary file or a directory. </a:t>
-            </a:r>
-          </a:p>
-          <a:p>
-            <a:pPr algn="just" eaLnBrk="1" hangingPunct="1">
-              <a:lnSpc>
-                <a:spcPct val="150000"/>
-              </a:lnSpc>
-            </a:pPr>
-            <a:endParaRPr lang="en-US" altLang="en-US" dirty="0"/>
-          </a:p>
-        </p:txBody>
-      </p:sp>
-    </p:spTree>
-  </p:cSld>
-  <p:clrMapOvr>
-    <a:masterClrMapping/>
-  </p:clrMapOvr>
-</p:sld>
-</file>
-
-<file path=ppt/slides/slide30.xml><?xml version="1.0" encoding="utf-8"?>
-<p:sld xmlns:a="http://schemas.openxmlformats.org/drawingml/2006/main" xmlns:r="http://schemas.openxmlformats.org/officeDocument/2006/relationships" xmlns:p="http://schemas.openxmlformats.org/presentationml/2006/main">
-  <p:cSld>
-    <p:spTree>
-      <p:nvGrpSpPr>
-        <p:cNvPr id="1" name=""/>
-        <p:cNvGrpSpPr/>
-        <p:nvPr/>
-      </p:nvGrpSpPr>
-      <p:grpSpPr>
-        <a:xfrm>
-          <a:off x="0" y="0"/>
-          <a:ext cx="0" cy="0"/>
-          <a:chOff x="0" y="0"/>
-          <a:chExt cx="0" cy="0"/>
-        </a:xfrm>
-      </p:grpSpPr>
-      <p:sp>
-        <p:nvSpPr>
-          <p:cNvPr id="2" name="Title 1">
-            <a:extLst>
-              <a:ext uri="{FF2B5EF4-FFF2-40B4-BE49-F238E27FC236}">
-                <a16:creationId xmlns:a16="http://schemas.microsoft.com/office/drawing/2014/main" id="{55537ECD-FA72-4685-A40B-4349504D309F}"/>
-              </a:ext>
-            </a:extLst>
-          </p:cNvPr>
-          <p:cNvSpPr>
-            <a:spLocks noGrp="1"/>
-          </p:cNvSpPr>
-          <p:nvPr>
-            <p:ph type="title"/>
-          </p:nvPr>
-        </p:nvSpPr>
-        <p:spPr/>
-        <p:txBody>
-          <a:bodyPr rtlCol="0"/>
-          <a:lstStyle/>
-          <a:p>
-            <a:pPr eaLnBrk="1" fontAlgn="auto" hangingPunct="1">
-              <a:defRPr/>
-            </a:pPr>
-            <a:r>
-              <a:rPr lang="en-US" dirty="0"/>
-              <a:t>Working with Directories</a:t>
-            </a:r>
-          </a:p>
-        </p:txBody>
-      </p:sp>
-      <p:sp>
-        <p:nvSpPr>
-          <p:cNvPr id="25603" name="Content Placeholder 2">
-            <a:extLst>
-              <a:ext uri="{FF2B5EF4-FFF2-40B4-BE49-F238E27FC236}">
-                <a16:creationId xmlns:a16="http://schemas.microsoft.com/office/drawing/2014/main" id="{EB29EDCF-B25A-4CA0-A0BE-BA02FAA899C6}"/>
-              </a:ext>
-            </a:extLst>
-          </p:cNvPr>
-          <p:cNvSpPr>
-            <a:spLocks noGrp="1"/>
-          </p:cNvSpPr>
-          <p:nvPr>
-            <p:ph idx="1"/>
-          </p:nvPr>
-        </p:nvSpPr>
-        <p:spPr/>
-        <p:txBody>
-          <a:bodyPr/>
-          <a:lstStyle/>
-          <a:p>
-            <a:pPr marL="361950" indent="-361950" algn="just" eaLnBrk="1" hangingPunct="1">
-              <a:lnSpc>
-                <a:spcPct val="150000"/>
-              </a:lnSpc>
-              <a:buClr>
-                <a:schemeClr val="bg1">
-                  <a:lumMod val="65000"/>
-                </a:schemeClr>
-              </a:buClr>
-            </a:pPr>
-            <a:r>
-              <a:rPr lang="en-US" altLang="en-US" sz="2800" dirty="0">
-                <a:solidFill>
-                  <a:schemeClr val="bg1">
-                    <a:lumMod val="65000"/>
-                  </a:schemeClr>
-                </a:solidFill>
-              </a:rPr>
-              <a:t>how to create directories (</a:t>
-            </a:r>
-            <a:r>
-              <a:rPr lang="en-US" altLang="en-US" sz="2800" dirty="0" err="1">
-                <a:solidFill>
-                  <a:schemeClr val="bg1">
-                    <a:lumMod val="65000"/>
-                  </a:schemeClr>
-                </a:solidFill>
-              </a:rPr>
-              <a:t>mkdir</a:t>
-            </a:r>
-            <a:r>
-              <a:rPr lang="en-US" altLang="en-US" sz="2800" dirty="0">
-                <a:solidFill>
-                  <a:schemeClr val="bg1">
-                    <a:lumMod val="65000"/>
-                  </a:schemeClr>
-                </a:solidFill>
-              </a:rPr>
-              <a:t>), </a:t>
-            </a:r>
-          </a:p>
-          <a:p>
-            <a:pPr marL="361950" indent="-361950" algn="just" eaLnBrk="1" hangingPunct="1">
-              <a:lnSpc>
-                <a:spcPct val="150000"/>
-              </a:lnSpc>
-              <a:buClr>
-                <a:schemeClr val="bg1">
-                  <a:lumMod val="65000"/>
-                </a:schemeClr>
-              </a:buClr>
-            </a:pPr>
-            <a:r>
-              <a:rPr lang="en-US" altLang="en-US" sz="2800" dirty="0">
-                <a:solidFill>
-                  <a:schemeClr val="bg1">
-                    <a:lumMod val="65000"/>
-                  </a:schemeClr>
-                </a:solidFill>
-              </a:rPr>
-              <a:t>switch between directories (cd), </a:t>
-            </a:r>
-          </a:p>
-          <a:p>
-            <a:pPr marL="361950" indent="-361950" algn="just" eaLnBrk="1" hangingPunct="1">
-              <a:lnSpc>
-                <a:spcPct val="150000"/>
-              </a:lnSpc>
-              <a:buClr>
-                <a:schemeClr val="bg1">
-                  <a:lumMod val="65000"/>
-                </a:schemeClr>
-              </a:buClr>
-            </a:pPr>
-            <a:r>
-              <a:rPr lang="en-US" altLang="en-US" sz="2800" dirty="0">
-                <a:solidFill>
-                  <a:schemeClr val="bg1">
-                    <a:lumMod val="65000"/>
-                  </a:schemeClr>
-                </a:solidFill>
-              </a:rPr>
-              <a:t>remove directories (</a:t>
-            </a:r>
-            <a:r>
-              <a:rPr lang="en-US" altLang="en-US" sz="2800" dirty="0" err="1">
-                <a:solidFill>
-                  <a:schemeClr val="bg1">
-                    <a:lumMod val="65000"/>
-                  </a:schemeClr>
-                </a:solidFill>
-              </a:rPr>
-              <a:t>rmdir</a:t>
-            </a:r>
-            <a:r>
-              <a:rPr lang="en-US" altLang="en-US" sz="2800" dirty="0">
-                <a:solidFill>
-                  <a:schemeClr val="bg1">
-                    <a:lumMod val="65000"/>
-                  </a:schemeClr>
-                </a:solidFill>
-              </a:rPr>
-              <a:t>)</a:t>
-            </a:r>
-          </a:p>
-          <a:p>
-            <a:pPr marL="361950" indent="-361950" algn="just" eaLnBrk="1" hangingPunct="1">
-              <a:lnSpc>
-                <a:spcPct val="150000"/>
-              </a:lnSpc>
-            </a:pPr>
-            <a:r>
-              <a:rPr lang="en-US" altLang="en-US" sz="2800" dirty="0"/>
-              <a:t>mv, cp: Move or Copy Files</a:t>
-            </a:r>
-          </a:p>
-          <a:p>
-            <a:pPr marL="361950" indent="-361950" algn="just" eaLnBrk="1" hangingPunct="1">
-              <a:lnSpc>
-                <a:spcPct val="150000"/>
-              </a:lnSpc>
-              <a:buClr>
-                <a:schemeClr val="bg1">
-                  <a:lumMod val="65000"/>
-                </a:schemeClr>
-              </a:buClr>
-            </a:pPr>
-            <a:r>
-              <a:rPr lang="en-US" altLang="en-US" sz="2800" dirty="0">
-                <a:solidFill>
-                  <a:schemeClr val="bg1">
-                    <a:lumMod val="65000"/>
-                  </a:schemeClr>
-                </a:solidFill>
-              </a:rPr>
-              <a:t>mv: Moves a Directory</a:t>
-            </a:r>
-          </a:p>
-          <a:p>
-            <a:pPr algn="just" eaLnBrk="1" hangingPunct="1">
-              <a:lnSpc>
-                <a:spcPct val="150000"/>
-              </a:lnSpc>
-            </a:pPr>
-            <a:endParaRPr lang="en-US" altLang="en-US" dirty="0"/>
-          </a:p>
-        </p:txBody>
-      </p:sp>
-    </p:spTree>
-    <p:extLst>
-      <p:ext uri="{BB962C8B-B14F-4D97-AF65-F5344CB8AC3E}">
-        <p14:creationId xmlns:p14="http://schemas.microsoft.com/office/powerpoint/2010/main" val="2572066761"/>
-      </p:ext>
-    </p:extLst>
-  </p:cSld>
-  <p:clrMapOvr>
-    <a:masterClrMapping/>
-  </p:clrMapOvr>
-</p:sld>
-</file>
-
-<file path=ppt/slides/slide31.xml><?xml version="1.0" encoding="utf-8"?>
-<p:sld xmlns:a="http://schemas.openxmlformats.org/drawingml/2006/main" xmlns:r="http://schemas.openxmlformats.org/officeDocument/2006/relationships" xmlns:p="http://schemas.openxmlformats.org/presentationml/2006/main">
-  <p:cSld>
-    <p:spTree>
-      <p:nvGrpSpPr>
-        <p:cNvPr id="1" name=""/>
-        <p:cNvGrpSpPr/>
-        <p:nvPr/>
-      </p:nvGrpSpPr>
-      <p:grpSpPr>
-        <a:xfrm>
-          <a:off x="0" y="0"/>
-          <a:ext cx="0" cy="0"/>
-          <a:chOff x="0" y="0"/>
-          <a:chExt cx="0" cy="0"/>
-        </a:xfrm>
-      </p:grpSpPr>
-      <p:sp>
-        <p:nvSpPr>
-          <p:cNvPr id="2" name="Title 1">
-            <a:extLst>
-              <a:ext uri="{FF2B5EF4-FFF2-40B4-BE49-F238E27FC236}">
-                <a16:creationId xmlns:a16="http://schemas.microsoft.com/office/drawing/2014/main" id="{55537ECD-FA72-4685-A40B-4349504D309F}"/>
-              </a:ext>
-            </a:extLst>
-          </p:cNvPr>
-          <p:cNvSpPr>
-            <a:spLocks noGrp="1"/>
-          </p:cNvSpPr>
-          <p:nvPr>
-            <p:ph type="title"/>
-          </p:nvPr>
-        </p:nvSpPr>
-        <p:spPr/>
-        <p:txBody>
-          <a:bodyPr rtlCol="0"/>
-          <a:lstStyle/>
-          <a:p>
-            <a:pPr eaLnBrk="1" fontAlgn="auto" hangingPunct="1">
-              <a:defRPr/>
-            </a:pPr>
-            <a:r>
-              <a:rPr lang="en-US" dirty="0"/>
-              <a:t>Working with Directories</a:t>
-            </a:r>
-          </a:p>
-        </p:txBody>
-      </p:sp>
-      <p:sp>
-        <p:nvSpPr>
-          <p:cNvPr id="25603" name="Content Placeholder 2">
-            <a:extLst>
-              <a:ext uri="{FF2B5EF4-FFF2-40B4-BE49-F238E27FC236}">
-                <a16:creationId xmlns:a16="http://schemas.microsoft.com/office/drawing/2014/main" id="{EB29EDCF-B25A-4CA0-A0BE-BA02FAA899C6}"/>
-              </a:ext>
-            </a:extLst>
-          </p:cNvPr>
-          <p:cNvSpPr>
-            <a:spLocks noGrp="1"/>
-          </p:cNvSpPr>
-          <p:nvPr>
-            <p:ph idx="1"/>
-          </p:nvPr>
-        </p:nvSpPr>
-        <p:spPr/>
-        <p:txBody>
-          <a:bodyPr/>
-          <a:lstStyle/>
-          <a:p>
-            <a:pPr marL="361950" indent="-361950" algn="just" eaLnBrk="1" hangingPunct="1">
-              <a:lnSpc>
-                <a:spcPct val="150000"/>
-              </a:lnSpc>
-              <a:buClr>
-                <a:schemeClr val="bg1">
-                  <a:lumMod val="65000"/>
-                </a:schemeClr>
-              </a:buClr>
-            </a:pPr>
-            <a:r>
-              <a:rPr lang="en-US" altLang="en-US" sz="2800" dirty="0">
-                <a:solidFill>
-                  <a:schemeClr val="bg1">
-                    <a:lumMod val="65000"/>
-                  </a:schemeClr>
-                </a:solidFill>
-              </a:rPr>
-              <a:t>how to create directories (</a:t>
-            </a:r>
-            <a:r>
-              <a:rPr lang="en-US" altLang="en-US" sz="2800" dirty="0" err="1">
-                <a:solidFill>
-                  <a:schemeClr val="bg1">
-                    <a:lumMod val="65000"/>
-                  </a:schemeClr>
-                </a:solidFill>
-              </a:rPr>
-              <a:t>mkdir</a:t>
-            </a:r>
-            <a:r>
-              <a:rPr lang="en-US" altLang="en-US" sz="2800" dirty="0">
-                <a:solidFill>
-                  <a:schemeClr val="bg1">
-                    <a:lumMod val="65000"/>
-                  </a:schemeClr>
-                </a:solidFill>
-              </a:rPr>
-              <a:t>), </a:t>
-            </a:r>
-          </a:p>
-          <a:p>
-            <a:pPr marL="361950" indent="-361950" algn="just" eaLnBrk="1" hangingPunct="1">
-              <a:lnSpc>
-                <a:spcPct val="150000"/>
-              </a:lnSpc>
-              <a:buClr>
-                <a:schemeClr val="bg1">
-                  <a:lumMod val="65000"/>
-                </a:schemeClr>
-              </a:buClr>
-            </a:pPr>
-            <a:r>
-              <a:rPr lang="en-US" altLang="en-US" sz="2800" dirty="0">
-                <a:solidFill>
-                  <a:schemeClr val="bg1">
-                    <a:lumMod val="65000"/>
-                  </a:schemeClr>
-                </a:solidFill>
-              </a:rPr>
-              <a:t>switch between directories (cd), </a:t>
-            </a:r>
-          </a:p>
-          <a:p>
-            <a:pPr marL="361950" indent="-361950" algn="just" eaLnBrk="1" hangingPunct="1">
-              <a:lnSpc>
-                <a:spcPct val="150000"/>
-              </a:lnSpc>
-              <a:buClr>
-                <a:schemeClr val="bg1">
-                  <a:lumMod val="65000"/>
-                </a:schemeClr>
-              </a:buClr>
-            </a:pPr>
-            <a:r>
-              <a:rPr lang="en-US" altLang="en-US" sz="2800" dirty="0">
-                <a:solidFill>
-                  <a:schemeClr val="bg1">
-                    <a:lumMod val="65000"/>
-                  </a:schemeClr>
-                </a:solidFill>
-              </a:rPr>
-              <a:t>remove directories (</a:t>
-            </a:r>
-            <a:r>
-              <a:rPr lang="en-US" altLang="en-US" sz="2800" dirty="0" err="1">
-                <a:solidFill>
-                  <a:schemeClr val="bg1">
-                    <a:lumMod val="65000"/>
-                  </a:schemeClr>
-                </a:solidFill>
-              </a:rPr>
-              <a:t>rmdir</a:t>
-            </a:r>
-            <a:r>
-              <a:rPr lang="en-US" altLang="en-US" sz="2800" dirty="0">
-                <a:solidFill>
-                  <a:schemeClr val="bg1">
-                    <a:lumMod val="65000"/>
-                  </a:schemeClr>
-                </a:solidFill>
-              </a:rPr>
-              <a:t>)</a:t>
-            </a:r>
-          </a:p>
-          <a:p>
-            <a:pPr marL="361950" indent="-361950" algn="just" eaLnBrk="1" hangingPunct="1">
-              <a:lnSpc>
-                <a:spcPct val="150000"/>
-              </a:lnSpc>
-              <a:buClr>
-                <a:schemeClr val="bg1">
-                  <a:lumMod val="65000"/>
-                </a:schemeClr>
-              </a:buClr>
-            </a:pPr>
-            <a:r>
-              <a:rPr lang="en-US" altLang="en-US" sz="2800" dirty="0">
-                <a:solidFill>
-                  <a:schemeClr val="bg1">
-                    <a:lumMod val="65000"/>
-                  </a:schemeClr>
-                </a:solidFill>
-              </a:rPr>
-              <a:t>mv, cp: Move or Copy Files</a:t>
-            </a:r>
-          </a:p>
-          <a:p>
-            <a:pPr marL="361950" indent="-361950" algn="just" eaLnBrk="1" hangingPunct="1">
-              <a:lnSpc>
-                <a:spcPct val="150000"/>
-              </a:lnSpc>
-            </a:pPr>
-            <a:r>
-              <a:rPr lang="en-US" altLang="en-US" sz="2800" dirty="0"/>
-              <a:t>mv: Moves a Directory</a:t>
-            </a:r>
-          </a:p>
-          <a:p>
-            <a:pPr algn="just" eaLnBrk="1" hangingPunct="1">
-              <a:lnSpc>
-                <a:spcPct val="150000"/>
-              </a:lnSpc>
-            </a:pPr>
-            <a:endParaRPr lang="en-US" altLang="en-US" dirty="0"/>
-          </a:p>
-        </p:txBody>
-      </p:sp>
-    </p:spTree>
-    <p:extLst>
-      <p:ext uri="{BB962C8B-B14F-4D97-AF65-F5344CB8AC3E}">
-        <p14:creationId xmlns:p14="http://schemas.microsoft.com/office/powerpoint/2010/main" val="322357492"/>
-      </p:ext>
-    </p:extLst>
-  </p:cSld>
-  <p:clrMapOvr>
-    <a:masterClrMapping/>
-  </p:clrMapOvr>
-</p:sld>
-</file>
-
-<file path=ppt/slides/slide32.xml><?xml version="1.0" encoding="utf-8"?>
+<file path=ppt/slides/slide15.xml><?xml version="1.0" encoding="utf-8"?>
 <p:sld xmlns:a="http://schemas.openxmlformats.org/drawingml/2006/main" xmlns:r="http://schemas.openxmlformats.org/officeDocument/2006/relationships" xmlns:p="http://schemas.openxmlformats.org/presentationml/2006/main">
   <p:cSld>
     <p:spTree>
@@ -16695,7 +13426,7 @@
 </p:sld>
 </file>
 
-<file path=ppt/slides/slide33.xml><?xml version="1.0" encoding="utf-8"?>
+<file path=ppt/slides/slide16.xml><?xml version="1.0" encoding="utf-8"?>
 <p:sld xmlns:a="http://schemas.openxmlformats.org/drawingml/2006/main" xmlns:r="http://schemas.openxmlformats.org/officeDocument/2006/relationships" xmlns:p="http://schemas.openxmlformats.org/presentationml/2006/main">
   <p:cSld>
     <p:spTree>
@@ -16951,7 +13682,7 @@
 </p:sld>
 </file>
 
-<file path=ppt/slides/slide34.xml><?xml version="1.0" encoding="utf-8"?>
+<file path=ppt/slides/slide17.xml><?xml version="1.0" encoding="utf-8"?>
 <p:sld xmlns:a="http://schemas.openxmlformats.org/drawingml/2006/main" xmlns:r="http://schemas.openxmlformats.org/officeDocument/2006/relationships" xmlns:p="http://schemas.openxmlformats.org/presentationml/2006/main">
   <p:cSld>
     <p:spTree>
@@ -17071,7 +13802,7 @@
 </p:sld>
 </file>
 
-<file path=ppt/slides/slide35.xml><?xml version="1.0" encoding="utf-8"?>
+<file path=ppt/slides/slide18.xml><?xml version="1.0" encoding="utf-8"?>
 <p:sld xmlns:a="http://schemas.openxmlformats.org/drawingml/2006/main" xmlns:r="http://schemas.openxmlformats.org/officeDocument/2006/relationships" xmlns:p="http://schemas.openxmlformats.org/presentationml/2006/main">
   <p:cSld>
     <p:spTree>
@@ -17254,7 +13985,7 @@
 </p:sld>
 </file>
 
-<file path=ppt/slides/slide36.xml><?xml version="1.0" encoding="utf-8"?>
+<file path=ppt/slides/slide19.xml><?xml version="1.0" encoding="utf-8"?>
 <p:sld xmlns:a="http://schemas.openxmlformats.org/drawingml/2006/main" xmlns:r="http://schemas.openxmlformats.org/officeDocument/2006/relationships" xmlns:p="http://schemas.openxmlformats.org/presentationml/2006/main">
   <p:cSld>
     <p:spTree>
@@ -17405,7 +14136,115 @@
 </p:sld>
 </file>
 
-<file path=ppt/slides/slide37.xml><?xml version="1.0" encoding="utf-8"?>
+<file path=ppt/slides/slide2.xml><?xml version="1.0" encoding="utf-8"?>
+<p:sld xmlns:a="http://schemas.openxmlformats.org/drawingml/2006/main" xmlns:r="http://schemas.openxmlformats.org/officeDocument/2006/relationships" xmlns:p="http://schemas.openxmlformats.org/presentationml/2006/main">
+  <p:cSld>
+    <p:spTree>
+      <p:nvGrpSpPr>
+        <p:cNvPr id="1" name=""/>
+        <p:cNvGrpSpPr/>
+        <p:nvPr/>
+      </p:nvGrpSpPr>
+      <p:grpSpPr>
+        <a:xfrm>
+          <a:off x="0" y="0"/>
+          <a:ext cx="0" cy="0"/>
+          <a:chOff x="0" y="0"/>
+          <a:chExt cx="0" cy="0"/>
+        </a:xfrm>
+      </p:grpSpPr>
+      <p:sp>
+        <p:nvSpPr>
+          <p:cNvPr id="2" name="Title 1">
+            <a:extLst>
+              <a:ext uri="{FF2B5EF4-FFF2-40B4-BE49-F238E27FC236}">
+                <a16:creationId xmlns:a16="http://schemas.microsoft.com/office/drawing/2014/main" id="{15A4944B-6EEE-4E1E-B8DF-B7FD3C88616B}"/>
+              </a:ext>
+            </a:extLst>
+          </p:cNvPr>
+          <p:cNvSpPr>
+            <a:spLocks noGrp="1"/>
+          </p:cNvSpPr>
+          <p:nvPr>
+            <p:ph type="title"/>
+          </p:nvPr>
+        </p:nvSpPr>
+        <p:spPr/>
+        <p:txBody>
+          <a:bodyPr rtlCol="0">
+            <a:normAutofit/>
+          </a:bodyPr>
+          <a:lstStyle/>
+          <a:p>
+            <a:pPr eaLnBrk="1" fontAlgn="auto" hangingPunct="1">
+              <a:defRPr/>
+            </a:pPr>
+            <a:r>
+              <a:rPr lang="en-US" dirty="0"/>
+              <a:t>Learning Outcomes</a:t>
+            </a:r>
+          </a:p>
+        </p:txBody>
+      </p:sp>
+      <p:sp>
+        <p:nvSpPr>
+          <p:cNvPr id="11267" name="Content Placeholder 2">
+            <a:extLst>
+              <a:ext uri="{FF2B5EF4-FFF2-40B4-BE49-F238E27FC236}">
+                <a16:creationId xmlns:a16="http://schemas.microsoft.com/office/drawing/2014/main" id="{2744AE5B-EFB3-4FC4-A1FD-4D96798966B4}"/>
+              </a:ext>
+            </a:extLst>
+          </p:cNvPr>
+          <p:cNvSpPr>
+            <a:spLocks noGrp="1"/>
+          </p:cNvSpPr>
+          <p:nvPr>
+            <p:ph idx="1"/>
+          </p:nvPr>
+        </p:nvSpPr>
+        <p:spPr>
+          <a:xfrm>
+            <a:off x="1200150" y="2809875"/>
+            <a:ext cx="7315200" cy="3819525"/>
+          </a:xfrm>
+        </p:spPr>
+        <p:txBody>
+          <a:bodyPr/>
+          <a:lstStyle/>
+          <a:p>
+            <a:pPr eaLnBrk="1" hangingPunct="1">
+              <a:lnSpc>
+                <a:spcPct val="150000"/>
+              </a:lnSpc>
+            </a:pPr>
+            <a:r>
+              <a:rPr lang="en-IN" altLang="en-US" dirty="0"/>
+              <a:t>understand the pathnames</a:t>
+            </a:r>
+          </a:p>
+          <a:p>
+            <a:pPr eaLnBrk="1" hangingPunct="1">
+              <a:lnSpc>
+                <a:spcPct val="150000"/>
+              </a:lnSpc>
+            </a:pPr>
+            <a:r>
+              <a:rPr lang="en-IN" altLang="en-US" dirty="0"/>
+              <a:t>work with directories</a:t>
+            </a:r>
+            <a:endParaRPr lang="en-US" altLang="en-US" dirty="0"/>
+          </a:p>
+        </p:txBody>
+      </p:sp>
+    </p:spTree>
+  </p:cSld>
+  <p:clrMapOvr>
+    <a:masterClrMapping/>
+  </p:clrMapOvr>
+</p:sld>
+</file>
+
+<file path=ppt/slides/slide20.xml><?xml version="1.0" encoding="utf-8"?>
 <p:sld xmlns:a="http://schemas.openxmlformats.org/drawingml/2006/main" xmlns:r="http://schemas.openxmlformats.org/officeDocument/2006/relationships" xmlns:p="http://schemas.openxmlformats.org/presentationml/2006/main">
   <p:cSld>
     <p:spTree>
@@ -17657,7 +14496,7 @@
 </p:sld>
 </file>
 
-<file path=ppt/slides/slide38.xml><?xml version="1.0" encoding="utf-8"?>
+<file path=ppt/slides/slide21.xml><?xml version="1.0" encoding="utf-8"?>
 <p:sld xmlns:a="http://schemas.openxmlformats.org/drawingml/2006/main" xmlns:r="http://schemas.openxmlformats.org/officeDocument/2006/relationships" xmlns:p="http://schemas.openxmlformats.org/presentationml/2006/main">
   <p:cSld>
     <p:spTree>
@@ -17813,7 +14652,7 @@
 </p:sld>
 </file>
 
-<file path=ppt/slides/slide39.xml><?xml version="1.0" encoding="utf-8"?>
+<file path=ppt/slides/slide22.xml><?xml version="1.0" encoding="utf-8"?>
 <p:sld xmlns:a="http://schemas.openxmlformats.org/drawingml/2006/main" xmlns:r="http://schemas.openxmlformats.org/officeDocument/2006/relationships" xmlns:p="http://schemas.openxmlformats.org/presentationml/2006/main">
   <p:cSld>
     <p:spTree>
@@ -17927,111 +14766,7 @@
 </p:sld>
 </file>
 
-<file path=ppt/slides/slide4.xml><?xml version="1.0" encoding="utf-8"?>
-<p:sld xmlns:a="http://schemas.openxmlformats.org/drawingml/2006/main" xmlns:r="http://schemas.openxmlformats.org/officeDocument/2006/relationships" xmlns:p="http://schemas.openxmlformats.org/presentationml/2006/main">
-  <p:cSld>
-    <p:spTree>
-      <p:nvGrpSpPr>
-        <p:cNvPr id="1" name=""/>
-        <p:cNvGrpSpPr/>
-        <p:nvPr/>
-      </p:nvGrpSpPr>
-      <p:grpSpPr>
-        <a:xfrm>
-          <a:off x="0" y="0"/>
-          <a:ext cx="0" cy="0"/>
-          <a:chOff x="0" y="0"/>
-          <a:chExt cx="0" cy="0"/>
-        </a:xfrm>
-      </p:grpSpPr>
-      <p:sp>
-        <p:nvSpPr>
-          <p:cNvPr id="2" name="Title 1">
-            <a:extLst>
-              <a:ext uri="{FF2B5EF4-FFF2-40B4-BE49-F238E27FC236}">
-                <a16:creationId xmlns:a16="http://schemas.microsoft.com/office/drawing/2014/main" id="{360F20D5-9EB7-4C68-B68A-D1E882396036}"/>
-              </a:ext>
-            </a:extLst>
-          </p:cNvPr>
-          <p:cNvSpPr>
-            <a:spLocks noGrp="1"/>
-          </p:cNvSpPr>
-          <p:nvPr>
-            <p:ph type="title"/>
-          </p:nvPr>
-        </p:nvSpPr>
-        <p:spPr/>
-        <p:txBody>
-          <a:bodyPr rtlCol="0"/>
-          <a:lstStyle/>
-          <a:p>
-            <a:pPr eaLnBrk="1" fontAlgn="auto" hangingPunct="1">
-              <a:defRPr/>
-            </a:pPr>
-            <a:r>
-              <a:rPr lang="en-US" dirty="0"/>
-              <a:t>Pathnames</a:t>
-            </a:r>
-          </a:p>
-        </p:txBody>
-      </p:sp>
-      <p:sp>
-        <p:nvSpPr>
-          <p:cNvPr id="13315" name="Content Placeholder 2">
-            <a:extLst>
-              <a:ext uri="{FF2B5EF4-FFF2-40B4-BE49-F238E27FC236}">
-                <a16:creationId xmlns:a16="http://schemas.microsoft.com/office/drawing/2014/main" id="{215A6B2D-14E2-458E-893F-237A233999EA}"/>
-              </a:ext>
-            </a:extLst>
-          </p:cNvPr>
-          <p:cNvSpPr>
-            <a:spLocks noGrp="1"/>
-          </p:cNvSpPr>
-          <p:nvPr>
-            <p:ph idx="1"/>
-          </p:nvPr>
-        </p:nvSpPr>
-        <p:spPr/>
-        <p:txBody>
-          <a:bodyPr/>
-          <a:lstStyle/>
-          <a:p>
-            <a:pPr algn="just" eaLnBrk="1" hangingPunct="1">
-              <a:lnSpc>
-                <a:spcPct val="150000"/>
-              </a:lnSpc>
-            </a:pPr>
-            <a:r>
-              <a:rPr lang="en-US" altLang="en-US" sz="2800" dirty="0"/>
-              <a:t>Within a pathname, a slash (/) to the right of a filename indicates that the file is a directory file. </a:t>
-            </a:r>
-          </a:p>
-          <a:p>
-            <a:pPr algn="just" eaLnBrk="1" hangingPunct="1">
-              <a:lnSpc>
-                <a:spcPct val="150000"/>
-              </a:lnSpc>
-            </a:pPr>
-            <a:r>
-              <a:rPr lang="en-US" altLang="en-US" sz="2800" dirty="0"/>
-              <a:t>The file following the slash can be an ordinary file or a directory file. </a:t>
-            </a:r>
-          </a:p>
-          <a:p>
-            <a:pPr eaLnBrk="1" hangingPunct="1"/>
-            <a:endParaRPr lang="en-US" altLang="en-US" dirty="0"/>
-          </a:p>
-        </p:txBody>
-      </p:sp>
-    </p:spTree>
-  </p:cSld>
-  <p:clrMapOvr>
-    <a:masterClrMapping/>
-  </p:clrMapOvr>
-</p:sld>
-</file>
-
-<file path=ppt/slides/slide40.xml><?xml version="1.0" encoding="utf-8"?>
+<file path=ppt/slides/slide23.xml><?xml version="1.0" encoding="utf-8"?>
 <p:sld xmlns:a="http://schemas.openxmlformats.org/drawingml/2006/main" xmlns:r="http://schemas.openxmlformats.org/officeDocument/2006/relationships" xmlns:p="http://schemas.openxmlformats.org/presentationml/2006/main">
   <p:cSld>
     <p:spTree>
@@ -18153,7 +14888,7 @@
 </p:sld>
 </file>
 
-<file path=ppt/slides/slide41.xml><?xml version="1.0" encoding="utf-8"?>
+<file path=ppt/slides/slide24.xml><?xml version="1.0" encoding="utf-8"?>
 <p:sld xmlns:a="http://schemas.openxmlformats.org/drawingml/2006/main" xmlns:r="http://schemas.openxmlformats.org/officeDocument/2006/relationships" xmlns:p="http://schemas.openxmlformats.org/presentationml/2006/main">
   <p:cSld>
     <p:spTree>
@@ -18274,7 +15009,7 @@
 </p:sld>
 </file>
 
-<file path=ppt/slides/slide42.xml><?xml version="1.0" encoding="utf-8"?>
+<file path=ppt/slides/slide25.xml><?xml version="1.0" encoding="utf-8"?>
 <p:sld xmlns:a="http://schemas.openxmlformats.org/drawingml/2006/main" xmlns:r="http://schemas.openxmlformats.org/officeDocument/2006/relationships" xmlns:p="http://schemas.openxmlformats.org/presentationml/2006/main">
   <p:cSld>
     <p:spTree>
@@ -18416,7 +15151,7 @@
 </p:sld>
 </file>
 
-<file path=ppt/slides/slide43.xml><?xml version="1.0" encoding="utf-8"?>
+<file path=ppt/slides/slide26.xml><?xml version="1.0" encoding="utf-8"?>
 <p:sld xmlns:a="http://schemas.openxmlformats.org/drawingml/2006/main" xmlns:r="http://schemas.openxmlformats.org/officeDocument/2006/relationships" xmlns:p="http://schemas.openxmlformats.org/presentationml/2006/main">
   <p:cSld>
     <p:spTree>
@@ -18541,7 +15276,7 @@
 </p:sld>
 </file>
 
-<file path=ppt/slides/slide44.xml><?xml version="1.0" encoding="utf-8"?>
+<file path=ppt/slides/slide27.xml><?xml version="1.0" encoding="utf-8"?>
 <p:sld xmlns:a="http://schemas.openxmlformats.org/drawingml/2006/main" xmlns:r="http://schemas.openxmlformats.org/officeDocument/2006/relationships" xmlns:p="http://schemas.openxmlformats.org/presentationml/2006/main">
   <p:cSld>
     <p:spTree>
@@ -18650,7 +15385,7 @@
 </p:sld>
 </file>
 
-<file path=ppt/slides/slide45.xml><?xml version="1.0" encoding="utf-8"?>
+<file path=ppt/slides/slide28.xml><?xml version="1.0" encoding="utf-8"?>
 <p:sld xmlns:a="http://schemas.openxmlformats.org/drawingml/2006/main" xmlns:r="http://schemas.openxmlformats.org/officeDocument/2006/relationships" xmlns:p="http://schemas.openxmlformats.org/presentationml/2006/main">
   <p:cSld>
     <p:spTree>
@@ -18767,7 +15502,7 @@
 </p:sld>
 </file>
 
-<file path=ppt/slides/slide46.xml><?xml version="1.0" encoding="utf-8"?>
+<file path=ppt/slides/slide29.xml><?xml version="1.0" encoding="utf-8"?>
 <p:sld xmlns:a="http://schemas.openxmlformats.org/drawingml/2006/main" xmlns:r="http://schemas.openxmlformats.org/officeDocument/2006/relationships" xmlns:p="http://schemas.openxmlformats.org/presentationml/2006/main">
   <p:cSld>
     <p:spTree>
@@ -18881,7 +15616,110 @@
 </p:sld>
 </file>
 
-<file path=ppt/slides/slide47.xml><?xml version="1.0" encoding="utf-8"?>
+<file path=ppt/slides/slide3.xml><?xml version="1.0" encoding="utf-8"?>
+<p:sld xmlns:a="http://schemas.openxmlformats.org/drawingml/2006/main" xmlns:r="http://schemas.openxmlformats.org/officeDocument/2006/relationships" xmlns:p="http://schemas.openxmlformats.org/presentationml/2006/main">
+  <p:cSld>
+    <p:spTree>
+      <p:nvGrpSpPr>
+        <p:cNvPr id="1" name=""/>
+        <p:cNvGrpSpPr/>
+        <p:nvPr/>
+      </p:nvGrpSpPr>
+      <p:grpSpPr>
+        <a:xfrm>
+          <a:off x="0" y="0"/>
+          <a:ext cx="0" cy="0"/>
+          <a:chOff x="0" y="0"/>
+          <a:chExt cx="0" cy="0"/>
+        </a:xfrm>
+      </p:grpSpPr>
+      <p:sp>
+        <p:nvSpPr>
+          <p:cNvPr id="2" name="Title 1">
+            <a:extLst>
+              <a:ext uri="{FF2B5EF4-FFF2-40B4-BE49-F238E27FC236}">
+                <a16:creationId xmlns:a16="http://schemas.microsoft.com/office/drawing/2014/main" id="{2FC556E4-0AB9-492B-B90A-942F31AA79A6}"/>
+              </a:ext>
+            </a:extLst>
+          </p:cNvPr>
+          <p:cNvSpPr>
+            <a:spLocks noGrp="1"/>
+          </p:cNvSpPr>
+          <p:nvPr>
+            <p:ph type="title"/>
+          </p:nvPr>
+        </p:nvSpPr>
+        <p:spPr/>
+        <p:txBody>
+          <a:bodyPr rtlCol="0"/>
+          <a:lstStyle/>
+          <a:p>
+            <a:pPr eaLnBrk="1" fontAlgn="auto" hangingPunct="1">
+              <a:defRPr/>
+            </a:pPr>
+            <a:r>
+              <a:rPr lang="en-US" dirty="0"/>
+              <a:t>Pathnames</a:t>
+            </a:r>
+          </a:p>
+        </p:txBody>
+      </p:sp>
+      <p:sp>
+        <p:nvSpPr>
+          <p:cNvPr id="12291" name="Content Placeholder 2">
+            <a:extLst>
+              <a:ext uri="{FF2B5EF4-FFF2-40B4-BE49-F238E27FC236}">
+                <a16:creationId xmlns:a16="http://schemas.microsoft.com/office/drawing/2014/main" id="{2FE16E50-296E-422C-94CB-E875D1C029DF}"/>
+              </a:ext>
+            </a:extLst>
+          </p:cNvPr>
+          <p:cNvSpPr>
+            <a:spLocks noGrp="1"/>
+          </p:cNvSpPr>
+          <p:nvPr>
+            <p:ph idx="1"/>
+          </p:nvPr>
+        </p:nvSpPr>
+        <p:spPr>
+          <a:xfrm>
+            <a:off x="280987" y="2362200"/>
+            <a:ext cx="8582025" cy="2133600"/>
+          </a:xfrm>
+        </p:spPr>
+        <p:txBody>
+          <a:bodyPr/>
+          <a:lstStyle/>
+          <a:p>
+            <a:pPr marL="0" indent="0" algn="ctr" eaLnBrk="1" hangingPunct="1">
+              <a:lnSpc>
+                <a:spcPct val="150000"/>
+              </a:lnSpc>
+              <a:buNone/>
+            </a:pPr>
+            <a:r>
+              <a:rPr lang="en-US" altLang="en-US" sz="2800" dirty="0"/>
+              <a:t>Every file has a pathname, which is a trail from a directory through part of the directory hierarchy to an ordinary file or a directory. </a:t>
+            </a:r>
+          </a:p>
+          <a:p>
+            <a:pPr algn="just" eaLnBrk="1" hangingPunct="1">
+              <a:lnSpc>
+                <a:spcPct val="150000"/>
+              </a:lnSpc>
+            </a:pPr>
+            <a:endParaRPr lang="en-US" altLang="en-US" dirty="0"/>
+          </a:p>
+        </p:txBody>
+      </p:sp>
+    </p:spTree>
+  </p:cSld>
+  <p:clrMapOvr>
+    <a:masterClrMapping/>
+  </p:clrMapOvr>
+</p:sld>
+</file>
+
+<file path=ppt/slides/slide30.xml><?xml version="1.0" encoding="utf-8"?>
 <p:sld xmlns:a="http://schemas.openxmlformats.org/drawingml/2006/main" xmlns:r="http://schemas.openxmlformats.org/officeDocument/2006/relationships" xmlns:p="http://schemas.openxmlformats.org/presentationml/2006/main">
   <p:cSld>
     <p:spTree>
@@ -19026,7 +15864,7 @@
 </p:sld>
 </file>
 
-<file path=ppt/slides/slide48.xml><?xml version="1.0" encoding="utf-8"?>
+<file path=ppt/slides/slide31.xml><?xml version="1.0" encoding="utf-8"?>
 <p:sld xmlns:a="http://schemas.openxmlformats.org/drawingml/2006/main" xmlns:r="http://schemas.openxmlformats.org/officeDocument/2006/relationships" xmlns:p="http://schemas.openxmlformats.org/presentationml/2006/main">
   <p:cSld>
     <p:spTree>
@@ -19141,7 +15979,7 @@
 </p:sld>
 </file>
 
-<file path=ppt/slides/slide49.xml><?xml version="1.0" encoding="utf-8"?>
+<file path=ppt/slides/slide32.xml><?xml version="1.0" encoding="utf-8"?>
 <p:sld xmlns:a="http://schemas.openxmlformats.org/drawingml/2006/main" xmlns:r="http://schemas.openxmlformats.org/officeDocument/2006/relationships" xmlns:p="http://schemas.openxmlformats.org/presentationml/2006/main">
   <p:cSld>
     <p:spTree>
@@ -19245,642 +16083,7 @@
 </p:sld>
 </file>
 
-<file path=ppt/slides/slide5.xml><?xml version="1.0" encoding="utf-8"?>
-<p:sld xmlns:a="http://schemas.openxmlformats.org/drawingml/2006/main" xmlns:r="http://schemas.openxmlformats.org/officeDocument/2006/relationships" xmlns:p="http://schemas.openxmlformats.org/presentationml/2006/main">
-  <p:cSld>
-    <p:spTree>
-      <p:nvGrpSpPr>
-        <p:cNvPr id="1" name=""/>
-        <p:cNvGrpSpPr/>
-        <p:nvPr/>
-      </p:nvGrpSpPr>
-      <p:grpSpPr>
-        <a:xfrm>
-          <a:off x="0" y="0"/>
-          <a:ext cx="0" cy="0"/>
-          <a:chOff x="0" y="0"/>
-          <a:chExt cx="0" cy="0"/>
-        </a:xfrm>
-      </p:grpSpPr>
-      <p:sp>
-        <p:nvSpPr>
-          <p:cNvPr id="2" name="Title 1">
-            <a:extLst>
-              <a:ext uri="{FF2B5EF4-FFF2-40B4-BE49-F238E27FC236}">
-                <a16:creationId xmlns:a16="http://schemas.microsoft.com/office/drawing/2014/main" id="{3089B73C-8656-49A5-A503-D9270977F71C}"/>
-              </a:ext>
-            </a:extLst>
-          </p:cNvPr>
-          <p:cNvSpPr>
-            <a:spLocks noGrp="1"/>
-          </p:cNvSpPr>
-          <p:nvPr>
-            <p:ph type="title"/>
-          </p:nvPr>
-        </p:nvSpPr>
-        <p:spPr/>
-        <p:txBody>
-          <a:bodyPr rtlCol="0"/>
-          <a:lstStyle/>
-          <a:p>
-            <a:pPr eaLnBrk="1" fontAlgn="auto" hangingPunct="1">
-              <a:defRPr/>
-            </a:pPr>
-            <a:r>
-              <a:rPr lang="en-IN" dirty="0"/>
-              <a:t>Pathnames</a:t>
-            </a:r>
-            <a:endParaRPr lang="en-US" dirty="0"/>
-          </a:p>
-        </p:txBody>
-      </p:sp>
-      <p:sp>
-        <p:nvSpPr>
-          <p:cNvPr id="18" name="Block Arc 17">
-            <a:extLst>
-              <a:ext uri="{FF2B5EF4-FFF2-40B4-BE49-F238E27FC236}">
-                <a16:creationId xmlns:a16="http://schemas.microsoft.com/office/drawing/2014/main" id="{AE04082E-348B-4764-9C44-7D1B258BA226}"/>
-              </a:ext>
-            </a:extLst>
-          </p:cNvPr>
-          <p:cNvSpPr/>
-          <p:nvPr/>
-        </p:nvSpPr>
-        <p:spPr>
-          <a:xfrm>
-            <a:off x="-1026331" y="1148421"/>
-            <a:ext cx="5285059" cy="5285059"/>
-          </a:xfrm>
-          <a:prstGeom prst="blockArc">
-            <a:avLst>
-              <a:gd name="adj1" fmla="val 18900000"/>
-              <a:gd name="adj2" fmla="val 2700000"/>
-              <a:gd name="adj3" fmla="val 409"/>
-            </a:avLst>
-          </a:prstGeom>
-          <a:solidFill>
-            <a:srgbClr val="3D1053"/>
-          </a:solidFill>
-          <a:ln w="19050">
-            <a:solidFill>
-              <a:schemeClr val="tx1"/>
-            </a:solidFill>
-          </a:ln>
-          <a:effectLst>
-            <a:outerShdw blurRad="63500" sx="102000" sy="102000" algn="ctr" rotWithShape="0">
-              <a:prstClr val="black">
-                <a:alpha val="40000"/>
-              </a:prstClr>
-            </a:outerShdw>
-          </a:effectLst>
-        </p:spPr>
-        <p:style>
-          <a:lnRef idx="2">
-            <a:schemeClr val="accent1">
-              <a:tint val="99000"/>
-              <a:hueOff val="0"/>
-              <a:satOff val="0"/>
-              <a:lumOff val="0"/>
-              <a:alphaOff val="0"/>
-            </a:schemeClr>
-          </a:lnRef>
-          <a:fillRef idx="0">
-            <a:schemeClr val="accent1">
-              <a:tint val="99000"/>
-              <a:hueOff val="0"/>
-              <a:satOff val="0"/>
-              <a:lumOff val="0"/>
-              <a:alphaOff val="0"/>
-            </a:schemeClr>
-          </a:fillRef>
-          <a:effectRef idx="0">
-            <a:schemeClr val="accent1">
-              <a:tint val="99000"/>
-              <a:hueOff val="0"/>
-              <a:satOff val="0"/>
-              <a:lumOff val="0"/>
-              <a:alphaOff val="0"/>
-            </a:schemeClr>
-          </a:effectRef>
-          <a:fontRef idx="minor">
-            <a:schemeClr val="tx1">
-              <a:hueOff val="0"/>
-              <a:satOff val="0"/>
-              <a:lumOff val="0"/>
-              <a:alphaOff val="0"/>
-            </a:schemeClr>
-          </a:fontRef>
-        </p:style>
-      </p:sp>
-      <p:sp>
-        <p:nvSpPr>
-          <p:cNvPr id="19" name="Rectangle: Rounded Corners 18">
-            <a:extLst>
-              <a:ext uri="{FF2B5EF4-FFF2-40B4-BE49-F238E27FC236}">
-                <a16:creationId xmlns:a16="http://schemas.microsoft.com/office/drawing/2014/main" id="{BB2F07DD-F5E9-4118-BF68-EAAAEEF11EF9}"/>
-              </a:ext>
-            </a:extLst>
-          </p:cNvPr>
-          <p:cNvSpPr/>
-          <p:nvPr/>
-        </p:nvSpPr>
-        <p:spPr>
-          <a:xfrm>
-            <a:off x="4522086" y="2410864"/>
-            <a:ext cx="4340331" cy="784860"/>
-          </a:xfrm>
-          <a:prstGeom prst="roundRect">
-            <a:avLst>
-              <a:gd name="adj" fmla="val 50000"/>
-            </a:avLst>
-          </a:prstGeom>
-          <a:effectLst>
-            <a:outerShdw blurRad="165100" dist="165100" dir="2700000" algn="tl" rotWithShape="0">
-              <a:prstClr val="black">
-                <a:alpha val="43000"/>
-              </a:prstClr>
-            </a:outerShdw>
-          </a:effectLst>
-        </p:spPr>
-        <p:style>
-          <a:lnRef idx="0">
-            <a:schemeClr val="lt1">
-              <a:hueOff val="0"/>
-              <a:satOff val="0"/>
-              <a:lumOff val="0"/>
-              <a:alphaOff val="0"/>
-            </a:schemeClr>
-          </a:lnRef>
-          <a:fillRef idx="3">
-            <a:schemeClr val="accent1">
-              <a:shade val="80000"/>
-              <a:hueOff val="0"/>
-              <a:satOff val="0"/>
-              <a:lumOff val="0"/>
-              <a:alphaOff val="0"/>
-            </a:schemeClr>
-          </a:fillRef>
-          <a:effectRef idx="3">
-            <a:schemeClr val="accent1">
-              <a:shade val="80000"/>
-              <a:hueOff val="0"/>
-              <a:satOff val="0"/>
-              <a:lumOff val="0"/>
-              <a:alphaOff val="0"/>
-            </a:schemeClr>
-          </a:effectRef>
-          <a:fontRef idx="minor">
-            <a:schemeClr val="lt1"/>
-          </a:fontRef>
-        </p:style>
-        <p:txBody>
-          <a:bodyPr spcFirstLastPara="0" vert="horz" wrap="square" lIns="622983" tIns="71120" rIns="71120" bIns="71120" numCol="1" spcCol="1270" anchor="ctr" anchorCtr="0">
-            <a:noAutofit/>
-          </a:bodyPr>
-          <a:lstStyle/>
-          <a:p>
-            <a:pPr lvl="0" defTabSz="1244600">
-              <a:lnSpc>
-                <a:spcPct val="90000"/>
-              </a:lnSpc>
-              <a:spcAft>
-                <a:spcPct val="35000"/>
-              </a:spcAft>
-            </a:pPr>
-            <a:r>
-              <a:rPr lang="en-IN" sz="2800" dirty="0"/>
-              <a:t>Absolute Pathnames</a:t>
-            </a:r>
-          </a:p>
-        </p:txBody>
-      </p:sp>
-      <p:sp>
-        <p:nvSpPr>
-          <p:cNvPr id="20" name="Oval 19">
-            <a:extLst>
-              <a:ext uri="{FF2B5EF4-FFF2-40B4-BE49-F238E27FC236}">
-                <a16:creationId xmlns:a16="http://schemas.microsoft.com/office/drawing/2014/main" id="{FA166EA7-5C6B-4D89-A1C5-A0DDCCDB1FBC}"/>
-              </a:ext>
-            </a:extLst>
-          </p:cNvPr>
-          <p:cNvSpPr/>
-          <p:nvPr/>
-        </p:nvSpPr>
-        <p:spPr>
-          <a:xfrm>
-            <a:off x="3849042" y="2605294"/>
-            <a:ext cx="396000" cy="396000"/>
-          </a:xfrm>
-          <a:prstGeom prst="ellipse">
-            <a:avLst/>
-          </a:prstGeom>
-          <a:solidFill>
-            <a:srgbClr val="3F6AB8"/>
-          </a:solidFill>
-          <a:ln>
-            <a:noFill/>
-          </a:ln>
-          <a:effectLst>
-            <a:innerShdw blurRad="139700" dist="101600" dir="2700000">
-              <a:prstClr val="black">
-                <a:alpha val="54000"/>
-              </a:prstClr>
-            </a:innerShdw>
-          </a:effectLst>
-        </p:spPr>
-        <p:style>
-          <a:lnRef idx="1">
-            <a:schemeClr val="accent1">
-              <a:shade val="80000"/>
-              <a:hueOff val="0"/>
-              <a:satOff val="0"/>
-              <a:lumOff val="0"/>
-              <a:alphaOff val="0"/>
-            </a:schemeClr>
-          </a:lnRef>
-          <a:fillRef idx="1">
-            <a:schemeClr val="lt1">
-              <a:hueOff val="0"/>
-              <a:satOff val="0"/>
-              <a:lumOff val="0"/>
-              <a:alphaOff val="0"/>
-            </a:schemeClr>
-          </a:fillRef>
-          <a:effectRef idx="2">
-            <a:schemeClr val="lt1">
-              <a:hueOff val="0"/>
-              <a:satOff val="0"/>
-              <a:lumOff val="0"/>
-              <a:alphaOff val="0"/>
-            </a:schemeClr>
-          </a:effectRef>
-          <a:fontRef idx="minor">
-            <a:schemeClr val="dk1">
-              <a:hueOff val="0"/>
-              <a:satOff val="0"/>
-              <a:lumOff val="0"/>
-              <a:alphaOff val="0"/>
-            </a:schemeClr>
-          </a:fontRef>
-        </p:style>
-      </p:sp>
-      <p:sp>
-        <p:nvSpPr>
-          <p:cNvPr id="23" name="Rectangle: Rounded Corners 22">
-            <a:extLst>
-              <a:ext uri="{FF2B5EF4-FFF2-40B4-BE49-F238E27FC236}">
-                <a16:creationId xmlns:a16="http://schemas.microsoft.com/office/drawing/2014/main" id="{96C21AD0-9ABB-4F1D-8D10-F7027EC8D76D}"/>
-              </a:ext>
-            </a:extLst>
-          </p:cNvPr>
-          <p:cNvSpPr/>
-          <p:nvPr/>
-        </p:nvSpPr>
-        <p:spPr>
-          <a:xfrm>
-            <a:off x="4522086" y="4154684"/>
-            <a:ext cx="4340331" cy="784860"/>
-          </a:xfrm>
-          <a:prstGeom prst="roundRect">
-            <a:avLst>
-              <a:gd name="adj" fmla="val 50000"/>
-            </a:avLst>
-          </a:prstGeom>
-          <a:effectLst>
-            <a:outerShdw blurRad="165100" dist="165100" dir="2700000" algn="tl" rotWithShape="0">
-              <a:prstClr val="black">
-                <a:alpha val="43000"/>
-              </a:prstClr>
-            </a:outerShdw>
-          </a:effectLst>
-        </p:spPr>
-        <p:style>
-          <a:lnRef idx="0">
-            <a:schemeClr val="lt1">
-              <a:hueOff val="0"/>
-              <a:satOff val="0"/>
-              <a:lumOff val="0"/>
-              <a:alphaOff val="0"/>
-            </a:schemeClr>
-          </a:lnRef>
-          <a:fillRef idx="3">
-            <a:schemeClr val="accent1">
-              <a:shade val="80000"/>
-              <a:hueOff val="349283"/>
-              <a:satOff val="-6256"/>
-              <a:lumOff val="26585"/>
-              <a:alphaOff val="0"/>
-            </a:schemeClr>
-          </a:fillRef>
-          <a:effectRef idx="3">
-            <a:schemeClr val="accent1">
-              <a:shade val="80000"/>
-              <a:hueOff val="349283"/>
-              <a:satOff val="-6256"/>
-              <a:lumOff val="26585"/>
-              <a:alphaOff val="0"/>
-            </a:schemeClr>
-          </a:effectRef>
-          <a:fontRef idx="minor">
-            <a:schemeClr val="lt1"/>
-          </a:fontRef>
-        </p:style>
-        <p:txBody>
-          <a:bodyPr spcFirstLastPara="0" vert="horz" wrap="square" lIns="622983" tIns="71120" rIns="71120" bIns="71120" numCol="1" spcCol="1270" anchor="ctr" anchorCtr="0">
-            <a:noAutofit/>
-          </a:bodyPr>
-          <a:lstStyle/>
-          <a:p>
-            <a:pPr lvl="0" defTabSz="1244600">
-              <a:lnSpc>
-                <a:spcPct val="90000"/>
-              </a:lnSpc>
-              <a:spcAft>
-                <a:spcPct val="35000"/>
-              </a:spcAft>
-            </a:pPr>
-            <a:r>
-              <a:rPr lang="en-IN" sz="2800" dirty="0"/>
-              <a:t>Relative Pathnames</a:t>
-            </a:r>
-          </a:p>
-        </p:txBody>
-      </p:sp>
-      <p:sp>
-        <p:nvSpPr>
-          <p:cNvPr id="24" name="Oval 23">
-            <a:extLst>
-              <a:ext uri="{FF2B5EF4-FFF2-40B4-BE49-F238E27FC236}">
-                <a16:creationId xmlns:a16="http://schemas.microsoft.com/office/drawing/2014/main" id="{1ED74CE5-326B-44B6-880D-DFA12549CD48}"/>
-              </a:ext>
-            </a:extLst>
-          </p:cNvPr>
-          <p:cNvSpPr/>
-          <p:nvPr/>
-        </p:nvSpPr>
-        <p:spPr>
-          <a:xfrm>
-            <a:off x="3942720" y="4349114"/>
-            <a:ext cx="396000" cy="396000"/>
-          </a:xfrm>
-          <a:prstGeom prst="ellipse">
-            <a:avLst/>
-          </a:prstGeom>
-          <a:solidFill>
-            <a:srgbClr val="A5B3DC"/>
-          </a:solidFill>
-          <a:ln>
-            <a:noFill/>
-          </a:ln>
-          <a:effectLst>
-            <a:innerShdw blurRad="139700" dist="101600" dir="2700000">
-              <a:prstClr val="black">
-                <a:alpha val="54000"/>
-              </a:prstClr>
-            </a:innerShdw>
-          </a:effectLst>
-        </p:spPr>
-        <p:style>
-          <a:lnRef idx="1">
-            <a:schemeClr val="accent1">
-              <a:shade val="80000"/>
-              <a:hueOff val="349283"/>
-              <a:satOff val="-6256"/>
-              <a:lumOff val="26585"/>
-              <a:alphaOff val="0"/>
-            </a:schemeClr>
-          </a:lnRef>
-          <a:fillRef idx="1">
-            <a:schemeClr val="lt1">
-              <a:hueOff val="0"/>
-              <a:satOff val="0"/>
-              <a:lumOff val="0"/>
-              <a:alphaOff val="0"/>
-            </a:schemeClr>
-          </a:fillRef>
-          <a:effectRef idx="2">
-            <a:schemeClr val="lt1">
-              <a:hueOff val="0"/>
-              <a:satOff val="0"/>
-              <a:lumOff val="0"/>
-              <a:alphaOff val="0"/>
-            </a:schemeClr>
-          </a:effectRef>
-          <a:fontRef idx="minor">
-            <a:schemeClr val="dk1">
-              <a:hueOff val="0"/>
-              <a:satOff val="0"/>
-              <a:lumOff val="0"/>
-              <a:alphaOff val="0"/>
-            </a:schemeClr>
-          </a:fontRef>
-        </p:style>
-      </p:sp>
-      <p:sp>
-        <p:nvSpPr>
-          <p:cNvPr id="25" name="Flowchart: Connector 24">
-            <a:extLst>
-              <a:ext uri="{FF2B5EF4-FFF2-40B4-BE49-F238E27FC236}">
-                <a16:creationId xmlns:a16="http://schemas.microsoft.com/office/drawing/2014/main" id="{EA8105C8-1913-4489-A566-555F332FF37B}"/>
-              </a:ext>
-            </a:extLst>
-          </p:cNvPr>
-          <p:cNvSpPr/>
-          <p:nvPr/>
-        </p:nvSpPr>
-        <p:spPr>
-          <a:xfrm>
-            <a:off x="173696" y="2014593"/>
-            <a:ext cx="3615337" cy="3615337"/>
-          </a:xfrm>
-          <a:prstGeom prst="flowChartConnector">
-            <a:avLst/>
-          </a:prstGeom>
-          <a:solidFill>
-            <a:schemeClr val="bg1"/>
-          </a:solidFill>
-          <a:ln>
-            <a:noFill/>
-          </a:ln>
-          <a:effectLst>
-            <a:outerShdw blurRad="50800" dist="114300" dir="2700000" algn="tl" rotWithShape="0">
-              <a:prstClr val="black">
-                <a:alpha val="40000"/>
-              </a:prstClr>
-            </a:outerShdw>
-          </a:effectLst>
-        </p:spPr>
-        <p:style>
-          <a:lnRef idx="2">
-            <a:schemeClr val="accent1">
-              <a:shade val="50000"/>
-            </a:schemeClr>
-          </a:lnRef>
-          <a:fillRef idx="1">
-            <a:schemeClr val="accent1"/>
-          </a:fillRef>
-          <a:effectRef idx="0">
-            <a:schemeClr val="accent1"/>
-          </a:effectRef>
-          <a:fontRef idx="minor">
-            <a:schemeClr val="lt1"/>
-          </a:fontRef>
-        </p:style>
-        <p:txBody>
-          <a:bodyPr rtlCol="0" anchor="ctr"/>
-          <a:lstStyle/>
-          <a:p>
-            <a:pPr algn="ctr"/>
-            <a:endParaRPr lang="en-IN"/>
-          </a:p>
-        </p:txBody>
-      </p:sp>
-      <p:sp>
-        <p:nvSpPr>
-          <p:cNvPr id="26" name="Flowchart: Connector 25">
-            <a:extLst>
-              <a:ext uri="{FF2B5EF4-FFF2-40B4-BE49-F238E27FC236}">
-                <a16:creationId xmlns:a16="http://schemas.microsoft.com/office/drawing/2014/main" id="{A01D6E82-A5AC-4FE4-A92A-8F7623F18A0D}"/>
-              </a:ext>
-            </a:extLst>
-          </p:cNvPr>
-          <p:cNvSpPr/>
-          <p:nvPr/>
-        </p:nvSpPr>
-        <p:spPr>
-          <a:xfrm>
-            <a:off x="220020" y="2014592"/>
-            <a:ext cx="3615337" cy="3615337"/>
-          </a:xfrm>
-          <a:prstGeom prst="flowChartConnector">
-            <a:avLst/>
-          </a:prstGeom>
-          <a:solidFill>
-            <a:schemeClr val="bg1"/>
-          </a:solidFill>
-          <a:ln>
-            <a:noFill/>
-          </a:ln>
-          <a:effectLst>
-            <a:outerShdw blurRad="50800" dist="38100" dir="13500000" algn="br" rotWithShape="0">
-              <a:prstClr val="black">
-                <a:alpha val="40000"/>
-              </a:prstClr>
-            </a:outerShdw>
-          </a:effectLst>
-        </p:spPr>
-        <p:style>
-          <a:lnRef idx="2">
-            <a:schemeClr val="accent1">
-              <a:shade val="50000"/>
-            </a:schemeClr>
-          </a:lnRef>
-          <a:fillRef idx="1">
-            <a:schemeClr val="accent1"/>
-          </a:fillRef>
-          <a:effectRef idx="0">
-            <a:schemeClr val="accent1"/>
-          </a:effectRef>
-          <a:fontRef idx="minor">
-            <a:schemeClr val="lt1"/>
-          </a:fontRef>
-        </p:style>
-        <p:txBody>
-          <a:bodyPr rtlCol="0" anchor="ctr"/>
-          <a:lstStyle/>
-          <a:p>
-            <a:pPr algn="ctr"/>
-            <a:endParaRPr lang="en-IN"/>
-          </a:p>
-        </p:txBody>
-      </p:sp>
-      <p:sp>
-        <p:nvSpPr>
-          <p:cNvPr id="27" name="Flowchart: Connector 26">
-            <a:extLst>
-              <a:ext uri="{FF2B5EF4-FFF2-40B4-BE49-F238E27FC236}">
-                <a16:creationId xmlns:a16="http://schemas.microsoft.com/office/drawing/2014/main" id="{F0F0A207-7D3F-40F6-8BD1-0E948ACB5A9D}"/>
-              </a:ext>
-            </a:extLst>
-          </p:cNvPr>
-          <p:cNvSpPr/>
-          <p:nvPr/>
-        </p:nvSpPr>
-        <p:spPr>
-          <a:xfrm>
-            <a:off x="483380" y="2316052"/>
-            <a:ext cx="2974316" cy="2974316"/>
-          </a:xfrm>
-          <a:prstGeom prst="flowChartConnector">
-            <a:avLst/>
-          </a:prstGeom>
-          <a:gradFill flip="none" rotWithShape="1">
-            <a:gsLst>
-              <a:gs pos="0">
-                <a:schemeClr val="accent1">
-                  <a:lumMod val="45000"/>
-                  <a:lumOff val="55000"/>
-                </a:schemeClr>
-              </a:gs>
-              <a:gs pos="60000">
-                <a:schemeClr val="bg1"/>
-              </a:gs>
-            </a:gsLst>
-            <a:lin ang="2700000" scaled="1"/>
-            <a:tileRect/>
-          </a:gradFill>
-          <a:ln>
-            <a:noFill/>
-          </a:ln>
-          <a:effectLst>
-            <a:outerShdw blurRad="139700" dist="152400" dir="3000000" algn="tl" rotWithShape="0">
-              <a:prstClr val="black">
-                <a:alpha val="40000"/>
-              </a:prstClr>
-            </a:outerShdw>
-          </a:effectLst>
-        </p:spPr>
-        <p:style>
-          <a:lnRef idx="2">
-            <a:schemeClr val="accent1">
-              <a:shade val="50000"/>
-            </a:schemeClr>
-          </a:lnRef>
-          <a:fillRef idx="1">
-            <a:schemeClr val="accent1"/>
-          </a:fillRef>
-          <a:effectRef idx="0">
-            <a:schemeClr val="accent1"/>
-          </a:effectRef>
-          <a:fontRef idx="minor">
-            <a:schemeClr val="lt1"/>
-          </a:fontRef>
-        </p:style>
-        <p:txBody>
-          <a:bodyPr rtlCol="0" anchor="ctr"/>
-          <a:lstStyle/>
-          <a:p>
-            <a:pPr algn="ctr"/>
-            <a:r>
-              <a:rPr lang="en-US" sz="2600" dirty="0">
-                <a:solidFill>
-                  <a:schemeClr val="tx1"/>
-                </a:solidFill>
-              </a:rPr>
-              <a:t>Pathnames</a:t>
-            </a:r>
-          </a:p>
-        </p:txBody>
-      </p:sp>
-    </p:spTree>
-  </p:cSld>
-  <p:clrMapOvr>
-    <a:masterClrMapping/>
-  </p:clrMapOvr>
-</p:sld>
-</file>
-
-<file path=ppt/slides/slide50.xml><?xml version="1.0" encoding="utf-8"?>
+<file path=ppt/slides/slide33.xml><?xml version="1.0" encoding="utf-8"?>
 <p:sld xmlns:a="http://schemas.openxmlformats.org/drawingml/2006/main" xmlns:r="http://schemas.openxmlformats.org/officeDocument/2006/relationships" xmlns:p="http://schemas.openxmlformats.org/presentationml/2006/main">
   <p:cSld>
     <p:bg>
@@ -19989,7 +16192,7 @@
 </p:sld>
 </file>
 
-<file path=ppt/slides/slide51.xml><?xml version="1.0" encoding="utf-8"?>
+<file path=ppt/slides/slide34.xml><?xml version="1.0" encoding="utf-8"?>
 <p:sld xmlns:a="http://schemas.openxmlformats.org/drawingml/2006/main" xmlns:r="http://schemas.openxmlformats.org/officeDocument/2006/relationships" xmlns:p="http://schemas.openxmlformats.org/presentationml/2006/main">
   <p:cSld>
     <p:spTree>
@@ -20476,7 +16679,7 @@
 </p:sld>
 </file>
 
-<file path=ppt/slides/slide52.xml><?xml version="1.0" encoding="utf-8"?>
+<file path=ppt/slides/slide35.xml><?xml version="1.0" encoding="utf-8"?>
 <p:sld xmlns:a="http://schemas.openxmlformats.org/drawingml/2006/main" xmlns:r="http://schemas.openxmlformats.org/officeDocument/2006/relationships" xmlns:p="http://schemas.openxmlformats.org/presentationml/2006/main">
   <p:cSld>
     <p:spTree>
@@ -21188,7 +17391,7 @@
 </p:sld>
 </file>
 
-<file path=ppt/slides/slide53.xml><?xml version="1.0" encoding="utf-8"?>
+<file path=ppt/slides/slide36.xml><?xml version="1.0" encoding="utf-8"?>
 <p:sld xmlns:a="http://schemas.openxmlformats.org/drawingml/2006/main" xmlns:r="http://schemas.openxmlformats.org/officeDocument/2006/relationships" xmlns:p="http://schemas.openxmlformats.org/presentationml/2006/main">
   <p:cSld>
     <p:spTree>
@@ -21985,7 +18188,7 @@
 </p:sld>
 </file>
 
-<file path=ppt/slides/slide54.xml><?xml version="1.0" encoding="utf-8"?>
+<file path=ppt/slides/slide37.xml><?xml version="1.0" encoding="utf-8"?>
 <p:sld xmlns:a="http://schemas.openxmlformats.org/drawingml/2006/main" xmlns:r="http://schemas.openxmlformats.org/officeDocument/2006/relationships" xmlns:p="http://schemas.openxmlformats.org/presentationml/2006/main">
   <p:cSld>
     <p:spTree>
@@ -22629,7 +18832,7 @@
 </p:sld>
 </file>
 
-<file path=ppt/slides/slide55.xml><?xml version="1.0" encoding="utf-8"?>
+<file path=ppt/slides/slide38.xml><?xml version="1.0" encoding="utf-8"?>
 <p:sld xmlns:a="http://schemas.openxmlformats.org/drawingml/2006/main" xmlns:r="http://schemas.openxmlformats.org/officeDocument/2006/relationships" xmlns:p="http://schemas.openxmlformats.org/presentationml/2006/main">
   <p:cSld>
     <p:spTree>
@@ -22646,6 +18849,745 @@
           <a:chExt cx="0" cy="0"/>
         </a:xfrm>
       </p:grpSpPr>
+    </p:spTree>
+  </p:cSld>
+  <p:clrMapOvr>
+    <a:masterClrMapping/>
+  </p:clrMapOvr>
+</p:sld>
+</file>
+
+<file path=ppt/slides/slide4.xml><?xml version="1.0" encoding="utf-8"?>
+<p:sld xmlns:a="http://schemas.openxmlformats.org/drawingml/2006/main" xmlns:r="http://schemas.openxmlformats.org/officeDocument/2006/relationships" xmlns:p="http://schemas.openxmlformats.org/presentationml/2006/main">
+  <p:cSld>
+    <p:spTree>
+      <p:nvGrpSpPr>
+        <p:cNvPr id="1" name=""/>
+        <p:cNvGrpSpPr/>
+        <p:nvPr/>
+      </p:nvGrpSpPr>
+      <p:grpSpPr>
+        <a:xfrm>
+          <a:off x="0" y="0"/>
+          <a:ext cx="0" cy="0"/>
+          <a:chOff x="0" y="0"/>
+          <a:chExt cx="0" cy="0"/>
+        </a:xfrm>
+      </p:grpSpPr>
+      <p:sp>
+        <p:nvSpPr>
+          <p:cNvPr id="2" name="Title 1">
+            <a:extLst>
+              <a:ext uri="{FF2B5EF4-FFF2-40B4-BE49-F238E27FC236}">
+                <a16:creationId xmlns:a16="http://schemas.microsoft.com/office/drawing/2014/main" id="{360F20D5-9EB7-4C68-B68A-D1E882396036}"/>
+              </a:ext>
+            </a:extLst>
+          </p:cNvPr>
+          <p:cNvSpPr>
+            <a:spLocks noGrp="1"/>
+          </p:cNvSpPr>
+          <p:nvPr>
+            <p:ph type="title"/>
+          </p:nvPr>
+        </p:nvSpPr>
+        <p:spPr/>
+        <p:txBody>
+          <a:bodyPr rtlCol="0"/>
+          <a:lstStyle/>
+          <a:p>
+            <a:pPr eaLnBrk="1" fontAlgn="auto" hangingPunct="1">
+              <a:defRPr/>
+            </a:pPr>
+            <a:r>
+              <a:rPr lang="en-US" dirty="0"/>
+              <a:t>Pathnames</a:t>
+            </a:r>
+          </a:p>
+        </p:txBody>
+      </p:sp>
+      <p:sp>
+        <p:nvSpPr>
+          <p:cNvPr id="13315" name="Content Placeholder 2">
+            <a:extLst>
+              <a:ext uri="{FF2B5EF4-FFF2-40B4-BE49-F238E27FC236}">
+                <a16:creationId xmlns:a16="http://schemas.microsoft.com/office/drawing/2014/main" id="{215A6B2D-14E2-458E-893F-237A233999EA}"/>
+              </a:ext>
+            </a:extLst>
+          </p:cNvPr>
+          <p:cNvSpPr>
+            <a:spLocks noGrp="1"/>
+          </p:cNvSpPr>
+          <p:nvPr>
+            <p:ph idx="1"/>
+          </p:nvPr>
+        </p:nvSpPr>
+        <p:spPr/>
+        <p:txBody>
+          <a:bodyPr/>
+          <a:lstStyle/>
+          <a:p>
+            <a:pPr algn="just" eaLnBrk="1" hangingPunct="1">
+              <a:lnSpc>
+                <a:spcPct val="150000"/>
+              </a:lnSpc>
+            </a:pPr>
+            <a:r>
+              <a:rPr lang="en-US" altLang="en-US" sz="2800" dirty="0"/>
+              <a:t>Within a pathname, a slash (/) to the right of a filename indicates that the file is a directory file. </a:t>
+            </a:r>
+          </a:p>
+          <a:p>
+            <a:pPr algn="just" eaLnBrk="1" hangingPunct="1">
+              <a:lnSpc>
+                <a:spcPct val="150000"/>
+              </a:lnSpc>
+            </a:pPr>
+            <a:r>
+              <a:rPr lang="en-US" altLang="en-US" sz="2800" dirty="0"/>
+              <a:t>The file following the slash can be an ordinary file or a directory file. </a:t>
+            </a:r>
+          </a:p>
+          <a:p>
+            <a:pPr eaLnBrk="1" hangingPunct="1"/>
+            <a:endParaRPr lang="en-US" altLang="en-US" dirty="0"/>
+          </a:p>
+        </p:txBody>
+      </p:sp>
+    </p:spTree>
+  </p:cSld>
+  <p:clrMapOvr>
+    <a:masterClrMapping/>
+  </p:clrMapOvr>
+</p:sld>
+</file>
+
+<file path=ppt/slides/slide5.xml><?xml version="1.0" encoding="utf-8"?>
+<p:sld xmlns:a="http://schemas.openxmlformats.org/drawingml/2006/main" xmlns:r="http://schemas.openxmlformats.org/officeDocument/2006/relationships" xmlns:p="http://schemas.openxmlformats.org/presentationml/2006/main">
+  <p:cSld>
+    <p:spTree>
+      <p:nvGrpSpPr>
+        <p:cNvPr id="1" name=""/>
+        <p:cNvGrpSpPr/>
+        <p:nvPr/>
+      </p:nvGrpSpPr>
+      <p:grpSpPr>
+        <a:xfrm>
+          <a:off x="0" y="0"/>
+          <a:ext cx="0" cy="0"/>
+          <a:chOff x="0" y="0"/>
+          <a:chExt cx="0" cy="0"/>
+        </a:xfrm>
+      </p:grpSpPr>
+      <p:sp>
+        <p:nvSpPr>
+          <p:cNvPr id="2" name="Title 1">
+            <a:extLst>
+              <a:ext uri="{FF2B5EF4-FFF2-40B4-BE49-F238E27FC236}">
+                <a16:creationId xmlns:a16="http://schemas.microsoft.com/office/drawing/2014/main" id="{3089B73C-8656-49A5-A503-D9270977F71C}"/>
+              </a:ext>
+            </a:extLst>
+          </p:cNvPr>
+          <p:cNvSpPr>
+            <a:spLocks noGrp="1"/>
+          </p:cNvSpPr>
+          <p:nvPr>
+            <p:ph type="title"/>
+          </p:nvPr>
+        </p:nvSpPr>
+        <p:spPr/>
+        <p:txBody>
+          <a:bodyPr rtlCol="0"/>
+          <a:lstStyle/>
+          <a:p>
+            <a:pPr eaLnBrk="1" fontAlgn="auto" hangingPunct="1">
+              <a:defRPr/>
+            </a:pPr>
+            <a:r>
+              <a:rPr lang="en-IN" dirty="0"/>
+              <a:t>Pathnames</a:t>
+            </a:r>
+            <a:endParaRPr lang="en-US" dirty="0"/>
+          </a:p>
+        </p:txBody>
+      </p:sp>
+      <p:sp>
+        <p:nvSpPr>
+          <p:cNvPr id="18" name="Block Arc 17">
+            <a:extLst>
+              <a:ext uri="{FF2B5EF4-FFF2-40B4-BE49-F238E27FC236}">
+                <a16:creationId xmlns:a16="http://schemas.microsoft.com/office/drawing/2014/main" id="{AE04082E-348B-4764-9C44-7D1B258BA226}"/>
+              </a:ext>
+            </a:extLst>
+          </p:cNvPr>
+          <p:cNvSpPr/>
+          <p:nvPr/>
+        </p:nvSpPr>
+        <p:spPr>
+          <a:xfrm>
+            <a:off x="-1026331" y="1148421"/>
+            <a:ext cx="5285059" cy="5285059"/>
+          </a:xfrm>
+          <a:prstGeom prst="blockArc">
+            <a:avLst>
+              <a:gd name="adj1" fmla="val 18900000"/>
+              <a:gd name="adj2" fmla="val 2700000"/>
+              <a:gd name="adj3" fmla="val 409"/>
+            </a:avLst>
+          </a:prstGeom>
+          <a:solidFill>
+            <a:srgbClr val="3D1053"/>
+          </a:solidFill>
+          <a:ln w="19050">
+            <a:solidFill>
+              <a:schemeClr val="tx1"/>
+            </a:solidFill>
+          </a:ln>
+          <a:effectLst>
+            <a:outerShdw blurRad="63500" sx="102000" sy="102000" algn="ctr" rotWithShape="0">
+              <a:prstClr val="black">
+                <a:alpha val="40000"/>
+              </a:prstClr>
+            </a:outerShdw>
+          </a:effectLst>
+        </p:spPr>
+        <p:style>
+          <a:lnRef idx="2">
+            <a:schemeClr val="accent1">
+              <a:tint val="99000"/>
+              <a:hueOff val="0"/>
+              <a:satOff val="0"/>
+              <a:lumOff val="0"/>
+              <a:alphaOff val="0"/>
+            </a:schemeClr>
+          </a:lnRef>
+          <a:fillRef idx="0">
+            <a:schemeClr val="accent1">
+              <a:tint val="99000"/>
+              <a:hueOff val="0"/>
+              <a:satOff val="0"/>
+              <a:lumOff val="0"/>
+              <a:alphaOff val="0"/>
+            </a:schemeClr>
+          </a:fillRef>
+          <a:effectRef idx="0">
+            <a:schemeClr val="accent1">
+              <a:tint val="99000"/>
+              <a:hueOff val="0"/>
+              <a:satOff val="0"/>
+              <a:lumOff val="0"/>
+              <a:alphaOff val="0"/>
+            </a:schemeClr>
+          </a:effectRef>
+          <a:fontRef idx="minor">
+            <a:schemeClr val="tx1">
+              <a:hueOff val="0"/>
+              <a:satOff val="0"/>
+              <a:lumOff val="0"/>
+              <a:alphaOff val="0"/>
+            </a:schemeClr>
+          </a:fontRef>
+        </p:style>
+      </p:sp>
+      <p:sp>
+        <p:nvSpPr>
+          <p:cNvPr id="19" name="Rectangle: Rounded Corners 18">
+            <a:extLst>
+              <a:ext uri="{FF2B5EF4-FFF2-40B4-BE49-F238E27FC236}">
+                <a16:creationId xmlns:a16="http://schemas.microsoft.com/office/drawing/2014/main" id="{BB2F07DD-F5E9-4118-BF68-EAAAEEF11EF9}"/>
+              </a:ext>
+            </a:extLst>
+          </p:cNvPr>
+          <p:cNvSpPr/>
+          <p:nvPr/>
+        </p:nvSpPr>
+        <p:spPr>
+          <a:xfrm>
+            <a:off x="4522086" y="2410864"/>
+            <a:ext cx="4340331" cy="784860"/>
+          </a:xfrm>
+          <a:prstGeom prst="roundRect">
+            <a:avLst>
+              <a:gd name="adj" fmla="val 50000"/>
+            </a:avLst>
+          </a:prstGeom>
+          <a:effectLst>
+            <a:outerShdw blurRad="165100" dist="165100" dir="2700000" algn="tl" rotWithShape="0">
+              <a:prstClr val="black">
+                <a:alpha val="43000"/>
+              </a:prstClr>
+            </a:outerShdw>
+          </a:effectLst>
+        </p:spPr>
+        <p:style>
+          <a:lnRef idx="0">
+            <a:schemeClr val="lt1">
+              <a:hueOff val="0"/>
+              <a:satOff val="0"/>
+              <a:lumOff val="0"/>
+              <a:alphaOff val="0"/>
+            </a:schemeClr>
+          </a:lnRef>
+          <a:fillRef idx="3">
+            <a:schemeClr val="accent1">
+              <a:shade val="80000"/>
+              <a:hueOff val="0"/>
+              <a:satOff val="0"/>
+              <a:lumOff val="0"/>
+              <a:alphaOff val="0"/>
+            </a:schemeClr>
+          </a:fillRef>
+          <a:effectRef idx="3">
+            <a:schemeClr val="accent1">
+              <a:shade val="80000"/>
+              <a:hueOff val="0"/>
+              <a:satOff val="0"/>
+              <a:lumOff val="0"/>
+              <a:alphaOff val="0"/>
+            </a:schemeClr>
+          </a:effectRef>
+          <a:fontRef idx="minor">
+            <a:schemeClr val="lt1"/>
+          </a:fontRef>
+        </p:style>
+        <p:txBody>
+          <a:bodyPr spcFirstLastPara="0" vert="horz" wrap="square" lIns="622983" tIns="71120" rIns="71120" bIns="71120" numCol="1" spcCol="1270" anchor="ctr" anchorCtr="0">
+            <a:noAutofit/>
+          </a:bodyPr>
+          <a:lstStyle/>
+          <a:p>
+            <a:pPr lvl="0" defTabSz="1244600">
+              <a:lnSpc>
+                <a:spcPct val="90000"/>
+              </a:lnSpc>
+              <a:spcAft>
+                <a:spcPct val="35000"/>
+              </a:spcAft>
+            </a:pPr>
+            <a:r>
+              <a:rPr lang="en-IN" sz="2800" dirty="0"/>
+              <a:t>Absolute Pathnames</a:t>
+            </a:r>
+          </a:p>
+        </p:txBody>
+      </p:sp>
+      <p:sp>
+        <p:nvSpPr>
+          <p:cNvPr id="20" name="Oval 19">
+            <a:extLst>
+              <a:ext uri="{FF2B5EF4-FFF2-40B4-BE49-F238E27FC236}">
+                <a16:creationId xmlns:a16="http://schemas.microsoft.com/office/drawing/2014/main" id="{FA166EA7-5C6B-4D89-A1C5-A0DDCCDB1FBC}"/>
+              </a:ext>
+            </a:extLst>
+          </p:cNvPr>
+          <p:cNvSpPr/>
+          <p:nvPr/>
+        </p:nvSpPr>
+        <p:spPr>
+          <a:xfrm>
+            <a:off x="3849042" y="2605294"/>
+            <a:ext cx="396000" cy="396000"/>
+          </a:xfrm>
+          <a:prstGeom prst="ellipse">
+            <a:avLst/>
+          </a:prstGeom>
+          <a:solidFill>
+            <a:srgbClr val="3F6AB8"/>
+          </a:solidFill>
+          <a:ln>
+            <a:noFill/>
+          </a:ln>
+          <a:effectLst>
+            <a:innerShdw blurRad="139700" dist="101600" dir="2700000">
+              <a:prstClr val="black">
+                <a:alpha val="54000"/>
+              </a:prstClr>
+            </a:innerShdw>
+          </a:effectLst>
+        </p:spPr>
+        <p:style>
+          <a:lnRef idx="1">
+            <a:schemeClr val="accent1">
+              <a:shade val="80000"/>
+              <a:hueOff val="0"/>
+              <a:satOff val="0"/>
+              <a:lumOff val="0"/>
+              <a:alphaOff val="0"/>
+            </a:schemeClr>
+          </a:lnRef>
+          <a:fillRef idx="1">
+            <a:schemeClr val="lt1">
+              <a:hueOff val="0"/>
+              <a:satOff val="0"/>
+              <a:lumOff val="0"/>
+              <a:alphaOff val="0"/>
+            </a:schemeClr>
+          </a:fillRef>
+          <a:effectRef idx="2">
+            <a:schemeClr val="lt1">
+              <a:hueOff val="0"/>
+              <a:satOff val="0"/>
+              <a:lumOff val="0"/>
+              <a:alphaOff val="0"/>
+            </a:schemeClr>
+          </a:effectRef>
+          <a:fontRef idx="minor">
+            <a:schemeClr val="dk1">
+              <a:hueOff val="0"/>
+              <a:satOff val="0"/>
+              <a:lumOff val="0"/>
+              <a:alphaOff val="0"/>
+            </a:schemeClr>
+          </a:fontRef>
+        </p:style>
+      </p:sp>
+      <p:sp>
+        <p:nvSpPr>
+          <p:cNvPr id="23" name="Rectangle: Rounded Corners 22">
+            <a:extLst>
+              <a:ext uri="{FF2B5EF4-FFF2-40B4-BE49-F238E27FC236}">
+                <a16:creationId xmlns:a16="http://schemas.microsoft.com/office/drawing/2014/main" id="{96C21AD0-9ABB-4F1D-8D10-F7027EC8D76D}"/>
+              </a:ext>
+            </a:extLst>
+          </p:cNvPr>
+          <p:cNvSpPr/>
+          <p:nvPr/>
+        </p:nvSpPr>
+        <p:spPr>
+          <a:xfrm>
+            <a:off x="4522086" y="4154684"/>
+            <a:ext cx="4340331" cy="784860"/>
+          </a:xfrm>
+          <a:prstGeom prst="roundRect">
+            <a:avLst>
+              <a:gd name="adj" fmla="val 50000"/>
+            </a:avLst>
+          </a:prstGeom>
+          <a:effectLst>
+            <a:outerShdw blurRad="165100" dist="165100" dir="2700000" algn="tl" rotWithShape="0">
+              <a:prstClr val="black">
+                <a:alpha val="43000"/>
+              </a:prstClr>
+            </a:outerShdw>
+          </a:effectLst>
+        </p:spPr>
+        <p:style>
+          <a:lnRef idx="0">
+            <a:schemeClr val="lt1">
+              <a:hueOff val="0"/>
+              <a:satOff val="0"/>
+              <a:lumOff val="0"/>
+              <a:alphaOff val="0"/>
+            </a:schemeClr>
+          </a:lnRef>
+          <a:fillRef idx="3">
+            <a:schemeClr val="accent1">
+              <a:shade val="80000"/>
+              <a:hueOff val="349283"/>
+              <a:satOff val="-6256"/>
+              <a:lumOff val="26585"/>
+              <a:alphaOff val="0"/>
+            </a:schemeClr>
+          </a:fillRef>
+          <a:effectRef idx="3">
+            <a:schemeClr val="accent1">
+              <a:shade val="80000"/>
+              <a:hueOff val="349283"/>
+              <a:satOff val="-6256"/>
+              <a:lumOff val="26585"/>
+              <a:alphaOff val="0"/>
+            </a:schemeClr>
+          </a:effectRef>
+          <a:fontRef idx="minor">
+            <a:schemeClr val="lt1"/>
+          </a:fontRef>
+        </p:style>
+        <p:txBody>
+          <a:bodyPr spcFirstLastPara="0" vert="horz" wrap="square" lIns="622983" tIns="71120" rIns="71120" bIns="71120" numCol="1" spcCol="1270" anchor="ctr" anchorCtr="0">
+            <a:noAutofit/>
+          </a:bodyPr>
+          <a:lstStyle/>
+          <a:p>
+            <a:pPr lvl="0" defTabSz="1244600">
+              <a:lnSpc>
+                <a:spcPct val="90000"/>
+              </a:lnSpc>
+              <a:spcAft>
+                <a:spcPct val="35000"/>
+              </a:spcAft>
+            </a:pPr>
+            <a:r>
+              <a:rPr lang="en-IN" sz="2800" dirty="0"/>
+              <a:t>Relative Pathnames</a:t>
+            </a:r>
+          </a:p>
+        </p:txBody>
+      </p:sp>
+      <p:sp>
+        <p:nvSpPr>
+          <p:cNvPr id="24" name="Oval 23">
+            <a:extLst>
+              <a:ext uri="{FF2B5EF4-FFF2-40B4-BE49-F238E27FC236}">
+                <a16:creationId xmlns:a16="http://schemas.microsoft.com/office/drawing/2014/main" id="{1ED74CE5-326B-44B6-880D-DFA12549CD48}"/>
+              </a:ext>
+            </a:extLst>
+          </p:cNvPr>
+          <p:cNvSpPr/>
+          <p:nvPr/>
+        </p:nvSpPr>
+        <p:spPr>
+          <a:xfrm>
+            <a:off x="3942720" y="4349114"/>
+            <a:ext cx="396000" cy="396000"/>
+          </a:xfrm>
+          <a:prstGeom prst="ellipse">
+            <a:avLst/>
+          </a:prstGeom>
+          <a:solidFill>
+            <a:srgbClr val="A5B3DC"/>
+          </a:solidFill>
+          <a:ln>
+            <a:noFill/>
+          </a:ln>
+          <a:effectLst>
+            <a:innerShdw blurRad="139700" dist="101600" dir="2700000">
+              <a:prstClr val="black">
+                <a:alpha val="54000"/>
+              </a:prstClr>
+            </a:innerShdw>
+          </a:effectLst>
+        </p:spPr>
+        <p:style>
+          <a:lnRef idx="1">
+            <a:schemeClr val="accent1">
+              <a:shade val="80000"/>
+              <a:hueOff val="349283"/>
+              <a:satOff val="-6256"/>
+              <a:lumOff val="26585"/>
+              <a:alphaOff val="0"/>
+            </a:schemeClr>
+          </a:lnRef>
+          <a:fillRef idx="1">
+            <a:schemeClr val="lt1">
+              <a:hueOff val="0"/>
+              <a:satOff val="0"/>
+              <a:lumOff val="0"/>
+              <a:alphaOff val="0"/>
+            </a:schemeClr>
+          </a:fillRef>
+          <a:effectRef idx="2">
+            <a:schemeClr val="lt1">
+              <a:hueOff val="0"/>
+              <a:satOff val="0"/>
+              <a:lumOff val="0"/>
+              <a:alphaOff val="0"/>
+            </a:schemeClr>
+          </a:effectRef>
+          <a:fontRef idx="minor">
+            <a:schemeClr val="dk1">
+              <a:hueOff val="0"/>
+              <a:satOff val="0"/>
+              <a:lumOff val="0"/>
+              <a:alphaOff val="0"/>
+            </a:schemeClr>
+          </a:fontRef>
+        </p:style>
+      </p:sp>
+      <p:sp>
+        <p:nvSpPr>
+          <p:cNvPr id="25" name="Flowchart: Connector 24">
+            <a:extLst>
+              <a:ext uri="{FF2B5EF4-FFF2-40B4-BE49-F238E27FC236}">
+                <a16:creationId xmlns:a16="http://schemas.microsoft.com/office/drawing/2014/main" id="{EA8105C8-1913-4489-A566-555F332FF37B}"/>
+              </a:ext>
+            </a:extLst>
+          </p:cNvPr>
+          <p:cNvSpPr/>
+          <p:nvPr/>
+        </p:nvSpPr>
+        <p:spPr>
+          <a:xfrm>
+            <a:off x="173696" y="2014593"/>
+            <a:ext cx="3615337" cy="3615337"/>
+          </a:xfrm>
+          <a:prstGeom prst="flowChartConnector">
+            <a:avLst/>
+          </a:prstGeom>
+          <a:solidFill>
+            <a:schemeClr val="bg1"/>
+          </a:solidFill>
+          <a:ln>
+            <a:noFill/>
+          </a:ln>
+          <a:effectLst>
+            <a:outerShdw blurRad="50800" dist="114300" dir="2700000" algn="tl" rotWithShape="0">
+              <a:prstClr val="black">
+                <a:alpha val="40000"/>
+              </a:prstClr>
+            </a:outerShdw>
+          </a:effectLst>
+        </p:spPr>
+        <p:style>
+          <a:lnRef idx="2">
+            <a:schemeClr val="accent1">
+              <a:shade val="50000"/>
+            </a:schemeClr>
+          </a:lnRef>
+          <a:fillRef idx="1">
+            <a:schemeClr val="accent1"/>
+          </a:fillRef>
+          <a:effectRef idx="0">
+            <a:schemeClr val="accent1"/>
+          </a:effectRef>
+          <a:fontRef idx="minor">
+            <a:schemeClr val="lt1"/>
+          </a:fontRef>
+        </p:style>
+        <p:txBody>
+          <a:bodyPr rtlCol="0" anchor="ctr"/>
+          <a:lstStyle/>
+          <a:p>
+            <a:pPr algn="ctr"/>
+            <a:endParaRPr lang="en-IN"/>
+          </a:p>
+        </p:txBody>
+      </p:sp>
+      <p:sp>
+        <p:nvSpPr>
+          <p:cNvPr id="26" name="Flowchart: Connector 25">
+            <a:extLst>
+              <a:ext uri="{FF2B5EF4-FFF2-40B4-BE49-F238E27FC236}">
+                <a16:creationId xmlns:a16="http://schemas.microsoft.com/office/drawing/2014/main" id="{A01D6E82-A5AC-4FE4-A92A-8F7623F18A0D}"/>
+              </a:ext>
+            </a:extLst>
+          </p:cNvPr>
+          <p:cNvSpPr/>
+          <p:nvPr/>
+        </p:nvSpPr>
+        <p:spPr>
+          <a:xfrm>
+            <a:off x="220020" y="2014592"/>
+            <a:ext cx="3615337" cy="3615337"/>
+          </a:xfrm>
+          <a:prstGeom prst="flowChartConnector">
+            <a:avLst/>
+          </a:prstGeom>
+          <a:solidFill>
+            <a:schemeClr val="bg1"/>
+          </a:solidFill>
+          <a:ln>
+            <a:noFill/>
+          </a:ln>
+          <a:effectLst>
+            <a:outerShdw blurRad="50800" dist="38100" dir="13500000" algn="br" rotWithShape="0">
+              <a:prstClr val="black">
+                <a:alpha val="40000"/>
+              </a:prstClr>
+            </a:outerShdw>
+          </a:effectLst>
+        </p:spPr>
+        <p:style>
+          <a:lnRef idx="2">
+            <a:schemeClr val="accent1">
+              <a:shade val="50000"/>
+            </a:schemeClr>
+          </a:lnRef>
+          <a:fillRef idx="1">
+            <a:schemeClr val="accent1"/>
+          </a:fillRef>
+          <a:effectRef idx="0">
+            <a:schemeClr val="accent1"/>
+          </a:effectRef>
+          <a:fontRef idx="minor">
+            <a:schemeClr val="lt1"/>
+          </a:fontRef>
+        </p:style>
+        <p:txBody>
+          <a:bodyPr rtlCol="0" anchor="ctr"/>
+          <a:lstStyle/>
+          <a:p>
+            <a:pPr algn="ctr"/>
+            <a:endParaRPr lang="en-IN"/>
+          </a:p>
+        </p:txBody>
+      </p:sp>
+      <p:sp>
+        <p:nvSpPr>
+          <p:cNvPr id="27" name="Flowchart: Connector 26">
+            <a:extLst>
+              <a:ext uri="{FF2B5EF4-FFF2-40B4-BE49-F238E27FC236}">
+                <a16:creationId xmlns:a16="http://schemas.microsoft.com/office/drawing/2014/main" id="{F0F0A207-7D3F-40F6-8BD1-0E948ACB5A9D}"/>
+              </a:ext>
+            </a:extLst>
+          </p:cNvPr>
+          <p:cNvSpPr/>
+          <p:nvPr/>
+        </p:nvSpPr>
+        <p:spPr>
+          <a:xfrm>
+            <a:off x="483380" y="2316052"/>
+            <a:ext cx="2974316" cy="2974316"/>
+          </a:xfrm>
+          <a:prstGeom prst="flowChartConnector">
+            <a:avLst/>
+          </a:prstGeom>
+          <a:gradFill flip="none" rotWithShape="1">
+            <a:gsLst>
+              <a:gs pos="0">
+                <a:schemeClr val="accent1">
+                  <a:lumMod val="45000"/>
+                  <a:lumOff val="55000"/>
+                </a:schemeClr>
+              </a:gs>
+              <a:gs pos="60000">
+                <a:schemeClr val="bg1"/>
+              </a:gs>
+            </a:gsLst>
+            <a:lin ang="2700000" scaled="1"/>
+            <a:tileRect/>
+          </a:gradFill>
+          <a:ln>
+            <a:noFill/>
+          </a:ln>
+          <a:effectLst>
+            <a:outerShdw blurRad="139700" dist="152400" dir="3000000" algn="tl" rotWithShape="0">
+              <a:prstClr val="black">
+                <a:alpha val="40000"/>
+              </a:prstClr>
+            </a:outerShdw>
+          </a:effectLst>
+        </p:spPr>
+        <p:style>
+          <a:lnRef idx="2">
+            <a:schemeClr val="accent1">
+              <a:shade val="50000"/>
+            </a:schemeClr>
+          </a:lnRef>
+          <a:fillRef idx="1">
+            <a:schemeClr val="accent1"/>
+          </a:fillRef>
+          <a:effectRef idx="0">
+            <a:schemeClr val="accent1"/>
+          </a:effectRef>
+          <a:fontRef idx="minor">
+            <a:schemeClr val="lt1"/>
+          </a:fontRef>
+        </p:style>
+        <p:txBody>
+          <a:bodyPr rtlCol="0" anchor="ctr"/>
+          <a:lstStyle/>
+          <a:p>
+            <a:pPr algn="ctr"/>
+            <a:r>
+              <a:rPr lang="en-US" sz="2600" dirty="0">
+                <a:solidFill>
+                  <a:schemeClr val="tx1"/>
+                </a:solidFill>
+              </a:rPr>
+              <a:t>Pathnames</a:t>
+            </a:r>
+          </a:p>
+        </p:txBody>
+      </p:sp>
     </p:spTree>
   </p:cSld>
   <p:clrMapOvr>
@@ -22863,7 +19805,7 @@
           <p:cNvPr id="2" name="Title 1">
             <a:extLst>
               <a:ext uri="{FF2B5EF4-FFF2-40B4-BE49-F238E27FC236}">
-                <a16:creationId xmlns:a16="http://schemas.microsoft.com/office/drawing/2014/main" id="{C227B85D-FACC-4763-B5F4-80E07CA38FB2}"/>
+                <a16:creationId xmlns:a16="http://schemas.microsoft.com/office/drawing/2014/main" id="{543B4097-E74C-41BD-890A-47CB9A1CB6C6}"/>
               </a:ext>
             </a:extLst>
           </p:cNvPr>
@@ -22891,10 +19833,10 @@
       </p:sp>
       <p:sp>
         <p:nvSpPr>
-          <p:cNvPr id="15363" name="Content Placeholder 2">
+          <p:cNvPr id="17411" name="Content Placeholder 2">
             <a:extLst>
               <a:ext uri="{FF2B5EF4-FFF2-40B4-BE49-F238E27FC236}">
-                <a16:creationId xmlns:a16="http://schemas.microsoft.com/office/drawing/2014/main" id="{E2F79125-7E31-444A-BD84-50C735A247D2}"/>
+                <a16:creationId xmlns:a16="http://schemas.microsoft.com/office/drawing/2014/main" id="{1BE67228-2D74-413D-848E-C5F1575E7E76}"/>
               </a:ext>
             </a:extLst>
           </p:cNvPr>
@@ -22907,10 +19849,19 @@
         </p:nvSpPr>
         <p:spPr/>
         <p:txBody>
-          <a:bodyPr>
-            <a:normAutofit fontScale="92500" lnSpcReduction="10000"/>
-          </a:bodyPr>
+          <a:bodyPr/>
           <a:lstStyle/>
+          <a:p>
+            <a:pPr algn="just" eaLnBrk="1" hangingPunct="1">
+              <a:lnSpc>
+                <a:spcPct val="150000"/>
+              </a:lnSpc>
+            </a:pPr>
+            <a:r>
+              <a:rPr lang="en-US" altLang="en-US" dirty="0"/>
+              <a:t>An absolute pathname continues, tracing a path through all intermediate directories, to the file identified by the pathname. </a:t>
+            </a:r>
+          </a:p>
           <a:p>
             <a:pPr algn="just" eaLnBrk="1" hangingPunct="1">
               <a:lnSpc>
@@ -22926,22 +19877,11 @@
               <a:rPr lang="en-US" altLang="en-US" dirty="0">
                 <a:solidFill>
                   <a:schemeClr val="bg1">
-                    <a:lumMod val="75000"/>
+                    <a:lumMod val="65000"/>
                   </a:schemeClr>
                 </a:solidFill>
               </a:rPr>
-              <a:t>The root directory of the filesystem hierarchy does not have a name.</a:t>
-            </a:r>
-          </a:p>
-          <a:p>
-            <a:pPr algn="just" eaLnBrk="1" hangingPunct="1">
-              <a:lnSpc>
-                <a:spcPct val="150000"/>
-              </a:lnSpc>
-            </a:pPr>
-            <a:r>
-              <a:rPr lang="en-US" altLang="en-US" dirty="0"/>
-              <a:t>It is referred to as the root directory. </a:t>
+              <a:t>String all the filenames in the path together, following each directory with a slash (/). </a:t>
             </a:r>
           </a:p>
           <a:p>
@@ -22959,55 +19899,11 @@
               <a:rPr lang="en-US" altLang="en-US" dirty="0">
                 <a:solidFill>
                   <a:schemeClr val="bg1">
-                    <a:lumMod val="75000"/>
+                    <a:lumMod val="65000"/>
                   </a:schemeClr>
                 </a:solidFill>
               </a:rPr>
-              <a:t>It is represented by a / (slash) standing alone or at the left end of a pathname.</a:t>
-            </a:r>
-          </a:p>
-          <a:p>
-            <a:pPr algn="just" eaLnBrk="1" hangingPunct="1">
-              <a:lnSpc>
-                <a:spcPct val="150000"/>
-              </a:lnSpc>
-              <a:buClr>
-                <a:schemeClr val="bg1">
-                  <a:lumMod val="65000"/>
-                </a:schemeClr>
-              </a:buClr>
-            </a:pPr>
-            <a:r>
-              <a:rPr lang="en-US" altLang="en-US" dirty="0">
-                <a:solidFill>
-                  <a:schemeClr val="bg1">
-                    <a:lumMod val="75000"/>
-                  </a:schemeClr>
-                </a:solidFill>
-              </a:rPr>
-              <a:t>An absolute pathname starts with a slash (/), which represents the root directory.</a:t>
-            </a:r>
-          </a:p>
-          <a:p>
-            <a:pPr algn="just" eaLnBrk="1" hangingPunct="1">
-              <a:lnSpc>
-                <a:spcPct val="150000"/>
-              </a:lnSpc>
-              <a:buClr>
-                <a:schemeClr val="bg1">
-                  <a:lumMod val="65000"/>
-                </a:schemeClr>
-              </a:buClr>
-            </a:pPr>
-            <a:r>
-              <a:rPr lang="en-US" altLang="en-US" dirty="0">
-                <a:solidFill>
-                  <a:schemeClr val="bg1">
-                    <a:lumMod val="75000"/>
-                  </a:schemeClr>
-                </a:solidFill>
-              </a:rPr>
-              <a:t>The slash is followed by the name of a file located in the root directory. </a:t>
+              <a:t>This string of filenames is called an absolute pathname because it locates a file absolutely by tracing a path from the root directory to the file. </a:t>
             </a:r>
           </a:p>
           <a:p>
@@ -23021,11 +19917,6 @@
         </p:txBody>
       </p:sp>
     </p:spTree>
-    <p:extLst>
-      <p:ext uri="{BB962C8B-B14F-4D97-AF65-F5344CB8AC3E}">
-        <p14:creationId xmlns:p14="http://schemas.microsoft.com/office/powerpoint/2010/main" val="2329100469"/>
-      </p:ext>
-    </p:extLst>
   </p:cSld>
   <p:clrMapOvr>
     <a:masterClrMapping/>
@@ -23036,6 +19927,21 @@
 <file path=ppt/slides/slide8.xml><?xml version="1.0" encoding="utf-8"?>
 <p:sld xmlns:a="http://schemas.openxmlformats.org/drawingml/2006/main" xmlns:r="http://schemas.openxmlformats.org/officeDocument/2006/relationships" xmlns:p="http://schemas.openxmlformats.org/presentationml/2006/main">
   <p:cSld>
+    <p:bg>
+      <p:bgPr>
+        <a:blipFill dpi="0" rotWithShape="0">
+          <a:blip r:embed="rId2">
+            <a:alphaModFix amt="0"/>
+            <a:lum/>
+          </a:blip>
+          <a:srcRect/>
+          <a:stretch>
+            <a:fillRect/>
+          </a:stretch>
+        </a:blipFill>
+        <a:effectLst/>
+      </p:bgPr>
+    </p:bg>
     <p:spTree>
       <p:nvGrpSpPr>
         <p:cNvPr id="1" name=""/>
@@ -23055,7 +19961,7 @@
           <p:cNvPr id="2" name="Title 1">
             <a:extLst>
               <a:ext uri="{FF2B5EF4-FFF2-40B4-BE49-F238E27FC236}">
-                <a16:creationId xmlns:a16="http://schemas.microsoft.com/office/drawing/2014/main" id="{C227B85D-FACC-4763-B5F4-80E07CA38FB2}"/>
+                <a16:creationId xmlns:a16="http://schemas.microsoft.com/office/drawing/2014/main" id="{EF07B827-9E12-4363-BD07-D34779E1DCF9}"/>
               </a:ext>
             </a:extLst>
           </p:cNvPr>
@@ -23081,143 +19987,43 @@
           </a:p>
         </p:txBody>
       </p:sp>
-      <p:sp>
-        <p:nvSpPr>
-          <p:cNvPr id="15363" name="Content Placeholder 2">
+      <p:pic>
+        <p:nvPicPr>
+          <p:cNvPr id="18435" name="Content Placeholder 3" descr="File10.JPG">
             <a:extLst>
               <a:ext uri="{FF2B5EF4-FFF2-40B4-BE49-F238E27FC236}">
-                <a16:creationId xmlns:a16="http://schemas.microsoft.com/office/drawing/2014/main" id="{E2F79125-7E31-444A-BD84-50C735A247D2}"/>
+                <a16:creationId xmlns:a16="http://schemas.microsoft.com/office/drawing/2014/main" id="{E63C2687-C316-466C-8605-B873F6199ED8}"/>
               </a:ext>
             </a:extLst>
           </p:cNvPr>
-          <p:cNvSpPr>
-            <a:spLocks noGrp="1"/>
-          </p:cNvSpPr>
+          <p:cNvPicPr>
+            <a:picLocks noGrp="1" noChangeAspect="1" noChangeArrowheads="1"/>
+          </p:cNvPicPr>
           <p:nvPr>
             <p:ph idx="1"/>
           </p:nvPr>
-        </p:nvSpPr>
-        <p:spPr/>
-        <p:txBody>
-          <a:bodyPr>
-            <a:normAutofit fontScale="92500" lnSpcReduction="10000"/>
-          </a:bodyPr>
-          <a:lstStyle/>
-          <a:p>
-            <a:pPr algn="just" eaLnBrk="1" hangingPunct="1">
-              <a:lnSpc>
-                <a:spcPct val="150000"/>
-              </a:lnSpc>
-              <a:buClr>
-                <a:schemeClr val="bg1">
-                  <a:lumMod val="65000"/>
-                </a:schemeClr>
-              </a:buClr>
-            </a:pPr>
-            <a:r>
-              <a:rPr lang="en-US" altLang="en-US" dirty="0">
-                <a:solidFill>
-                  <a:schemeClr val="bg1">
-                    <a:lumMod val="75000"/>
-                  </a:schemeClr>
-                </a:solidFill>
-              </a:rPr>
-              <a:t>The root directory of the filesystem hierarchy does not have a name.</a:t>
-            </a:r>
-          </a:p>
-          <a:p>
-            <a:pPr algn="just" eaLnBrk="1" hangingPunct="1">
-              <a:lnSpc>
-                <a:spcPct val="150000"/>
-              </a:lnSpc>
-              <a:buClr>
-                <a:schemeClr val="bg1">
-                  <a:lumMod val="65000"/>
-                </a:schemeClr>
-              </a:buClr>
-            </a:pPr>
-            <a:r>
-              <a:rPr lang="en-US" altLang="en-US" dirty="0">
-                <a:solidFill>
-                  <a:schemeClr val="bg1">
-                    <a:lumMod val="75000"/>
-                  </a:schemeClr>
-                </a:solidFill>
-              </a:rPr>
-              <a:t>It is referred to as the root directory. </a:t>
-            </a:r>
-          </a:p>
-          <a:p>
-            <a:pPr algn="just" eaLnBrk="1" hangingPunct="1">
-              <a:lnSpc>
-                <a:spcPct val="150000"/>
-              </a:lnSpc>
-            </a:pPr>
-            <a:r>
-              <a:rPr lang="en-US" altLang="en-US" dirty="0"/>
-              <a:t>It is represented by a / (slash) standing alone or at the left end of a pathname.</a:t>
-            </a:r>
-          </a:p>
-          <a:p>
-            <a:pPr algn="just" eaLnBrk="1" hangingPunct="1">
-              <a:lnSpc>
-                <a:spcPct val="150000"/>
-              </a:lnSpc>
-              <a:buClr>
-                <a:schemeClr val="bg1">
-                  <a:lumMod val="65000"/>
-                </a:schemeClr>
-              </a:buClr>
-            </a:pPr>
-            <a:r>
-              <a:rPr lang="en-US" altLang="en-US" dirty="0">
-                <a:solidFill>
-                  <a:schemeClr val="bg1">
-                    <a:lumMod val="75000"/>
-                  </a:schemeClr>
-                </a:solidFill>
-              </a:rPr>
-              <a:t>An absolute pathname starts with a slash (/), which represents the root directory.</a:t>
-            </a:r>
-          </a:p>
-          <a:p>
-            <a:pPr algn="just" eaLnBrk="1" hangingPunct="1">
-              <a:lnSpc>
-                <a:spcPct val="150000"/>
-              </a:lnSpc>
-              <a:buClr>
-                <a:schemeClr val="bg1">
-                  <a:lumMod val="65000"/>
-                </a:schemeClr>
-              </a:buClr>
-            </a:pPr>
-            <a:r>
-              <a:rPr lang="en-US" altLang="en-US" dirty="0">
-                <a:solidFill>
-                  <a:schemeClr val="bg1">
-                    <a:lumMod val="75000"/>
-                  </a:schemeClr>
-                </a:solidFill>
-              </a:rPr>
-              <a:t>The slash is followed by the name of a file located in the root directory. </a:t>
-            </a:r>
-          </a:p>
-          <a:p>
-            <a:pPr algn="just" eaLnBrk="1" hangingPunct="1">
-              <a:lnSpc>
-                <a:spcPct val="150000"/>
-              </a:lnSpc>
-            </a:pPr>
-            <a:endParaRPr lang="en-US" altLang="en-US" dirty="0"/>
-          </a:p>
-        </p:txBody>
-      </p:sp>
+        </p:nvPicPr>
+        <p:blipFill>
+          <a:blip r:embed="rId3">
+            <a:extLst>
+              <a:ext uri="{28A0092B-C50C-407E-A947-70E740481C1C}">
+                <a14:useLocalDpi xmlns:a14="http://schemas.microsoft.com/office/drawing/2010/main" val="0"/>
+              </a:ext>
+            </a:extLst>
+          </a:blip>
+          <a:srcRect/>
+          <a:stretch>
+            <a:fillRect/>
+          </a:stretch>
+        </p:blipFill>
+        <p:spPr>
+          <a:xfrm>
+            <a:off x="304069" y="1752600"/>
+            <a:ext cx="8535861" cy="4171950"/>
+          </a:xfrm>
+        </p:spPr>
+      </p:pic>
     </p:spTree>
-    <p:extLst>
-      <p:ext uri="{BB962C8B-B14F-4D97-AF65-F5344CB8AC3E}">
-        <p14:creationId xmlns:p14="http://schemas.microsoft.com/office/powerpoint/2010/main" val="4204132699"/>
-      </p:ext>
-    </p:extLst>
   </p:cSld>
   <p:clrMapOvr>
     <a:masterClrMapping/>
@@ -23247,7 +20053,7 @@
           <p:cNvPr id="2" name="Title 1">
             <a:extLst>
               <a:ext uri="{FF2B5EF4-FFF2-40B4-BE49-F238E27FC236}">
-                <a16:creationId xmlns:a16="http://schemas.microsoft.com/office/drawing/2014/main" id="{C227B85D-FACC-4763-B5F4-80E07CA38FB2}"/>
+                <a16:creationId xmlns:a16="http://schemas.microsoft.com/office/drawing/2014/main" id="{550C81B9-8DAA-40F0-B1C8-3B20B450E74C}"/>
               </a:ext>
             </a:extLst>
           </p:cNvPr>
@@ -23275,10 +20081,10 @@
       </p:sp>
       <p:sp>
         <p:nvSpPr>
-          <p:cNvPr id="15363" name="Content Placeholder 2">
+          <p:cNvPr id="19459" name="Content Placeholder 2">
             <a:extLst>
               <a:ext uri="{FF2B5EF4-FFF2-40B4-BE49-F238E27FC236}">
-                <a16:creationId xmlns:a16="http://schemas.microsoft.com/office/drawing/2014/main" id="{E2F79125-7E31-444A-BD84-50C735A247D2}"/>
+                <a16:creationId xmlns:a16="http://schemas.microsoft.com/office/drawing/2014/main" id="{D2769183-E2D7-4843-9703-C3A21F6B35DD}"/>
               </a:ext>
             </a:extLst>
           </p:cNvPr>
@@ -23291,125 +20097,32 @@
         </p:nvSpPr>
         <p:spPr/>
         <p:txBody>
-          <a:bodyPr>
-            <a:normAutofit fontScale="92500" lnSpcReduction="10000"/>
-          </a:bodyPr>
+          <a:bodyPr anchor="ctr"/>
           <a:lstStyle/>
           <a:p>
-            <a:pPr algn="just" eaLnBrk="1" hangingPunct="1">
+            <a:pPr marL="0" indent="0" algn="just" eaLnBrk="1" hangingPunct="1">
               <a:lnSpc>
                 <a:spcPct val="150000"/>
               </a:lnSpc>
-              <a:buClr>
-                <a:schemeClr val="bg1">
-                  <a:lumMod val="65000"/>
-                </a:schemeClr>
-              </a:buClr>
+              <a:buNone/>
             </a:pPr>
             <a:r>
-              <a:rPr lang="en-US" altLang="en-US" dirty="0">
-                <a:solidFill>
-                  <a:schemeClr val="bg1">
-                    <a:lumMod val="75000"/>
-                  </a:schemeClr>
-                </a:solidFill>
-              </a:rPr>
-              <a:t>The root directory of the filesystem hierarchy does not have a name.</a:t>
-            </a:r>
-          </a:p>
-          <a:p>
-            <a:pPr algn="just" eaLnBrk="1" hangingPunct="1">
+              <a:rPr lang="en-US" altLang="en-US" sz="2800" dirty="0"/>
+              <a:t>Using an absolute pathname, you can list or otherwise work with any file on the local system, regardless of the working directory at the time you give the command. </a:t>
+            </a:r>
+          </a:p>
+          <a:p>
+            <a:pPr marL="0" indent="0" algn="just" eaLnBrk="1" hangingPunct="1">
               <a:lnSpc>
                 <a:spcPct val="150000"/>
               </a:lnSpc>
-              <a:buClr>
-                <a:schemeClr val="bg1">
-                  <a:lumMod val="65000"/>
-                </a:schemeClr>
-              </a:buClr>
+              <a:buNone/>
             </a:pPr>
-            <a:r>
-              <a:rPr lang="en-US" altLang="en-US" dirty="0">
-                <a:solidFill>
-                  <a:schemeClr val="bg1">
-                    <a:lumMod val="75000"/>
-                  </a:schemeClr>
-                </a:solidFill>
-              </a:rPr>
-              <a:t>It is referred to as the root directory. </a:t>
-            </a:r>
-          </a:p>
-          <a:p>
-            <a:pPr algn="just" eaLnBrk="1" hangingPunct="1">
-              <a:lnSpc>
-                <a:spcPct val="150000"/>
-              </a:lnSpc>
-              <a:buClr>
-                <a:schemeClr val="bg1">
-                  <a:lumMod val="65000"/>
-                </a:schemeClr>
-              </a:buClr>
-            </a:pPr>
-            <a:r>
-              <a:rPr lang="en-US" altLang="en-US" dirty="0">
-                <a:solidFill>
-                  <a:schemeClr val="bg1">
-                    <a:lumMod val="75000"/>
-                  </a:schemeClr>
-                </a:solidFill>
-              </a:rPr>
-              <a:t>It is represented by a / (slash) standing alone or at the left end of a pathname.</a:t>
-            </a:r>
-          </a:p>
-          <a:p>
-            <a:pPr algn="just" eaLnBrk="1" hangingPunct="1">
-              <a:lnSpc>
-                <a:spcPct val="150000"/>
-              </a:lnSpc>
-            </a:pPr>
-            <a:r>
-              <a:rPr lang="en-US" altLang="en-US" dirty="0"/>
-              <a:t>An absolute pathname starts with a slash (/), which represents the root directory.</a:t>
-            </a:r>
-          </a:p>
-          <a:p>
-            <a:pPr algn="just" eaLnBrk="1" hangingPunct="1">
-              <a:lnSpc>
-                <a:spcPct val="150000"/>
-              </a:lnSpc>
-              <a:buClr>
-                <a:schemeClr val="bg1">
-                  <a:lumMod val="65000"/>
-                </a:schemeClr>
-              </a:buClr>
-            </a:pPr>
-            <a:r>
-              <a:rPr lang="en-US" altLang="en-US" dirty="0">
-                <a:solidFill>
-                  <a:schemeClr val="bg1">
-                    <a:lumMod val="75000"/>
-                  </a:schemeClr>
-                </a:solidFill>
-              </a:rPr>
-              <a:t>The slash is followed by the name of a file located in the root directory. </a:t>
-            </a:r>
-          </a:p>
-          <a:p>
-            <a:pPr algn="just" eaLnBrk="1" hangingPunct="1">
-              <a:lnSpc>
-                <a:spcPct val="150000"/>
-              </a:lnSpc>
-            </a:pPr>
-            <a:endParaRPr lang="en-US" altLang="en-US" dirty="0"/>
+            <a:endParaRPr lang="en-US" altLang="en-US" sz="2800" dirty="0"/>
           </a:p>
         </p:txBody>
       </p:sp>
     </p:spTree>
-    <p:extLst>
-      <p:ext uri="{BB962C8B-B14F-4D97-AF65-F5344CB8AC3E}">
-        <p14:creationId xmlns:p14="http://schemas.microsoft.com/office/powerpoint/2010/main" val="2619597066"/>
-      </p:ext>
-    </p:extLst>
   </p:cSld>
   <p:clrMapOvr>
     <a:masterClrMapping/>
